--- a/lectures/7/Developing the sampling plan.pptx
+++ b/lectures/7/Developing the sampling plan.pptx
@@ -5,10 +5,10 @@
     <p:sldMasterId id="2147483648" r:id="rId4"/>
   </p:sldMasterIdLst>
   <p:notesMasterIdLst>
-    <p:notesMasterId r:id="rId61"/>
+    <p:notesMasterId r:id="rId62"/>
   </p:notesMasterIdLst>
   <p:handoutMasterIdLst>
-    <p:handoutMasterId r:id="rId62"/>
+    <p:handoutMasterId r:id="rId63"/>
   </p:handoutMasterIdLst>
   <p:sldIdLst>
     <p:sldId id="256" r:id="rId5"/>
@@ -67,6 +67,7 @@
     <p:sldId id="309" r:id="rId58"/>
     <p:sldId id="310" r:id="rId59"/>
     <p:sldId id="311" r:id="rId60"/>
+    <p:sldId id="312" r:id="rId61"/>
   </p:sldIdLst>
   <p:sldSz cx="12192000" cy="6858000"/>
   <p:notesSz cx="6858000" cy="9144000"/>
@@ -270,7 +271,7 @@
           <a:p>
             <a:fld id="{73B2889B-A0AC-4482-8592-5C96F2309420}" type="datetimeFigureOut">
               <a:rPr lang="en-US" smtClean="0"/>
-              <a:t>8/13/2021</a:t>
+              <a:t>8/27/2021</a:t>
             </a:fld>
             <a:endParaRPr lang="en-US"/>
           </a:p>
@@ -447,7 +448,7 @@
           <a:p>
             <a:fld id="{830EB223-FFC0-462A-A3B8-EAA7CE0F8CBD}" type="datetimeFigureOut">
               <a:rPr lang="en-US" smtClean="0"/>
-              <a:t>8/13/2021</a:t>
+              <a:t>8/27/2021</a:t>
             </a:fld>
             <a:endParaRPr lang="en-US" dirty="0"/>
           </a:p>
@@ -1298,6 +1299,115 @@
 </p:notes>
 </file>
 
+<file path=ppt/notesSlides/notesSlide7.xml><?xml version="1.0" encoding="utf-8"?>
+<p:notes xmlns:a="http://schemas.openxmlformats.org/drawingml/2006/main" xmlns:r="http://schemas.openxmlformats.org/officeDocument/2006/relationships" xmlns:p="http://schemas.openxmlformats.org/presentationml/2006/main">
+  <p:cSld>
+    <p:spTree>
+      <p:nvGrpSpPr>
+        <p:cNvPr id="1" name=""/>
+        <p:cNvGrpSpPr/>
+        <p:nvPr/>
+      </p:nvGrpSpPr>
+      <p:grpSpPr>
+        <a:xfrm>
+          <a:off x="0" y="0"/>
+          <a:ext cx="0" cy="0"/>
+          <a:chOff x="0" y="0"/>
+          <a:chExt cx="0" cy="0"/>
+        </a:xfrm>
+      </p:grpSpPr>
+      <p:sp>
+        <p:nvSpPr>
+          <p:cNvPr id="2" name="Slide Image Placeholder 1"/>
+          <p:cNvSpPr>
+            <a:spLocks noGrp="1" noRot="1" noChangeAspect="1"/>
+          </p:cNvSpPr>
+          <p:nvPr>
+            <p:ph type="sldImg"/>
+          </p:nvPr>
+        </p:nvSpPr>
+        <p:spPr/>
+      </p:sp>
+      <p:sp>
+        <p:nvSpPr>
+          <p:cNvPr id="3" name="Notes Placeholder 2"/>
+          <p:cNvSpPr>
+            <a:spLocks noGrp="1"/>
+          </p:cNvSpPr>
+          <p:nvPr>
+            <p:ph type="body" idx="1"/>
+          </p:nvPr>
+        </p:nvSpPr>
+        <p:spPr/>
+        <p:txBody>
+          <a:bodyPr/>
+          <a:lstStyle/>
+          <a:p>
+            <a:r>
+              <a:rPr lang="en-US" dirty="0"/>
+              <a:t>You can either take it wherever you want. However, I strongly encourage you to come to class with your laptop to take the exam. I will be in class to answers any questions if you have during the exam. But I can’t answer it if you are elsewhere, so keep it in minds. </a:t>
+            </a:r>
+          </a:p>
+          <a:p>
+            <a:r>
+              <a:rPr lang="en-US" dirty="0"/>
+              <a:t>It will be open from 7: 55 AM </a:t>
+            </a:r>
+            <a:r>
+              <a:rPr lang="en-US"/>
+              <a:t>to 9:30 </a:t>
+            </a:r>
+            <a:r>
+              <a:rPr lang="en-US" dirty="0"/>
+              <a:t>AM on October 11</a:t>
+            </a:r>
+            <a:r>
+              <a:rPr lang="en-US" baseline="30000" dirty="0"/>
+              <a:t>th</a:t>
+            </a:r>
+            <a:r>
+              <a:rPr lang="en-US" dirty="0"/>
+              <a:t>. </a:t>
+            </a:r>
+          </a:p>
+        </p:txBody>
+      </p:sp>
+      <p:sp>
+        <p:nvSpPr>
+          <p:cNvPr id="4" name="Slide Number Placeholder 3"/>
+          <p:cNvSpPr>
+            <a:spLocks noGrp="1"/>
+          </p:cNvSpPr>
+          <p:nvPr>
+            <p:ph type="sldNum" sz="quarter" idx="5"/>
+          </p:nvPr>
+        </p:nvSpPr>
+        <p:spPr/>
+        <p:txBody>
+          <a:bodyPr/>
+          <a:lstStyle/>
+          <a:p>
+            <a:fld id="{BC849E9A-41F7-4779-A581-48A7C374A227}" type="slidenum">
+              <a:rPr lang="en-US" smtClean="0"/>
+              <a:t>57</a:t>
+            </a:fld>
+            <a:endParaRPr lang="en-US" dirty="0"/>
+          </a:p>
+        </p:txBody>
+      </p:sp>
+    </p:spTree>
+    <p:extLst>
+      <p:ext uri="{BB962C8B-B14F-4D97-AF65-F5344CB8AC3E}">
+        <p14:creationId xmlns:p14="http://schemas.microsoft.com/office/powerpoint/2010/main" val="2526928783"/>
+      </p:ext>
+    </p:extLst>
+  </p:cSld>
+  <p:clrMapOvr>
+    <a:masterClrMapping/>
+  </p:clrMapOvr>
+</p:notes>
+</file>
+
 <file path=ppt/slideLayouts/slideLayout1.xml><?xml version="1.0" encoding="utf-8"?>
 <p:sldLayout xmlns:a="http://schemas.openxmlformats.org/drawingml/2006/main" xmlns:r="http://schemas.openxmlformats.org/officeDocument/2006/relationships" xmlns:p="http://schemas.openxmlformats.org/presentationml/2006/main" type="title" preserve="1">
   <p:cSld name="Title Slide">
@@ -1445,7 +1555,7 @@
           <a:p>
             <a:fld id="{DECF21A4-E71B-4D3A-AF45-E989C23A7BB1}" type="datetimeFigureOut">
               <a:rPr lang="en-US" smtClean="0"/>
-              <a:t>8/13/2021</a:t>
+              <a:t>8/27/2021</a:t>
             </a:fld>
             <a:endParaRPr lang="en-US" dirty="0"/>
           </a:p>
@@ -1643,7 +1753,7 @@
           <a:p>
             <a:fld id="{DECF21A4-E71B-4D3A-AF45-E989C23A7BB1}" type="datetimeFigureOut">
               <a:rPr lang="en-US" smtClean="0"/>
-              <a:t>8/13/2021</a:t>
+              <a:t>8/27/2021</a:t>
             </a:fld>
             <a:endParaRPr lang="en-US" dirty="0"/>
           </a:p>
@@ -1851,7 +1961,7 @@
           <a:p>
             <a:fld id="{DECF21A4-E71B-4D3A-AF45-E989C23A7BB1}" type="datetimeFigureOut">
               <a:rPr lang="en-US" smtClean="0"/>
-              <a:t>8/13/2021</a:t>
+              <a:t>8/27/2021</a:t>
             </a:fld>
             <a:endParaRPr lang="en-US" dirty="0"/>
           </a:p>
@@ -2049,7 +2159,7 @@
           <a:p>
             <a:fld id="{DECF21A4-E71B-4D3A-AF45-E989C23A7BB1}" type="datetimeFigureOut">
               <a:rPr lang="en-US" smtClean="0"/>
-              <a:t>8/13/2021</a:t>
+              <a:t>8/27/2021</a:t>
             </a:fld>
             <a:endParaRPr lang="en-US" dirty="0"/>
           </a:p>
@@ -2324,7 +2434,7 @@
           <a:p>
             <a:fld id="{DECF21A4-E71B-4D3A-AF45-E989C23A7BB1}" type="datetimeFigureOut">
               <a:rPr lang="en-US" smtClean="0"/>
-              <a:t>8/13/2021</a:t>
+              <a:t>8/27/2021</a:t>
             </a:fld>
             <a:endParaRPr lang="en-US" dirty="0"/>
           </a:p>
@@ -2589,7 +2699,7 @@
           <a:p>
             <a:fld id="{DECF21A4-E71B-4D3A-AF45-E989C23A7BB1}" type="datetimeFigureOut">
               <a:rPr lang="en-US" smtClean="0"/>
-              <a:t>8/13/2021</a:t>
+              <a:t>8/27/2021</a:t>
             </a:fld>
             <a:endParaRPr lang="en-US" dirty="0"/>
           </a:p>
@@ -3001,7 +3111,7 @@
           <a:p>
             <a:fld id="{DECF21A4-E71B-4D3A-AF45-E989C23A7BB1}" type="datetimeFigureOut">
               <a:rPr lang="en-US" smtClean="0"/>
-              <a:t>8/13/2021</a:t>
+              <a:t>8/27/2021</a:t>
             </a:fld>
             <a:endParaRPr lang="en-US" dirty="0"/>
           </a:p>
@@ -3142,7 +3252,7 @@
           <a:p>
             <a:fld id="{DECF21A4-E71B-4D3A-AF45-E989C23A7BB1}" type="datetimeFigureOut">
               <a:rPr lang="en-US" smtClean="0"/>
-              <a:t>8/13/2021</a:t>
+              <a:t>8/27/2021</a:t>
             </a:fld>
             <a:endParaRPr lang="en-US" dirty="0"/>
           </a:p>
@@ -3255,7 +3365,7 @@
           <a:p>
             <a:fld id="{DECF21A4-E71B-4D3A-AF45-E989C23A7BB1}" type="datetimeFigureOut">
               <a:rPr lang="en-US" smtClean="0"/>
-              <a:t>8/13/2021</a:t>
+              <a:t>8/27/2021</a:t>
             </a:fld>
             <a:endParaRPr lang="en-US" dirty="0"/>
           </a:p>
@@ -3566,7 +3676,7 @@
           <a:p>
             <a:fld id="{DECF21A4-E71B-4D3A-AF45-E989C23A7BB1}" type="datetimeFigureOut">
               <a:rPr lang="en-US" smtClean="0"/>
-              <a:t>8/13/2021</a:t>
+              <a:t>8/27/2021</a:t>
             </a:fld>
             <a:endParaRPr lang="en-US" dirty="0"/>
           </a:p>
@@ -3858,7 +3968,7 @@
           <a:p>
             <a:fld id="{DECF21A4-E71B-4D3A-AF45-E989C23A7BB1}" type="datetimeFigureOut">
               <a:rPr lang="en-US" smtClean="0"/>
-              <a:t>8/13/2021</a:t>
+              <a:t>8/27/2021</a:t>
             </a:fld>
             <a:endParaRPr lang="en-US" dirty="0"/>
           </a:p>
@@ -4099,7 +4209,7 @@
           <a:p>
             <a:fld id="{DECF21A4-E71B-4D3A-AF45-E989C23A7BB1}" type="datetimeFigureOut">
               <a:rPr lang="en-US" smtClean="0"/>
-              <a:t>8/13/2021</a:t>
+              <a:t>8/27/2021</a:t>
             </a:fld>
             <a:endParaRPr lang="en-US" dirty="0"/>
           </a:p>
@@ -6926,8 +7036,8 @@
           </a:p>
         </p:txBody>
       </p:sp>
-      <mc:AlternateContent xmlns:mc="http://schemas.openxmlformats.org/markup-compatibility/2006">
-        <mc:Choice xmlns:a14="http://schemas.microsoft.com/office/drawing/2010/main" Requires="a14">
+      <mc:AlternateContent xmlns:mc="http://schemas.openxmlformats.org/markup-compatibility/2006" xmlns:a14="http://schemas.microsoft.com/office/drawing/2010/main">
+        <mc:Choice Requires="a14">
           <p:sp>
             <p:nvSpPr>
               <p:cNvPr id="3" name="Content Placeholder 2">
@@ -7099,7 +7209,7 @@
             </p:txBody>
           </p:sp>
         </mc:Choice>
-        <mc:Fallback>
+        <mc:Fallback xmlns="">
           <p:sp>
             <p:nvSpPr>
               <p:cNvPr id="3" name="Content Placeholder 2">
@@ -7337,8 +7447,8 @@
           </a:p>
         </p:txBody>
       </p:sp>
-      <mc:AlternateContent xmlns:mc="http://schemas.openxmlformats.org/markup-compatibility/2006">
-        <mc:Choice xmlns:a14="http://schemas.microsoft.com/office/drawing/2010/main" Requires="a14">
+      <mc:AlternateContent xmlns:mc="http://schemas.openxmlformats.org/markup-compatibility/2006" xmlns:a14="http://schemas.microsoft.com/office/drawing/2010/main">
+        <mc:Choice Requires="a14">
           <p:sp>
             <p:nvSpPr>
               <p:cNvPr id="3" name="Content Placeholder 2">
@@ -7538,7 +7648,7 @@
             </p:txBody>
           </p:sp>
         </mc:Choice>
-        <mc:Fallback>
+        <mc:Fallback xmlns="">
           <p:sp>
             <p:nvSpPr>
               <p:cNvPr id="3" name="Content Placeholder 2">
@@ -7864,8 +7974,8 @@
           </a:p>
         </p:txBody>
       </p:sp>
-      <mc:AlternateContent xmlns:mc="http://schemas.openxmlformats.org/markup-compatibility/2006">
-        <mc:Choice xmlns:a14="http://schemas.microsoft.com/office/drawing/2010/main" Requires="a14">
+      <mc:AlternateContent xmlns:mc="http://schemas.openxmlformats.org/markup-compatibility/2006" xmlns:a14="http://schemas.microsoft.com/office/drawing/2010/main">
+        <mc:Choice Requires="a14">
           <p:sp>
             <p:nvSpPr>
               <p:cNvPr id="3" name="Content Placeholder 2">
@@ -8076,7 +8186,7 @@
             </p:txBody>
           </p:sp>
         </mc:Choice>
-        <mc:Fallback>
+        <mc:Fallback xmlns="">
           <p:sp>
             <p:nvSpPr>
               <p:cNvPr id="3" name="Content Placeholder 2">
@@ -8543,8 +8653,8 @@
           </a:p>
         </p:txBody>
       </p:sp>
-      <mc:AlternateContent xmlns:mc="http://schemas.openxmlformats.org/markup-compatibility/2006">
-        <mc:Choice xmlns:a14="http://schemas.microsoft.com/office/drawing/2010/main" Requires="a14">
+      <mc:AlternateContent xmlns:mc="http://schemas.openxmlformats.org/markup-compatibility/2006" xmlns:a14="http://schemas.microsoft.com/office/drawing/2010/main">
+        <mc:Choice Requires="a14">
           <p:sp>
             <p:nvSpPr>
               <p:cNvPr id="3" name="Content Placeholder 2">
@@ -8762,7 +8872,7 @@
             </p:txBody>
           </p:sp>
         </mc:Choice>
-        <mc:Fallback>
+        <mc:Fallback xmlns="">
           <p:sp>
             <p:nvSpPr>
               <p:cNvPr id="3" name="Content Placeholder 2">
@@ -8860,8 +8970,8 @@
           </a:p>
         </p:txBody>
       </p:sp>
-      <mc:AlternateContent xmlns:mc="http://schemas.openxmlformats.org/markup-compatibility/2006">
-        <mc:Choice xmlns:a14="http://schemas.microsoft.com/office/drawing/2010/main" Requires="a14">
+      <mc:AlternateContent xmlns:mc="http://schemas.openxmlformats.org/markup-compatibility/2006" xmlns:a14="http://schemas.microsoft.com/office/drawing/2010/main">
+        <mc:Choice Requires="a14">
           <p:sp>
             <p:nvSpPr>
               <p:cNvPr id="3" name="Content Placeholder 2">
@@ -8947,7 +9057,7 @@
             </p:txBody>
           </p:sp>
         </mc:Choice>
-        <mc:Fallback>
+        <mc:Fallback xmlns="">
           <p:sp>
             <p:nvSpPr>
               <p:cNvPr id="3" name="Content Placeholder 2">
@@ -9045,8 +9155,8 @@
           </a:p>
         </p:txBody>
       </p:sp>
-      <mc:AlternateContent xmlns:mc="http://schemas.openxmlformats.org/markup-compatibility/2006">
-        <mc:Choice xmlns:a14="http://schemas.microsoft.com/office/drawing/2010/main" Requires="a14">
+      <mc:AlternateContent xmlns:mc="http://schemas.openxmlformats.org/markup-compatibility/2006" xmlns:a14="http://schemas.microsoft.com/office/drawing/2010/main">
+        <mc:Choice Requires="a14">
           <p:sp>
             <p:nvSpPr>
               <p:cNvPr id="3" name="Content Placeholder 2">
@@ -9307,7 +9417,7 @@
             </p:txBody>
           </p:sp>
         </mc:Choice>
-        <mc:Fallback>
+        <mc:Fallback xmlns="">
           <p:sp>
             <p:nvSpPr>
               <p:cNvPr id="3" name="Content Placeholder 2">
@@ -9526,8 +9636,8 @@
           </a:p>
         </p:txBody>
       </p:sp>
-      <mc:AlternateContent xmlns:mc="http://schemas.openxmlformats.org/markup-compatibility/2006">
-        <mc:Choice xmlns:a14="http://schemas.microsoft.com/office/drawing/2010/main" Requires="a14">
+      <mc:AlternateContent xmlns:mc="http://schemas.openxmlformats.org/markup-compatibility/2006" xmlns:a14="http://schemas.microsoft.com/office/drawing/2010/main">
+        <mc:Choice Requires="a14">
           <p:sp>
             <p:nvSpPr>
               <p:cNvPr id="3" name="Content Placeholder 2">
@@ -9712,7 +9822,7 @@
             </p:txBody>
           </p:sp>
         </mc:Choice>
-        <mc:Fallback>
+        <mc:Fallback xmlns="">
           <p:sp>
             <p:nvSpPr>
               <p:cNvPr id="3" name="Content Placeholder 2">
@@ -9810,8 +9920,8 @@
           </a:p>
         </p:txBody>
       </p:sp>
-      <mc:AlternateContent xmlns:mc="http://schemas.openxmlformats.org/markup-compatibility/2006">
-        <mc:Choice xmlns:a14="http://schemas.microsoft.com/office/drawing/2010/main" Requires="a14">
+      <mc:AlternateContent xmlns:mc="http://schemas.openxmlformats.org/markup-compatibility/2006" xmlns:a14="http://schemas.microsoft.com/office/drawing/2010/main">
+        <mc:Choice Requires="a14">
           <p:sp>
             <p:nvSpPr>
               <p:cNvPr id="3" name="Content Placeholder 2">
@@ -9900,7 +10010,7 @@
             </p:txBody>
           </p:sp>
         </mc:Choice>
-        <mc:Fallback>
+        <mc:Fallback xmlns="">
           <p:sp>
             <p:nvSpPr>
               <p:cNvPr id="3" name="Content Placeholder 2">
@@ -9998,8 +10108,8 @@
           </a:p>
         </p:txBody>
       </p:sp>
-      <mc:AlternateContent xmlns:mc="http://schemas.openxmlformats.org/markup-compatibility/2006">
-        <mc:Choice xmlns:a14="http://schemas.microsoft.com/office/drawing/2010/main" Requires="a14">
+      <mc:AlternateContent xmlns:mc="http://schemas.openxmlformats.org/markup-compatibility/2006" xmlns:a14="http://schemas.microsoft.com/office/drawing/2010/main">
+        <mc:Choice Requires="a14">
           <p:sp>
             <p:nvSpPr>
               <p:cNvPr id="3" name="Content Placeholder 2">
@@ -10239,7 +10349,7 @@
             </p:txBody>
           </p:sp>
         </mc:Choice>
-        <mc:Fallback>
+        <mc:Fallback xmlns="">
           <p:sp>
             <p:nvSpPr>
               <p:cNvPr id="3" name="Content Placeholder 2">
@@ -10430,8 +10540,8 @@
           </a:p>
         </p:txBody>
       </p:sp>
-      <mc:AlternateContent xmlns:mc="http://schemas.openxmlformats.org/markup-compatibility/2006">
-        <mc:Choice xmlns:a14="http://schemas.microsoft.com/office/drawing/2010/main" Requires="a14">
+      <mc:AlternateContent xmlns:mc="http://schemas.openxmlformats.org/markup-compatibility/2006" xmlns:a14="http://schemas.microsoft.com/office/drawing/2010/main">
+        <mc:Choice Requires="a14">
           <p:sp>
             <p:nvSpPr>
               <p:cNvPr id="3" name="Content Placeholder 2">
@@ -10869,7 +10979,7 @@
             </p:txBody>
           </p:sp>
         </mc:Choice>
-        <mc:Fallback>
+        <mc:Fallback xmlns="">
           <p:sp>
             <p:nvSpPr>
               <p:cNvPr id="3" name="Content Placeholder 2">
@@ -13657,8 +13767,8 @@
           </a:p>
         </p:txBody>
       </p:sp>
-      <mc:AlternateContent xmlns:mc="http://schemas.openxmlformats.org/markup-compatibility/2006">
-        <mc:Choice xmlns:a14="http://schemas.microsoft.com/office/drawing/2010/main" Requires="a14">
+      <mc:AlternateContent xmlns:mc="http://schemas.openxmlformats.org/markup-compatibility/2006" xmlns:a14="http://schemas.microsoft.com/office/drawing/2010/main">
+        <mc:Choice Requires="a14">
           <p:sp>
             <p:nvSpPr>
               <p:cNvPr id="3" name="Content Placeholder 2">
@@ -14829,7 +14939,7 @@
             </p:txBody>
           </p:sp>
         </mc:Choice>
-        <mc:Fallback>
+        <mc:Fallback xmlns="">
           <p:sp>
             <p:nvSpPr>
               <p:cNvPr id="3" name="Content Placeholder 2">
@@ -14927,8 +15037,8 @@
           </a:p>
         </p:txBody>
       </p:sp>
-      <mc:AlternateContent xmlns:mc="http://schemas.openxmlformats.org/markup-compatibility/2006">
-        <mc:Choice xmlns:a14="http://schemas.microsoft.com/office/drawing/2010/main" Requires="a14">
+      <mc:AlternateContent xmlns:mc="http://schemas.openxmlformats.org/markup-compatibility/2006" xmlns:a14="http://schemas.microsoft.com/office/drawing/2010/main">
+        <mc:Choice Requires="a14">
           <p:sp>
             <p:nvSpPr>
               <p:cNvPr id="3" name="Content Placeholder 2">
@@ -15095,7 +15205,7 @@
             </p:txBody>
           </p:sp>
         </mc:Choice>
-        <mc:Fallback>
+        <mc:Fallback xmlns="">
           <p:sp>
             <p:nvSpPr>
               <p:cNvPr id="3" name="Content Placeholder 2">
@@ -15595,6 +15705,122 @@
     <p:extLst>
       <p:ext uri="{BB962C8B-B14F-4D97-AF65-F5344CB8AC3E}">
         <p14:creationId xmlns:p14="http://schemas.microsoft.com/office/powerpoint/2010/main" val="1202074988"/>
+      </p:ext>
+    </p:extLst>
+  </p:cSld>
+  <p:clrMapOvr>
+    <a:masterClrMapping/>
+  </p:clrMapOvr>
+</p:sld>
+</file>
+
+<file path=ppt/slides/slide57.xml><?xml version="1.0" encoding="utf-8"?>
+<p:sld xmlns:a="http://schemas.openxmlformats.org/drawingml/2006/main" xmlns:r="http://schemas.openxmlformats.org/officeDocument/2006/relationships" xmlns:p="http://schemas.openxmlformats.org/presentationml/2006/main">
+  <p:cSld>
+    <p:spTree>
+      <p:nvGrpSpPr>
+        <p:cNvPr id="1" name=""/>
+        <p:cNvGrpSpPr/>
+        <p:nvPr/>
+      </p:nvGrpSpPr>
+      <p:grpSpPr>
+        <a:xfrm>
+          <a:off x="0" y="0"/>
+          <a:ext cx="0" cy="0"/>
+          <a:chOff x="0" y="0"/>
+          <a:chExt cx="0" cy="0"/>
+        </a:xfrm>
+      </p:grpSpPr>
+      <p:sp>
+        <p:nvSpPr>
+          <p:cNvPr id="2" name="Title 1">
+            <a:extLst>
+              <a:ext uri="{FF2B5EF4-FFF2-40B4-BE49-F238E27FC236}">
+                <a16:creationId xmlns:a16="http://schemas.microsoft.com/office/drawing/2014/main" id="{E5F3362F-08CE-4842-B79D-F313B8AD291E}"/>
+              </a:ext>
+            </a:extLst>
+          </p:cNvPr>
+          <p:cNvSpPr>
+            <a:spLocks noGrp="1"/>
+          </p:cNvSpPr>
+          <p:nvPr>
+            <p:ph type="title"/>
+          </p:nvPr>
+        </p:nvSpPr>
+        <p:spPr/>
+        <p:txBody>
+          <a:bodyPr/>
+          <a:lstStyle/>
+          <a:p>
+            <a:r>
+              <a:rPr lang="en-US" dirty="0"/>
+              <a:t>First Exam</a:t>
+            </a:r>
+          </a:p>
+        </p:txBody>
+      </p:sp>
+      <p:sp>
+        <p:nvSpPr>
+          <p:cNvPr id="3" name="Content Placeholder 2">
+            <a:extLst>
+              <a:ext uri="{FF2B5EF4-FFF2-40B4-BE49-F238E27FC236}">
+                <a16:creationId xmlns:a16="http://schemas.microsoft.com/office/drawing/2014/main" id="{E7AB27BD-F71D-43CE-A13B-98993FACBF93}"/>
+              </a:ext>
+            </a:extLst>
+          </p:cNvPr>
+          <p:cNvSpPr>
+            <a:spLocks noGrp="1"/>
+          </p:cNvSpPr>
+          <p:nvPr>
+            <p:ph idx="1"/>
+          </p:nvPr>
+        </p:nvSpPr>
+        <p:spPr/>
+        <p:txBody>
+          <a:bodyPr/>
+          <a:lstStyle/>
+          <a:p>
+            <a:r>
+              <a:rPr lang="en-US" dirty="0"/>
+              <a:t>Chapters 8 to 15, with a heavy emphasis on chapters 8, 12, and 15</a:t>
+            </a:r>
+          </a:p>
+          <a:p>
+            <a:r>
+              <a:rPr lang="en-US" dirty="0"/>
+              <a:t>25 questions (200 points) with 2 extra credit questions (16 points) in 75 mins</a:t>
+            </a:r>
+          </a:p>
+          <a:p>
+            <a:r>
+              <a:rPr lang="en-US" dirty="0"/>
+              <a:t>Notes are allowed</a:t>
+            </a:r>
+          </a:p>
+          <a:p>
+            <a:r>
+              <a:rPr lang="en-US" dirty="0"/>
+              <a:t>Lockdown Browser is required </a:t>
+            </a:r>
+          </a:p>
+          <a:p>
+            <a:r>
+              <a:rPr lang="en-US" b="1" dirty="0"/>
+              <a:t>1 attempt only </a:t>
+            </a:r>
+          </a:p>
+          <a:p>
+            <a:r>
+              <a:rPr lang="en-US" dirty="0"/>
+              <a:t>Online</a:t>
+            </a:r>
+          </a:p>
+        </p:txBody>
+      </p:sp>
+    </p:spTree>
+    <p:extLst>
+      <p:ext uri="{BB962C8B-B14F-4D97-AF65-F5344CB8AC3E}">
+        <p14:creationId xmlns:p14="http://schemas.microsoft.com/office/powerpoint/2010/main" val="3738535367"/>
       </p:ext>
     </p:extLst>
   </p:cSld>
@@ -16946,6 +17172,23 @@
 </file>
 
 <file path=customXml/item1.xml><?xml version="1.0" encoding="utf-8"?>
+<p:properties xmlns:p="http://schemas.microsoft.com/office/2006/metadata/properties" xmlns:xsi="http://www.w3.org/2001/XMLSchema-instance" xmlns:pc="http://schemas.microsoft.com/office/infopath/2007/PartnerControls">
+  <documentManagement>
+    <MediaServiceKeyPoints xmlns="71af3243-3dd4-4a8d-8c0d-dd76da1f02a5" xsi:nil="true"/>
+  </documentManagement>
+</p:properties>
+</file>
+
+<file path=customXml/item2.xml><?xml version="1.0" encoding="utf-8"?>
+<?mso-contentType ?>
+<FormTemplates xmlns="http://schemas.microsoft.com/sharepoint/v3/contenttype/forms">
+  <Display>DocumentLibraryForm</Display>
+  <Edit>DocumentLibraryForm</Edit>
+  <New>DocumentLibraryForm</New>
+</FormTemplates>
+</file>
+
+<file path=customXml/item3.xml><?xml version="1.0" encoding="utf-8"?>
 <ct:contentTypeSchema xmlns:ct="http://schemas.microsoft.com/office/2006/metadata/contentType" xmlns:ma="http://schemas.microsoft.com/office/2006/metadata/properties/metaAttributes" ct:_="" ma:_="" ma:contentTypeName="Document" ma:contentTypeID="0x01010079F111ED35F8CC479449609E8A0923A6" ma:contentTypeVersion="11" ma:contentTypeDescription="Create a new document." ma:contentTypeScope="" ma:versionID="96291512c1ee715ab617f4c07df79fc1">
   <xsd:schema xmlns:xsd="http://www.w3.org/2001/XMLSchema" xmlns:xs="http://www.w3.org/2001/XMLSchema" xmlns:p="http://schemas.microsoft.com/office/2006/metadata/properties" xmlns:ns2="71af3243-3dd4-4a8d-8c0d-dd76da1f02a5" xmlns:ns3="16c05727-aa75-4e4a-9b5f-8a80a1165891" targetNamespace="http://schemas.microsoft.com/office/2006/metadata/properties" ma:root="true" ma:fieldsID="8256c27c40ca5c40ce1cf6c44f0205df" ns2:_="" ns3:_="">
     <xsd:import namespace="71af3243-3dd4-4a8d-8c0d-dd76da1f02a5"/>
@@ -17156,24 +17399,25 @@
 </ct:contentTypeSchema>
 </file>
 
-<file path=customXml/item2.xml><?xml version="1.0" encoding="utf-8"?>
-<p:properties xmlns:p="http://schemas.microsoft.com/office/2006/metadata/properties" xmlns:xsi="http://www.w3.org/2001/XMLSchema-instance" xmlns:pc="http://schemas.microsoft.com/office/infopath/2007/PartnerControls">
-  <documentManagement>
-    <MediaServiceKeyPoints xmlns="71af3243-3dd4-4a8d-8c0d-dd76da1f02a5" xsi:nil="true"/>
-  </documentManagement>
-</p:properties>
+<file path=customXml/itemProps1.xml><?xml version="1.0" encoding="utf-8"?>
+<ds:datastoreItem xmlns:ds="http://schemas.openxmlformats.org/officeDocument/2006/customXml" ds:itemID="{03C7D9E6-B0D9-433E-BD46-EB60F64F4DA8}">
+  <ds:schemaRefs>
+    <ds:schemaRef ds:uri="http://schemas.microsoft.com/office/2006/metadata/properties"/>
+    <ds:schemaRef ds:uri="http://schemas.microsoft.com/office/infopath/2007/PartnerControls"/>
+    <ds:schemaRef ds:uri="71af3243-3dd4-4a8d-8c0d-dd76da1f02a5"/>
+  </ds:schemaRefs>
+</ds:datastoreItem>
 </file>
 
-<file path=customXml/item3.xml><?xml version="1.0" encoding="utf-8"?>
-<?mso-contentType ?>
-<FormTemplates xmlns="http://schemas.microsoft.com/sharepoint/v3/contenttype/forms">
-  <Display>DocumentLibraryForm</Display>
-  <Edit>DocumentLibraryForm</Edit>
-  <New>DocumentLibraryForm</New>
-</FormTemplates>
+<file path=customXml/itemProps2.xml><?xml version="1.0" encoding="utf-8"?>
+<ds:datastoreItem xmlns:ds="http://schemas.openxmlformats.org/officeDocument/2006/customXml" ds:itemID="{5CA875DA-F9FD-4F83-A049-3B1027B542DE}">
+  <ds:schemaRefs>
+    <ds:schemaRef ds:uri="http://schemas.microsoft.com/sharepoint/v3/contenttype/forms"/>
+  </ds:schemaRefs>
+</ds:datastoreItem>
 </file>
 
-<file path=customXml/itemProps1.xml><?xml version="1.0" encoding="utf-8"?>
+<file path=customXml/itemProps3.xml><?xml version="1.0" encoding="utf-8"?>
 <ds:datastoreItem xmlns:ds="http://schemas.openxmlformats.org/officeDocument/2006/customXml" ds:itemID="{B2AB02E3-5ADF-4BF0-9C1B-35CDF3FE95B0}">
   <ds:schemaRefs>
     <ds:schemaRef ds:uri="http://schemas.microsoft.com/office/2006/metadata/contentType"/>
@@ -17190,22 +17434,4 @@
     <ds:schemaRef ds:uri="http://schemas.microsoft.com/internal/obd"/>
   </ds:schemaRefs>
 </ds:datastoreItem>
-</file>
-
-<file path=customXml/itemProps2.xml><?xml version="1.0" encoding="utf-8"?>
-<ds:datastoreItem xmlns:ds="http://schemas.openxmlformats.org/officeDocument/2006/customXml" ds:itemID="{03C7D9E6-B0D9-433E-BD46-EB60F64F4DA8}">
-  <ds:schemaRefs>
-    <ds:schemaRef ds:uri="http://schemas.microsoft.com/office/2006/metadata/properties"/>
-    <ds:schemaRef ds:uri="http://schemas.microsoft.com/office/infopath/2007/PartnerControls"/>
-    <ds:schemaRef ds:uri="71af3243-3dd4-4a8d-8c0d-dd76da1f02a5"/>
-  </ds:schemaRefs>
-</ds:datastoreItem>
-</file>
-
-<file path=customXml/itemProps3.xml><?xml version="1.0" encoding="utf-8"?>
-<ds:datastoreItem xmlns:ds="http://schemas.openxmlformats.org/officeDocument/2006/customXml" ds:itemID="{5CA875DA-F9FD-4F83-A049-3B1027B542DE}">
-  <ds:schemaRefs>
-    <ds:schemaRef ds:uri="http://schemas.microsoft.com/sharepoint/v3/contenttype/forms"/>
-  </ds:schemaRefs>
-</ds:datastoreItem>
 </file>
--- a/lectures/7/Developing the sampling plan.pptx
+++ b/lectures/7/Developing the sampling plan.pptx
@@ -177,6 +177,2844 @@
 </p:presentation>
 </file>
 
+<file path=ppt/diagrams/colors1.xml><?xml version="1.0" encoding="utf-8"?>
+<dgm:colorsDef xmlns:dgm="http://schemas.openxmlformats.org/drawingml/2006/diagram" xmlns:a="http://schemas.openxmlformats.org/drawingml/2006/main" uniqueId="urn:microsoft.com/office/officeart/2005/8/colors/colorful2">
+  <dgm:title val=""/>
+  <dgm:desc val=""/>
+  <dgm:catLst>
+    <dgm:cat type="colorful" pri="10200"/>
+  </dgm:catLst>
+  <dgm:styleLbl name="node0">
+    <dgm:fillClrLst meth="repeat">
+      <a:schemeClr val="accent1"/>
+    </dgm:fillClrLst>
+    <dgm:linClrLst meth="repeat">
+      <a:schemeClr val="lt1"/>
+    </dgm:linClrLst>
+    <dgm:effectClrLst/>
+    <dgm:txLinClrLst/>
+    <dgm:txFillClrLst/>
+    <dgm:txEffectClrLst/>
+  </dgm:styleLbl>
+  <dgm:styleLbl name="node1">
+    <dgm:fillClrLst>
+      <a:schemeClr val="accent2"/>
+      <a:schemeClr val="accent3"/>
+    </dgm:fillClrLst>
+    <dgm:linClrLst meth="repeat">
+      <a:schemeClr val="lt1"/>
+    </dgm:linClrLst>
+    <dgm:effectClrLst/>
+    <dgm:txLinClrLst/>
+    <dgm:txFillClrLst/>
+    <dgm:txEffectClrLst/>
+  </dgm:styleLbl>
+  <dgm:styleLbl name="alignNode1">
+    <dgm:fillClrLst>
+      <a:schemeClr val="accent2"/>
+      <a:schemeClr val="accent3"/>
+    </dgm:fillClrLst>
+    <dgm:linClrLst>
+      <a:schemeClr val="accent2"/>
+      <a:schemeClr val="accent3"/>
+    </dgm:linClrLst>
+    <dgm:effectClrLst/>
+    <dgm:txLinClrLst/>
+    <dgm:txFillClrLst/>
+    <dgm:txEffectClrLst/>
+  </dgm:styleLbl>
+  <dgm:styleLbl name="lnNode1">
+    <dgm:fillClrLst>
+      <a:schemeClr val="accent2"/>
+      <a:schemeClr val="accent3"/>
+    </dgm:fillClrLst>
+    <dgm:linClrLst meth="repeat">
+      <a:schemeClr val="lt1"/>
+    </dgm:linClrLst>
+    <dgm:effectClrLst/>
+    <dgm:txLinClrLst/>
+    <dgm:txFillClrLst/>
+    <dgm:txEffectClrLst/>
+  </dgm:styleLbl>
+  <dgm:styleLbl name="vennNode1">
+    <dgm:fillClrLst>
+      <a:schemeClr val="accent2">
+        <a:alpha val="50000"/>
+      </a:schemeClr>
+      <a:schemeClr val="accent3">
+        <a:alpha val="50000"/>
+      </a:schemeClr>
+    </dgm:fillClrLst>
+    <dgm:linClrLst meth="repeat">
+      <a:schemeClr val="lt1"/>
+    </dgm:linClrLst>
+    <dgm:effectClrLst/>
+    <dgm:txLinClrLst/>
+    <dgm:txFillClrLst/>
+    <dgm:txEffectClrLst/>
+  </dgm:styleLbl>
+  <dgm:styleLbl name="node2">
+    <dgm:fillClrLst>
+      <a:schemeClr val="accent3"/>
+    </dgm:fillClrLst>
+    <dgm:linClrLst meth="repeat">
+      <a:schemeClr val="lt1"/>
+    </dgm:linClrLst>
+    <dgm:effectClrLst/>
+    <dgm:txLinClrLst/>
+    <dgm:txFillClrLst/>
+    <dgm:txEffectClrLst/>
+  </dgm:styleLbl>
+  <dgm:styleLbl name="node3">
+    <dgm:fillClrLst>
+      <a:schemeClr val="accent4"/>
+    </dgm:fillClrLst>
+    <dgm:linClrLst meth="repeat">
+      <a:schemeClr val="lt1"/>
+    </dgm:linClrLst>
+    <dgm:effectClrLst/>
+    <dgm:txLinClrLst/>
+    <dgm:txFillClrLst/>
+    <dgm:txEffectClrLst/>
+  </dgm:styleLbl>
+  <dgm:styleLbl name="node4">
+    <dgm:fillClrLst>
+      <a:schemeClr val="accent5"/>
+    </dgm:fillClrLst>
+    <dgm:linClrLst meth="repeat">
+      <a:schemeClr val="lt1"/>
+    </dgm:linClrLst>
+    <dgm:effectClrLst/>
+    <dgm:txLinClrLst/>
+    <dgm:txFillClrLst/>
+    <dgm:txEffectClrLst/>
+  </dgm:styleLbl>
+  <dgm:styleLbl name="fgImgPlace1">
+    <dgm:fillClrLst>
+      <a:schemeClr val="accent2">
+        <a:tint val="50000"/>
+      </a:schemeClr>
+      <a:schemeClr val="accent3">
+        <a:tint val="50000"/>
+      </a:schemeClr>
+    </dgm:fillClrLst>
+    <dgm:linClrLst meth="repeat">
+      <a:schemeClr val="lt1"/>
+    </dgm:linClrLst>
+    <dgm:effectClrLst/>
+    <dgm:txLinClrLst/>
+    <dgm:txFillClrLst meth="repeat">
+      <a:schemeClr val="lt1"/>
+    </dgm:txFillClrLst>
+    <dgm:txEffectClrLst/>
+  </dgm:styleLbl>
+  <dgm:styleLbl name="alignImgPlace1">
+    <dgm:fillClrLst>
+      <a:schemeClr val="accent2">
+        <a:tint val="50000"/>
+      </a:schemeClr>
+      <a:schemeClr val="accent3">
+        <a:tint val="20000"/>
+      </a:schemeClr>
+    </dgm:fillClrLst>
+    <dgm:linClrLst meth="repeat">
+      <a:schemeClr val="lt1"/>
+    </dgm:linClrLst>
+    <dgm:effectClrLst/>
+    <dgm:txLinClrLst/>
+    <dgm:txFillClrLst meth="repeat">
+      <a:schemeClr val="lt1"/>
+    </dgm:txFillClrLst>
+    <dgm:txEffectClrLst/>
+  </dgm:styleLbl>
+  <dgm:styleLbl name="bgImgPlace1">
+    <dgm:fillClrLst>
+      <a:schemeClr val="accent2">
+        <a:tint val="50000"/>
+      </a:schemeClr>
+      <a:schemeClr val="accent3">
+        <a:tint val="20000"/>
+      </a:schemeClr>
+    </dgm:fillClrLst>
+    <dgm:linClrLst meth="repeat">
+      <a:schemeClr val="lt1"/>
+    </dgm:linClrLst>
+    <dgm:effectClrLst/>
+    <dgm:txLinClrLst/>
+    <dgm:txFillClrLst meth="repeat">
+      <a:schemeClr val="lt1"/>
+    </dgm:txFillClrLst>
+    <dgm:txEffectClrLst/>
+  </dgm:styleLbl>
+  <dgm:styleLbl name="sibTrans2D1">
+    <dgm:fillClrLst>
+      <a:schemeClr val="accent2"/>
+      <a:schemeClr val="accent3"/>
+    </dgm:fillClrLst>
+    <dgm:linClrLst meth="repeat">
+      <a:schemeClr val="lt1"/>
+    </dgm:linClrLst>
+    <dgm:effectClrLst/>
+    <dgm:txLinClrLst/>
+    <dgm:txFillClrLst/>
+    <dgm:txEffectClrLst/>
+  </dgm:styleLbl>
+  <dgm:styleLbl name="fgSibTrans2D1">
+    <dgm:fillClrLst>
+      <a:schemeClr val="accent2"/>
+      <a:schemeClr val="accent3"/>
+    </dgm:fillClrLst>
+    <dgm:linClrLst meth="repeat">
+      <a:schemeClr val="lt1"/>
+    </dgm:linClrLst>
+    <dgm:effectClrLst/>
+    <dgm:txLinClrLst/>
+    <dgm:txFillClrLst meth="repeat">
+      <a:schemeClr val="lt1"/>
+    </dgm:txFillClrLst>
+    <dgm:txEffectClrLst/>
+  </dgm:styleLbl>
+  <dgm:styleLbl name="bgSibTrans2D1">
+    <dgm:fillClrLst>
+      <a:schemeClr val="accent2"/>
+      <a:schemeClr val="accent3"/>
+    </dgm:fillClrLst>
+    <dgm:linClrLst meth="repeat">
+      <a:schemeClr val="lt1"/>
+    </dgm:linClrLst>
+    <dgm:effectClrLst/>
+    <dgm:txLinClrLst/>
+    <dgm:txFillClrLst meth="repeat">
+      <a:schemeClr val="lt1"/>
+    </dgm:txFillClrLst>
+    <dgm:txEffectClrLst/>
+  </dgm:styleLbl>
+  <dgm:styleLbl name="sibTrans1D1">
+    <dgm:fillClrLst/>
+    <dgm:linClrLst>
+      <a:schemeClr val="accent2"/>
+      <a:schemeClr val="accent3"/>
+    </dgm:linClrLst>
+    <dgm:effectClrLst/>
+    <dgm:txLinClrLst/>
+    <dgm:txFillClrLst meth="repeat">
+      <a:schemeClr val="tx1"/>
+    </dgm:txFillClrLst>
+    <dgm:txEffectClrLst/>
+  </dgm:styleLbl>
+  <dgm:styleLbl name="callout">
+    <dgm:fillClrLst meth="repeat">
+      <a:schemeClr val="accent2"/>
+    </dgm:fillClrLst>
+    <dgm:linClrLst meth="repeat">
+      <a:schemeClr val="accent2">
+        <a:tint val="50000"/>
+      </a:schemeClr>
+    </dgm:linClrLst>
+    <dgm:effectClrLst/>
+    <dgm:txLinClrLst/>
+    <dgm:txFillClrLst meth="repeat">
+      <a:schemeClr val="tx1"/>
+    </dgm:txFillClrLst>
+    <dgm:txEffectClrLst/>
+  </dgm:styleLbl>
+  <dgm:styleLbl name="asst0">
+    <dgm:fillClrLst meth="repeat">
+      <a:schemeClr val="accent2"/>
+    </dgm:fillClrLst>
+    <dgm:linClrLst meth="repeat">
+      <a:schemeClr val="lt1">
+        <a:shade val="80000"/>
+      </a:schemeClr>
+    </dgm:linClrLst>
+    <dgm:effectClrLst/>
+    <dgm:txLinClrLst/>
+    <dgm:txFillClrLst/>
+    <dgm:txEffectClrLst/>
+  </dgm:styleLbl>
+  <dgm:styleLbl name="asst1">
+    <dgm:fillClrLst meth="repeat">
+      <a:schemeClr val="accent3"/>
+    </dgm:fillClrLst>
+    <dgm:linClrLst meth="repeat">
+      <a:schemeClr val="lt1">
+        <a:shade val="80000"/>
+      </a:schemeClr>
+    </dgm:linClrLst>
+    <dgm:effectClrLst/>
+    <dgm:txLinClrLst/>
+    <dgm:txFillClrLst/>
+    <dgm:txEffectClrLst/>
+  </dgm:styleLbl>
+  <dgm:styleLbl name="asst2">
+    <dgm:fillClrLst>
+      <a:schemeClr val="accent4"/>
+    </dgm:fillClrLst>
+    <dgm:linClrLst meth="repeat">
+      <a:schemeClr val="lt1"/>
+    </dgm:linClrLst>
+    <dgm:effectClrLst/>
+    <dgm:txLinClrLst/>
+    <dgm:txFillClrLst/>
+    <dgm:txEffectClrLst/>
+  </dgm:styleLbl>
+  <dgm:styleLbl name="asst3">
+    <dgm:fillClrLst>
+      <a:schemeClr val="accent5"/>
+    </dgm:fillClrLst>
+    <dgm:linClrLst meth="repeat">
+      <a:schemeClr val="lt1"/>
+    </dgm:linClrLst>
+    <dgm:effectClrLst/>
+    <dgm:txLinClrLst/>
+    <dgm:txFillClrLst/>
+    <dgm:txEffectClrLst/>
+  </dgm:styleLbl>
+  <dgm:styleLbl name="asst4">
+    <dgm:fillClrLst>
+      <a:schemeClr val="accent6"/>
+    </dgm:fillClrLst>
+    <dgm:linClrLst meth="repeat">
+      <a:schemeClr val="lt1"/>
+    </dgm:linClrLst>
+    <dgm:effectClrLst/>
+    <dgm:txLinClrLst/>
+    <dgm:txFillClrLst/>
+    <dgm:txEffectClrLst/>
+  </dgm:styleLbl>
+  <dgm:styleLbl name="parChTrans2D1">
+    <dgm:fillClrLst meth="repeat">
+      <a:schemeClr val="accent2"/>
+    </dgm:fillClrLst>
+    <dgm:linClrLst meth="repeat">
+      <a:schemeClr val="lt1"/>
+    </dgm:linClrLst>
+    <dgm:effectClrLst/>
+    <dgm:txLinClrLst/>
+    <dgm:txFillClrLst meth="repeat">
+      <a:schemeClr val="lt1"/>
+    </dgm:txFillClrLst>
+    <dgm:txEffectClrLst/>
+  </dgm:styleLbl>
+  <dgm:styleLbl name="parChTrans2D2">
+    <dgm:fillClrLst meth="repeat">
+      <a:schemeClr val="accent3"/>
+    </dgm:fillClrLst>
+    <dgm:linClrLst meth="repeat">
+      <a:schemeClr val="lt1"/>
+    </dgm:linClrLst>
+    <dgm:effectClrLst/>
+    <dgm:txLinClrLst/>
+    <dgm:txFillClrLst/>
+    <dgm:txEffectClrLst/>
+  </dgm:styleLbl>
+  <dgm:styleLbl name="parChTrans2D3">
+    <dgm:fillClrLst meth="repeat">
+      <a:schemeClr val="accent4"/>
+    </dgm:fillClrLst>
+    <dgm:linClrLst meth="repeat">
+      <a:schemeClr val="lt1"/>
+    </dgm:linClrLst>
+    <dgm:effectClrLst/>
+    <dgm:txLinClrLst/>
+    <dgm:txFillClrLst/>
+    <dgm:txEffectClrLst/>
+  </dgm:styleLbl>
+  <dgm:styleLbl name="parChTrans2D4">
+    <dgm:fillClrLst meth="repeat">
+      <a:schemeClr val="accent5"/>
+    </dgm:fillClrLst>
+    <dgm:linClrLst meth="repeat">
+      <a:schemeClr val="lt1"/>
+    </dgm:linClrLst>
+    <dgm:effectClrLst/>
+    <dgm:txLinClrLst/>
+    <dgm:txFillClrLst meth="repeat">
+      <a:schemeClr val="lt1"/>
+    </dgm:txFillClrLst>
+    <dgm:txEffectClrLst/>
+  </dgm:styleLbl>
+  <dgm:styleLbl name="parChTrans1D1">
+    <dgm:fillClrLst meth="repeat">
+      <a:schemeClr val="accent2"/>
+    </dgm:fillClrLst>
+    <dgm:linClrLst meth="repeat">
+      <a:schemeClr val="accent2"/>
+    </dgm:linClrLst>
+    <dgm:effectClrLst/>
+    <dgm:txLinClrLst/>
+    <dgm:txFillClrLst meth="repeat">
+      <a:schemeClr val="tx1"/>
+    </dgm:txFillClrLst>
+    <dgm:txEffectClrLst/>
+  </dgm:styleLbl>
+  <dgm:styleLbl name="parChTrans1D2">
+    <dgm:fillClrLst meth="repeat">
+      <a:schemeClr val="accent2">
+        <a:tint val="90000"/>
+      </a:schemeClr>
+    </dgm:fillClrLst>
+    <dgm:linClrLst meth="repeat">
+      <a:schemeClr val="accent3"/>
+    </dgm:linClrLst>
+    <dgm:effectClrLst/>
+    <dgm:txLinClrLst/>
+    <dgm:txFillClrLst meth="repeat">
+      <a:schemeClr val="tx1"/>
+    </dgm:txFillClrLst>
+    <dgm:txEffectClrLst/>
+  </dgm:styleLbl>
+  <dgm:styleLbl name="parChTrans1D3">
+    <dgm:fillClrLst meth="repeat">
+      <a:schemeClr val="accent2">
+        <a:tint val="70000"/>
+      </a:schemeClr>
+    </dgm:fillClrLst>
+    <dgm:linClrLst meth="repeat">
+      <a:schemeClr val="accent4"/>
+    </dgm:linClrLst>
+    <dgm:effectClrLst/>
+    <dgm:txLinClrLst/>
+    <dgm:txFillClrLst meth="repeat">
+      <a:schemeClr val="tx1"/>
+    </dgm:txFillClrLst>
+    <dgm:txEffectClrLst/>
+  </dgm:styleLbl>
+  <dgm:styleLbl name="parChTrans1D4">
+    <dgm:fillClrLst meth="repeat">
+      <a:schemeClr val="accent2">
+        <a:tint val="50000"/>
+      </a:schemeClr>
+    </dgm:fillClrLst>
+    <dgm:linClrLst meth="repeat">
+      <a:schemeClr val="accent5"/>
+    </dgm:linClrLst>
+    <dgm:effectClrLst/>
+    <dgm:txLinClrLst/>
+    <dgm:txFillClrLst meth="repeat">
+      <a:schemeClr val="tx1"/>
+    </dgm:txFillClrLst>
+    <dgm:txEffectClrLst/>
+  </dgm:styleLbl>
+  <dgm:styleLbl name="fgAcc1">
+    <dgm:fillClrLst meth="repeat">
+      <a:schemeClr val="lt1">
+        <a:alpha val="90000"/>
+      </a:schemeClr>
+    </dgm:fillClrLst>
+    <dgm:linClrLst>
+      <a:schemeClr val="accent2"/>
+      <a:schemeClr val="accent3"/>
+    </dgm:linClrLst>
+    <dgm:effectClrLst/>
+    <dgm:txLinClrLst/>
+    <dgm:txFillClrLst meth="repeat">
+      <a:schemeClr val="dk1"/>
+    </dgm:txFillClrLst>
+    <dgm:txEffectClrLst/>
+  </dgm:styleLbl>
+  <dgm:styleLbl name="conFgAcc1">
+    <dgm:fillClrLst meth="repeat">
+      <a:schemeClr val="lt1">
+        <a:alpha val="90000"/>
+      </a:schemeClr>
+    </dgm:fillClrLst>
+    <dgm:linClrLst>
+      <a:schemeClr val="accent2"/>
+      <a:schemeClr val="accent3"/>
+    </dgm:linClrLst>
+    <dgm:effectClrLst/>
+    <dgm:txLinClrLst/>
+    <dgm:txFillClrLst meth="repeat">
+      <a:schemeClr val="dk1"/>
+    </dgm:txFillClrLst>
+    <dgm:txEffectClrLst/>
+  </dgm:styleLbl>
+  <dgm:styleLbl name="alignAcc1">
+    <dgm:fillClrLst meth="repeat">
+      <a:schemeClr val="lt1">
+        <a:alpha val="90000"/>
+      </a:schemeClr>
+    </dgm:fillClrLst>
+    <dgm:linClrLst>
+      <a:schemeClr val="accent2"/>
+      <a:schemeClr val="accent3"/>
+    </dgm:linClrLst>
+    <dgm:effectClrLst/>
+    <dgm:txLinClrLst/>
+    <dgm:txFillClrLst meth="repeat">
+      <a:schemeClr val="dk1"/>
+    </dgm:txFillClrLst>
+    <dgm:txEffectClrLst/>
+  </dgm:styleLbl>
+  <dgm:styleLbl name="trAlignAcc1">
+    <dgm:fillClrLst meth="repeat">
+      <a:schemeClr val="lt1">
+        <a:alpha val="40000"/>
+      </a:schemeClr>
+    </dgm:fillClrLst>
+    <dgm:linClrLst meth="repeat">
+      <a:schemeClr val="accent2"/>
+    </dgm:linClrLst>
+    <dgm:effectClrLst/>
+    <dgm:txLinClrLst/>
+    <dgm:txFillClrLst meth="repeat">
+      <a:schemeClr val="dk1"/>
+    </dgm:txFillClrLst>
+    <dgm:txEffectClrLst/>
+  </dgm:styleLbl>
+  <dgm:styleLbl name="bgAcc1">
+    <dgm:fillClrLst meth="repeat">
+      <a:schemeClr val="lt1">
+        <a:alpha val="90000"/>
+      </a:schemeClr>
+    </dgm:fillClrLst>
+    <dgm:linClrLst>
+      <a:schemeClr val="accent2"/>
+      <a:schemeClr val="accent3"/>
+    </dgm:linClrLst>
+    <dgm:effectClrLst/>
+    <dgm:txLinClrLst/>
+    <dgm:txFillClrLst meth="repeat">
+      <a:schemeClr val="dk1"/>
+    </dgm:txFillClrLst>
+    <dgm:txEffectClrLst/>
+  </dgm:styleLbl>
+  <dgm:styleLbl name="solidFgAcc1">
+    <dgm:fillClrLst meth="repeat">
+      <a:schemeClr val="lt1"/>
+    </dgm:fillClrLst>
+    <dgm:linClrLst>
+      <a:schemeClr val="accent2"/>
+      <a:schemeClr val="accent3"/>
+    </dgm:linClrLst>
+    <dgm:effectClrLst/>
+    <dgm:txLinClrLst/>
+    <dgm:txFillClrLst meth="repeat">
+      <a:schemeClr val="dk1"/>
+    </dgm:txFillClrLst>
+    <dgm:txEffectClrLst/>
+  </dgm:styleLbl>
+  <dgm:styleLbl name="solidAlignAcc1">
+    <dgm:fillClrLst meth="repeat">
+      <a:schemeClr val="lt1"/>
+    </dgm:fillClrLst>
+    <dgm:linClrLst>
+      <a:schemeClr val="accent2"/>
+      <a:schemeClr val="accent3"/>
+    </dgm:linClrLst>
+    <dgm:effectClrLst/>
+    <dgm:txLinClrLst/>
+    <dgm:txFillClrLst meth="repeat">
+      <a:schemeClr val="dk1"/>
+    </dgm:txFillClrLst>
+    <dgm:txEffectClrLst/>
+  </dgm:styleLbl>
+  <dgm:styleLbl name="solidBgAcc1">
+    <dgm:fillClrLst meth="repeat">
+      <a:schemeClr val="lt1"/>
+    </dgm:fillClrLst>
+    <dgm:linClrLst>
+      <a:schemeClr val="accent2"/>
+      <a:schemeClr val="accent3"/>
+    </dgm:linClrLst>
+    <dgm:effectClrLst/>
+    <dgm:txLinClrLst/>
+    <dgm:txFillClrLst meth="repeat">
+      <a:schemeClr val="dk1"/>
+    </dgm:txFillClrLst>
+    <dgm:txEffectClrLst/>
+  </dgm:styleLbl>
+  <dgm:styleLbl name="fgAccFollowNode1">
+    <dgm:fillClrLst>
+      <a:schemeClr val="accent2">
+        <a:tint val="40000"/>
+        <a:alpha val="90000"/>
+      </a:schemeClr>
+      <a:schemeClr val="accent3">
+        <a:tint val="40000"/>
+        <a:alpha val="90000"/>
+      </a:schemeClr>
+    </dgm:fillClrLst>
+    <dgm:linClrLst>
+      <a:schemeClr val="accent2">
+        <a:tint val="40000"/>
+        <a:alpha val="90000"/>
+      </a:schemeClr>
+      <a:schemeClr val="accent3">
+        <a:tint val="40000"/>
+        <a:alpha val="90000"/>
+      </a:schemeClr>
+    </dgm:linClrLst>
+    <dgm:effectClrLst/>
+    <dgm:txLinClrLst/>
+    <dgm:txFillClrLst meth="repeat">
+      <a:schemeClr val="dk1"/>
+    </dgm:txFillClrLst>
+    <dgm:txEffectClrLst/>
+  </dgm:styleLbl>
+  <dgm:styleLbl name="alignAccFollowNode1">
+    <dgm:fillClrLst>
+      <a:schemeClr val="accent2">
+        <a:tint val="40000"/>
+        <a:alpha val="90000"/>
+      </a:schemeClr>
+      <a:schemeClr val="accent3">
+        <a:tint val="40000"/>
+        <a:alpha val="90000"/>
+      </a:schemeClr>
+    </dgm:fillClrLst>
+    <dgm:linClrLst>
+      <a:schemeClr val="accent2">
+        <a:tint val="40000"/>
+        <a:alpha val="90000"/>
+      </a:schemeClr>
+      <a:schemeClr val="accent3">
+        <a:tint val="40000"/>
+        <a:alpha val="90000"/>
+      </a:schemeClr>
+    </dgm:linClrLst>
+    <dgm:effectClrLst/>
+    <dgm:txLinClrLst/>
+    <dgm:txFillClrLst meth="repeat">
+      <a:schemeClr val="dk1"/>
+    </dgm:txFillClrLst>
+    <dgm:txEffectClrLst/>
+  </dgm:styleLbl>
+  <dgm:styleLbl name="bgAccFollowNode1">
+    <dgm:fillClrLst>
+      <a:schemeClr val="accent2">
+        <a:tint val="40000"/>
+        <a:alpha val="90000"/>
+      </a:schemeClr>
+      <a:schemeClr val="accent3">
+        <a:tint val="40000"/>
+        <a:alpha val="90000"/>
+      </a:schemeClr>
+    </dgm:fillClrLst>
+    <dgm:linClrLst>
+      <a:schemeClr val="accent2">
+        <a:tint val="40000"/>
+        <a:alpha val="90000"/>
+      </a:schemeClr>
+      <a:schemeClr val="accent3">
+        <a:tint val="40000"/>
+        <a:alpha val="90000"/>
+      </a:schemeClr>
+    </dgm:linClrLst>
+    <dgm:effectClrLst/>
+    <dgm:txLinClrLst/>
+    <dgm:txFillClrLst meth="repeat">
+      <a:schemeClr val="dk1"/>
+    </dgm:txFillClrLst>
+    <dgm:txEffectClrLst/>
+  </dgm:styleLbl>
+  <dgm:styleLbl name="fgAcc0">
+    <dgm:fillClrLst meth="repeat">
+      <a:schemeClr val="lt1">
+        <a:alpha val="90000"/>
+      </a:schemeClr>
+    </dgm:fillClrLst>
+    <dgm:linClrLst>
+      <a:schemeClr val="accent1"/>
+    </dgm:linClrLst>
+    <dgm:effectClrLst/>
+    <dgm:txLinClrLst/>
+    <dgm:txFillClrLst meth="repeat">
+      <a:schemeClr val="dk1"/>
+    </dgm:txFillClrLst>
+    <dgm:txEffectClrLst/>
+  </dgm:styleLbl>
+  <dgm:styleLbl name="fgAcc2">
+    <dgm:fillClrLst meth="repeat">
+      <a:schemeClr val="lt1">
+        <a:alpha val="90000"/>
+      </a:schemeClr>
+    </dgm:fillClrLst>
+    <dgm:linClrLst>
+      <a:schemeClr val="accent3"/>
+    </dgm:linClrLst>
+    <dgm:effectClrLst/>
+    <dgm:txLinClrLst/>
+    <dgm:txFillClrLst meth="repeat">
+      <a:schemeClr val="dk1"/>
+    </dgm:txFillClrLst>
+    <dgm:txEffectClrLst/>
+  </dgm:styleLbl>
+  <dgm:styleLbl name="fgAcc3">
+    <dgm:fillClrLst meth="repeat">
+      <a:schemeClr val="lt1">
+        <a:alpha val="90000"/>
+      </a:schemeClr>
+    </dgm:fillClrLst>
+    <dgm:linClrLst>
+      <a:schemeClr val="accent4"/>
+    </dgm:linClrLst>
+    <dgm:effectClrLst/>
+    <dgm:txLinClrLst/>
+    <dgm:txFillClrLst meth="repeat">
+      <a:schemeClr val="dk1"/>
+    </dgm:txFillClrLst>
+    <dgm:txEffectClrLst/>
+  </dgm:styleLbl>
+  <dgm:styleLbl name="fgAcc4">
+    <dgm:fillClrLst meth="repeat">
+      <a:schemeClr val="lt1">
+        <a:alpha val="90000"/>
+      </a:schemeClr>
+    </dgm:fillClrLst>
+    <dgm:linClrLst>
+      <a:schemeClr val="accent5"/>
+    </dgm:linClrLst>
+    <dgm:effectClrLst/>
+    <dgm:txLinClrLst/>
+    <dgm:txFillClrLst meth="repeat">
+      <a:schemeClr val="dk1"/>
+    </dgm:txFillClrLst>
+    <dgm:txEffectClrLst/>
+  </dgm:styleLbl>
+  <dgm:styleLbl name="bgShp">
+    <dgm:fillClrLst meth="repeat">
+      <a:schemeClr val="accent2">
+        <a:tint val="40000"/>
+      </a:schemeClr>
+    </dgm:fillClrLst>
+    <dgm:linClrLst meth="repeat">
+      <a:schemeClr val="dk1"/>
+    </dgm:linClrLst>
+    <dgm:effectClrLst/>
+    <dgm:txLinClrLst/>
+    <dgm:txFillClrLst meth="repeat">
+      <a:schemeClr val="dk1"/>
+    </dgm:txFillClrLst>
+    <dgm:txEffectClrLst/>
+  </dgm:styleLbl>
+  <dgm:styleLbl name="dkBgShp">
+    <dgm:fillClrLst meth="repeat">
+      <a:schemeClr val="accent2">
+        <a:shade val="90000"/>
+      </a:schemeClr>
+    </dgm:fillClrLst>
+    <dgm:linClrLst meth="repeat">
+      <a:schemeClr val="dk1"/>
+    </dgm:linClrLst>
+    <dgm:effectClrLst/>
+    <dgm:txLinClrLst/>
+    <dgm:txFillClrLst meth="repeat">
+      <a:schemeClr val="lt1"/>
+    </dgm:txFillClrLst>
+    <dgm:txEffectClrLst/>
+  </dgm:styleLbl>
+  <dgm:styleLbl name="trBgShp">
+    <dgm:fillClrLst meth="repeat">
+      <a:schemeClr val="accent2">
+        <a:tint val="50000"/>
+        <a:alpha val="40000"/>
+      </a:schemeClr>
+    </dgm:fillClrLst>
+    <dgm:linClrLst meth="repeat">
+      <a:schemeClr val="accent2"/>
+    </dgm:linClrLst>
+    <dgm:effectClrLst/>
+    <dgm:txLinClrLst/>
+    <dgm:txFillClrLst meth="repeat">
+      <a:schemeClr val="lt1"/>
+    </dgm:txFillClrLst>
+    <dgm:txEffectClrLst/>
+  </dgm:styleLbl>
+  <dgm:styleLbl name="fgShp">
+    <dgm:fillClrLst meth="repeat">
+      <a:schemeClr val="accent2">
+        <a:tint val="40000"/>
+      </a:schemeClr>
+    </dgm:fillClrLst>
+    <dgm:linClrLst meth="repeat">
+      <a:schemeClr val="lt1"/>
+    </dgm:linClrLst>
+    <dgm:effectClrLst/>
+    <dgm:txLinClrLst/>
+    <dgm:txFillClrLst meth="repeat">
+      <a:schemeClr val="dk1"/>
+    </dgm:txFillClrLst>
+    <dgm:txEffectClrLst/>
+  </dgm:styleLbl>
+  <dgm:styleLbl name="revTx">
+    <dgm:fillClrLst meth="repeat">
+      <a:schemeClr val="lt1">
+        <a:alpha val="0"/>
+      </a:schemeClr>
+    </dgm:fillClrLst>
+    <dgm:linClrLst meth="repeat">
+      <a:schemeClr val="dk1">
+        <a:alpha val="0"/>
+      </a:schemeClr>
+    </dgm:linClrLst>
+    <dgm:effectClrLst/>
+    <dgm:txLinClrLst/>
+    <dgm:txFillClrLst meth="repeat">
+      <a:schemeClr val="tx1"/>
+    </dgm:txFillClrLst>
+    <dgm:txEffectClrLst/>
+  </dgm:styleLbl>
+</dgm:colorsDef>
+</file>
+
+<file path=ppt/diagrams/data1.xml><?xml version="1.0" encoding="utf-8"?>
+<dgm:dataModel xmlns:dgm="http://schemas.openxmlformats.org/drawingml/2006/diagram" xmlns:a="http://schemas.openxmlformats.org/drawingml/2006/main">
+  <dgm:ptLst>
+    <dgm:pt modelId="{7E42704C-7C84-460D-B1A2-BE180EBC8B17}" type="doc">
+      <dgm:prSet loTypeId="urn:microsoft.com/office/officeart/2005/8/layout/list1" loCatId="list" qsTypeId="urn:microsoft.com/office/officeart/2005/8/quickstyle/simple4" qsCatId="simple" csTypeId="urn:microsoft.com/office/officeart/2005/8/colors/colorful2" csCatId="colorful"/>
+      <dgm:spPr/>
+      <dgm:t>
+        <a:bodyPr/>
+        <a:lstStyle/>
+        <a:p>
+          <a:endParaRPr lang="en-US"/>
+        </a:p>
+      </dgm:t>
+    </dgm:pt>
+    <dgm:pt modelId="{DF900AFA-0753-49E4-B8DA-4A30954D3239}">
+      <dgm:prSet/>
+      <dgm:spPr/>
+      <dgm:t>
+        <a:bodyPr/>
+        <a:lstStyle/>
+        <a:p>
+          <a:r>
+            <a:rPr lang="en-US"/>
+            <a:t>Nonprobability sample </a:t>
+          </a:r>
+        </a:p>
+      </dgm:t>
+    </dgm:pt>
+    <dgm:pt modelId="{72687DB3-9F8D-45FA-8DD2-CFC56D6B06F9}" type="parTrans" cxnId="{D7A075E2-F508-4ACB-B9D9-D2D7DCA82172}">
+      <dgm:prSet/>
+      <dgm:spPr/>
+      <dgm:t>
+        <a:bodyPr/>
+        <a:lstStyle/>
+        <a:p>
+          <a:endParaRPr lang="en-US"/>
+        </a:p>
+      </dgm:t>
+    </dgm:pt>
+    <dgm:pt modelId="{495C6904-5868-48A6-893B-D1E03EB8FC37}" type="sibTrans" cxnId="{D7A075E2-F508-4ACB-B9D9-D2D7DCA82172}">
+      <dgm:prSet/>
+      <dgm:spPr/>
+      <dgm:t>
+        <a:bodyPr/>
+        <a:lstStyle/>
+        <a:p>
+          <a:endParaRPr lang="en-US"/>
+        </a:p>
+      </dgm:t>
+    </dgm:pt>
+    <dgm:pt modelId="{FE2F3D41-93AA-4108-97BA-8D7CA260CA18}">
+      <dgm:prSet/>
+      <dgm:spPr/>
+      <dgm:t>
+        <a:bodyPr/>
+        <a:lstStyle/>
+        <a:p>
+          <a:r>
+            <a:rPr lang="en-US"/>
+            <a:t>A sample that relies on personal judgment in the element selection process</a:t>
+          </a:r>
+        </a:p>
+      </dgm:t>
+    </dgm:pt>
+    <dgm:pt modelId="{8AEFAAF3-0AEC-453C-B62F-723904EC7264}" type="parTrans" cxnId="{F7525822-54EB-40EE-9C38-4C2306223AE7}">
+      <dgm:prSet/>
+      <dgm:spPr/>
+      <dgm:t>
+        <a:bodyPr/>
+        <a:lstStyle/>
+        <a:p>
+          <a:endParaRPr lang="en-US"/>
+        </a:p>
+      </dgm:t>
+    </dgm:pt>
+    <dgm:pt modelId="{0559DB39-BFE8-4D75-8991-CB7EFAA7BB6F}" type="sibTrans" cxnId="{F7525822-54EB-40EE-9C38-4C2306223AE7}">
+      <dgm:prSet/>
+      <dgm:spPr/>
+      <dgm:t>
+        <a:bodyPr/>
+        <a:lstStyle/>
+        <a:p>
+          <a:endParaRPr lang="en-US"/>
+        </a:p>
+      </dgm:t>
+    </dgm:pt>
+    <dgm:pt modelId="{128B4EAD-0058-40AD-8B06-FB01B2E5C241}">
+      <dgm:prSet/>
+      <dgm:spPr/>
+      <dgm:t>
+        <a:bodyPr/>
+        <a:lstStyle/>
+        <a:p>
+          <a:r>
+            <a:rPr lang="en-US"/>
+            <a:t>With nonprobability samples, sampling error cannot be estimated and we cannot calculate the margin of sampling error </a:t>
+          </a:r>
+        </a:p>
+      </dgm:t>
+    </dgm:pt>
+    <dgm:pt modelId="{99908C06-81D1-4A06-B234-9ED4801744DC}" type="parTrans" cxnId="{0067D94A-909F-47DA-BC19-825600BAFDE2}">
+      <dgm:prSet/>
+      <dgm:spPr/>
+      <dgm:t>
+        <a:bodyPr/>
+        <a:lstStyle/>
+        <a:p>
+          <a:endParaRPr lang="en-US"/>
+        </a:p>
+      </dgm:t>
+    </dgm:pt>
+    <dgm:pt modelId="{EA475A8C-C1E9-4797-B058-8D399DC96779}" type="sibTrans" cxnId="{0067D94A-909F-47DA-BC19-825600BAFDE2}">
+      <dgm:prSet/>
+      <dgm:spPr/>
+      <dgm:t>
+        <a:bodyPr/>
+        <a:lstStyle/>
+        <a:p>
+          <a:endParaRPr lang="en-US"/>
+        </a:p>
+      </dgm:t>
+    </dgm:pt>
+    <dgm:pt modelId="{00C107FD-C318-4288-BDB2-F0B0E27D0333}">
+      <dgm:prSet/>
+      <dgm:spPr/>
+      <dgm:t>
+        <a:bodyPr/>
+        <a:lstStyle/>
+        <a:p>
+          <a:r>
+            <a:rPr lang="en-US"/>
+            <a:t>Example: </a:t>
+          </a:r>
+        </a:p>
+      </dgm:t>
+    </dgm:pt>
+    <dgm:pt modelId="{39F20118-6EE8-4364-A96E-23DC4BC35974}" type="parTrans" cxnId="{D72B8919-CF57-4FBB-BA02-41F8E2BF2538}">
+      <dgm:prSet/>
+      <dgm:spPr/>
+      <dgm:t>
+        <a:bodyPr/>
+        <a:lstStyle/>
+        <a:p>
+          <a:endParaRPr lang="en-US"/>
+        </a:p>
+      </dgm:t>
+    </dgm:pt>
+    <dgm:pt modelId="{559C477E-4385-4230-A20F-8E2C4CB0F3F7}" type="sibTrans" cxnId="{D72B8919-CF57-4FBB-BA02-41F8E2BF2538}">
+      <dgm:prSet/>
+      <dgm:spPr/>
+      <dgm:t>
+        <a:bodyPr/>
+        <a:lstStyle/>
+        <a:p>
+          <a:endParaRPr lang="en-US"/>
+        </a:p>
+      </dgm:t>
+    </dgm:pt>
+    <dgm:pt modelId="{80F2C097-15AD-4235-BA05-D34BE9ABF890}">
+      <dgm:prSet/>
+      <dgm:spPr/>
+      <dgm:t>
+        <a:bodyPr/>
+        <a:lstStyle/>
+        <a:p>
+          <a:r>
+            <a:rPr lang="en-US"/>
+            <a:t>Convenience </a:t>
+          </a:r>
+        </a:p>
+      </dgm:t>
+    </dgm:pt>
+    <dgm:pt modelId="{06F02C74-32B2-4967-9309-9E1AC434A56C}" type="parTrans" cxnId="{F2BE4B19-DD5E-4768-BB88-8967EC71959F}">
+      <dgm:prSet/>
+      <dgm:spPr/>
+      <dgm:t>
+        <a:bodyPr/>
+        <a:lstStyle/>
+        <a:p>
+          <a:endParaRPr lang="en-US"/>
+        </a:p>
+      </dgm:t>
+    </dgm:pt>
+    <dgm:pt modelId="{7F75BE51-42D2-48C5-A3BF-80B8689E6F63}" type="sibTrans" cxnId="{F2BE4B19-DD5E-4768-BB88-8967EC71959F}">
+      <dgm:prSet/>
+      <dgm:spPr/>
+      <dgm:t>
+        <a:bodyPr/>
+        <a:lstStyle/>
+        <a:p>
+          <a:endParaRPr lang="en-US"/>
+        </a:p>
+      </dgm:t>
+    </dgm:pt>
+    <dgm:pt modelId="{391DE531-0788-4FCA-892D-80D35CEBF4DC}">
+      <dgm:prSet/>
+      <dgm:spPr/>
+      <dgm:t>
+        <a:bodyPr/>
+        <a:lstStyle/>
+        <a:p>
+          <a:r>
+            <a:rPr lang="en-US"/>
+            <a:t>Judgment (e.g., snowball) </a:t>
+          </a:r>
+        </a:p>
+      </dgm:t>
+    </dgm:pt>
+    <dgm:pt modelId="{A75FC223-E356-48A0-B808-64D7E255A8A9}" type="parTrans" cxnId="{8F4C17B5-0DCA-4FE1-A1AB-BFBD6C0E0D17}">
+      <dgm:prSet/>
+      <dgm:spPr/>
+      <dgm:t>
+        <a:bodyPr/>
+        <a:lstStyle/>
+        <a:p>
+          <a:endParaRPr lang="en-US"/>
+        </a:p>
+      </dgm:t>
+    </dgm:pt>
+    <dgm:pt modelId="{85A74640-1A70-4FD7-A905-E11F4936125F}" type="sibTrans" cxnId="{8F4C17B5-0DCA-4FE1-A1AB-BFBD6C0E0D17}">
+      <dgm:prSet/>
+      <dgm:spPr/>
+      <dgm:t>
+        <a:bodyPr/>
+        <a:lstStyle/>
+        <a:p>
+          <a:endParaRPr lang="en-US"/>
+        </a:p>
+      </dgm:t>
+    </dgm:pt>
+    <dgm:pt modelId="{D2970EB4-05DA-40CE-AC7C-13848DBEE206}">
+      <dgm:prSet/>
+      <dgm:spPr/>
+      <dgm:t>
+        <a:bodyPr/>
+        <a:lstStyle/>
+        <a:p>
+          <a:r>
+            <a:rPr lang="en-US"/>
+            <a:t>Quota </a:t>
+          </a:r>
+        </a:p>
+      </dgm:t>
+    </dgm:pt>
+    <dgm:pt modelId="{5246391A-3B36-49B9-A7DD-FD84FC2B0218}" type="parTrans" cxnId="{1230F04E-13D5-4F87-8B1C-A24562A01B83}">
+      <dgm:prSet/>
+      <dgm:spPr/>
+      <dgm:t>
+        <a:bodyPr/>
+        <a:lstStyle/>
+        <a:p>
+          <a:endParaRPr lang="en-US"/>
+        </a:p>
+      </dgm:t>
+    </dgm:pt>
+    <dgm:pt modelId="{CE08212C-C7D4-4E8C-9899-236A1195473D}" type="sibTrans" cxnId="{1230F04E-13D5-4F87-8B1C-A24562A01B83}">
+      <dgm:prSet/>
+      <dgm:spPr/>
+      <dgm:t>
+        <a:bodyPr/>
+        <a:lstStyle/>
+        <a:p>
+          <a:endParaRPr lang="en-US"/>
+        </a:p>
+      </dgm:t>
+    </dgm:pt>
+    <dgm:pt modelId="{3D57BF47-0E47-479F-876F-023075FB05DF}" type="pres">
+      <dgm:prSet presAssocID="{7E42704C-7C84-460D-B1A2-BE180EBC8B17}" presName="linear" presStyleCnt="0">
+        <dgm:presLayoutVars>
+          <dgm:dir/>
+          <dgm:animLvl val="lvl"/>
+          <dgm:resizeHandles val="exact"/>
+        </dgm:presLayoutVars>
+      </dgm:prSet>
+      <dgm:spPr/>
+    </dgm:pt>
+    <dgm:pt modelId="{D83006AF-143B-4E2C-A8F3-A65EBF62B06C}" type="pres">
+      <dgm:prSet presAssocID="{DF900AFA-0753-49E4-B8DA-4A30954D3239}" presName="parentLin" presStyleCnt="0"/>
+      <dgm:spPr/>
+    </dgm:pt>
+    <dgm:pt modelId="{95DFE75F-6721-4BD2-A1C1-0C01A2DDBCFB}" type="pres">
+      <dgm:prSet presAssocID="{DF900AFA-0753-49E4-B8DA-4A30954D3239}" presName="parentLeftMargin" presStyleLbl="node1" presStyleIdx="0" presStyleCnt="2"/>
+      <dgm:spPr/>
+    </dgm:pt>
+    <dgm:pt modelId="{FE6D34E4-AE25-452B-92E7-E224DCE03B2E}" type="pres">
+      <dgm:prSet presAssocID="{DF900AFA-0753-49E4-B8DA-4A30954D3239}" presName="parentText" presStyleLbl="node1" presStyleIdx="0" presStyleCnt="2">
+        <dgm:presLayoutVars>
+          <dgm:chMax val="0"/>
+          <dgm:bulletEnabled val="1"/>
+        </dgm:presLayoutVars>
+      </dgm:prSet>
+      <dgm:spPr/>
+    </dgm:pt>
+    <dgm:pt modelId="{D8A6FD7B-1A46-41BF-B428-03E5AE762C04}" type="pres">
+      <dgm:prSet presAssocID="{DF900AFA-0753-49E4-B8DA-4A30954D3239}" presName="negativeSpace" presStyleCnt="0"/>
+      <dgm:spPr/>
+    </dgm:pt>
+    <dgm:pt modelId="{BB6ECE61-A9E2-4B0A-AE8F-66C3A0116280}" type="pres">
+      <dgm:prSet presAssocID="{DF900AFA-0753-49E4-B8DA-4A30954D3239}" presName="childText" presStyleLbl="conFgAcc1" presStyleIdx="0" presStyleCnt="2">
+        <dgm:presLayoutVars>
+          <dgm:bulletEnabled val="1"/>
+        </dgm:presLayoutVars>
+      </dgm:prSet>
+      <dgm:spPr/>
+    </dgm:pt>
+    <dgm:pt modelId="{AC62CB1E-000B-417E-9C91-8DB9DBF0C409}" type="pres">
+      <dgm:prSet presAssocID="{495C6904-5868-48A6-893B-D1E03EB8FC37}" presName="spaceBetweenRectangles" presStyleCnt="0"/>
+      <dgm:spPr/>
+    </dgm:pt>
+    <dgm:pt modelId="{4525534B-5970-4D52-A217-A55A13354896}" type="pres">
+      <dgm:prSet presAssocID="{00C107FD-C318-4288-BDB2-F0B0E27D0333}" presName="parentLin" presStyleCnt="0"/>
+      <dgm:spPr/>
+    </dgm:pt>
+    <dgm:pt modelId="{447C592B-7C3F-4DBF-90E3-38BF1CE624D7}" type="pres">
+      <dgm:prSet presAssocID="{00C107FD-C318-4288-BDB2-F0B0E27D0333}" presName="parentLeftMargin" presStyleLbl="node1" presStyleIdx="0" presStyleCnt="2"/>
+      <dgm:spPr/>
+    </dgm:pt>
+    <dgm:pt modelId="{784DB913-FCCD-485B-A137-AFFC918966CB}" type="pres">
+      <dgm:prSet presAssocID="{00C107FD-C318-4288-BDB2-F0B0E27D0333}" presName="parentText" presStyleLbl="node1" presStyleIdx="1" presStyleCnt="2">
+        <dgm:presLayoutVars>
+          <dgm:chMax val="0"/>
+          <dgm:bulletEnabled val="1"/>
+        </dgm:presLayoutVars>
+      </dgm:prSet>
+      <dgm:spPr/>
+    </dgm:pt>
+    <dgm:pt modelId="{A647016A-7CC3-4CD6-B29F-9DAB48194BAD}" type="pres">
+      <dgm:prSet presAssocID="{00C107FD-C318-4288-BDB2-F0B0E27D0333}" presName="negativeSpace" presStyleCnt="0"/>
+      <dgm:spPr/>
+    </dgm:pt>
+    <dgm:pt modelId="{8EE104F3-B2C8-4AB5-942A-FEDA6EDDA864}" type="pres">
+      <dgm:prSet presAssocID="{00C107FD-C318-4288-BDB2-F0B0E27D0333}" presName="childText" presStyleLbl="conFgAcc1" presStyleIdx="1" presStyleCnt="2">
+        <dgm:presLayoutVars>
+          <dgm:bulletEnabled val="1"/>
+        </dgm:presLayoutVars>
+      </dgm:prSet>
+      <dgm:spPr/>
+    </dgm:pt>
+  </dgm:ptLst>
+  <dgm:cxnLst>
+    <dgm:cxn modelId="{F2BE4B19-DD5E-4768-BB88-8967EC71959F}" srcId="{00C107FD-C318-4288-BDB2-F0B0E27D0333}" destId="{80F2C097-15AD-4235-BA05-D34BE9ABF890}" srcOrd="0" destOrd="0" parTransId="{06F02C74-32B2-4967-9309-9E1AC434A56C}" sibTransId="{7F75BE51-42D2-48C5-A3BF-80B8689E6F63}"/>
+    <dgm:cxn modelId="{D72B8919-CF57-4FBB-BA02-41F8E2BF2538}" srcId="{7E42704C-7C84-460D-B1A2-BE180EBC8B17}" destId="{00C107FD-C318-4288-BDB2-F0B0E27D0333}" srcOrd="1" destOrd="0" parTransId="{39F20118-6EE8-4364-A96E-23DC4BC35974}" sibTransId="{559C477E-4385-4230-A20F-8E2C4CB0F3F7}"/>
+    <dgm:cxn modelId="{F7525822-54EB-40EE-9C38-4C2306223AE7}" srcId="{DF900AFA-0753-49E4-B8DA-4A30954D3239}" destId="{FE2F3D41-93AA-4108-97BA-8D7CA260CA18}" srcOrd="0" destOrd="0" parTransId="{8AEFAAF3-0AEC-453C-B62F-723904EC7264}" sibTransId="{0559DB39-BFE8-4D75-8991-CB7EFAA7BB6F}"/>
+    <dgm:cxn modelId="{2D0C5E31-5A04-49BB-B730-753522898120}" type="presOf" srcId="{7E42704C-7C84-460D-B1A2-BE180EBC8B17}" destId="{3D57BF47-0E47-479F-876F-023075FB05DF}" srcOrd="0" destOrd="0" presId="urn:microsoft.com/office/officeart/2005/8/layout/list1"/>
+    <dgm:cxn modelId="{E3F77E39-301D-4773-950B-24C36C53DD6E}" type="presOf" srcId="{D2970EB4-05DA-40CE-AC7C-13848DBEE206}" destId="{8EE104F3-B2C8-4AB5-942A-FEDA6EDDA864}" srcOrd="0" destOrd="2" presId="urn:microsoft.com/office/officeart/2005/8/layout/list1"/>
+    <dgm:cxn modelId="{E4950960-0AC8-4E0B-B64C-96C3B584BB5E}" type="presOf" srcId="{80F2C097-15AD-4235-BA05-D34BE9ABF890}" destId="{8EE104F3-B2C8-4AB5-942A-FEDA6EDDA864}" srcOrd="0" destOrd="0" presId="urn:microsoft.com/office/officeart/2005/8/layout/list1"/>
+    <dgm:cxn modelId="{0067D94A-909F-47DA-BC19-825600BAFDE2}" srcId="{DF900AFA-0753-49E4-B8DA-4A30954D3239}" destId="{128B4EAD-0058-40AD-8B06-FB01B2E5C241}" srcOrd="1" destOrd="0" parTransId="{99908C06-81D1-4A06-B234-9ED4801744DC}" sibTransId="{EA475A8C-C1E9-4797-B058-8D399DC96779}"/>
+    <dgm:cxn modelId="{1230F04E-13D5-4F87-8B1C-A24562A01B83}" srcId="{00C107FD-C318-4288-BDB2-F0B0E27D0333}" destId="{D2970EB4-05DA-40CE-AC7C-13848DBEE206}" srcOrd="2" destOrd="0" parTransId="{5246391A-3B36-49B9-A7DD-FD84FC2B0218}" sibTransId="{CE08212C-C7D4-4E8C-9899-236A1195473D}"/>
+    <dgm:cxn modelId="{5BCFE259-8C3A-480B-9571-0D972E423485}" type="presOf" srcId="{DF900AFA-0753-49E4-B8DA-4A30954D3239}" destId="{95DFE75F-6721-4BD2-A1C1-0C01A2DDBCFB}" srcOrd="0" destOrd="0" presId="urn:microsoft.com/office/officeart/2005/8/layout/list1"/>
+    <dgm:cxn modelId="{8B36BA9B-DC33-412B-AB58-DF851284AC23}" type="presOf" srcId="{FE2F3D41-93AA-4108-97BA-8D7CA260CA18}" destId="{BB6ECE61-A9E2-4B0A-AE8F-66C3A0116280}" srcOrd="0" destOrd="0" presId="urn:microsoft.com/office/officeart/2005/8/layout/list1"/>
+    <dgm:cxn modelId="{17E016AD-7BD5-4B67-B806-F253BED897BD}" type="presOf" srcId="{00C107FD-C318-4288-BDB2-F0B0E27D0333}" destId="{447C592B-7C3F-4DBF-90E3-38BF1CE624D7}" srcOrd="0" destOrd="0" presId="urn:microsoft.com/office/officeart/2005/8/layout/list1"/>
+    <dgm:cxn modelId="{8F4C17B5-0DCA-4FE1-A1AB-BFBD6C0E0D17}" srcId="{00C107FD-C318-4288-BDB2-F0B0E27D0333}" destId="{391DE531-0788-4FCA-892D-80D35CEBF4DC}" srcOrd="1" destOrd="0" parTransId="{A75FC223-E356-48A0-B808-64D7E255A8A9}" sibTransId="{85A74640-1A70-4FD7-A905-E11F4936125F}"/>
+    <dgm:cxn modelId="{49BD19DB-2376-483C-BB94-6F298F188855}" type="presOf" srcId="{128B4EAD-0058-40AD-8B06-FB01B2E5C241}" destId="{BB6ECE61-A9E2-4B0A-AE8F-66C3A0116280}" srcOrd="0" destOrd="1" presId="urn:microsoft.com/office/officeart/2005/8/layout/list1"/>
+    <dgm:cxn modelId="{D7A075E2-F508-4ACB-B9D9-D2D7DCA82172}" srcId="{7E42704C-7C84-460D-B1A2-BE180EBC8B17}" destId="{DF900AFA-0753-49E4-B8DA-4A30954D3239}" srcOrd="0" destOrd="0" parTransId="{72687DB3-9F8D-45FA-8DD2-CFC56D6B06F9}" sibTransId="{495C6904-5868-48A6-893B-D1E03EB8FC37}"/>
+    <dgm:cxn modelId="{5AFB12EA-F96A-4FE1-BFF8-0562E72BB69F}" type="presOf" srcId="{DF900AFA-0753-49E4-B8DA-4A30954D3239}" destId="{FE6D34E4-AE25-452B-92E7-E224DCE03B2E}" srcOrd="1" destOrd="0" presId="urn:microsoft.com/office/officeart/2005/8/layout/list1"/>
+    <dgm:cxn modelId="{B56811F9-EF4C-439A-9F5B-6504406DF618}" type="presOf" srcId="{391DE531-0788-4FCA-892D-80D35CEBF4DC}" destId="{8EE104F3-B2C8-4AB5-942A-FEDA6EDDA864}" srcOrd="0" destOrd="1" presId="urn:microsoft.com/office/officeart/2005/8/layout/list1"/>
+    <dgm:cxn modelId="{3F0DB4FB-D7E1-43E1-8D1D-BE4A64235E94}" type="presOf" srcId="{00C107FD-C318-4288-BDB2-F0B0E27D0333}" destId="{784DB913-FCCD-485B-A137-AFFC918966CB}" srcOrd="1" destOrd="0" presId="urn:microsoft.com/office/officeart/2005/8/layout/list1"/>
+    <dgm:cxn modelId="{AB260C91-3878-443F-ADB0-4AEB489510F0}" type="presParOf" srcId="{3D57BF47-0E47-479F-876F-023075FB05DF}" destId="{D83006AF-143B-4E2C-A8F3-A65EBF62B06C}" srcOrd="0" destOrd="0" presId="urn:microsoft.com/office/officeart/2005/8/layout/list1"/>
+    <dgm:cxn modelId="{6AE0830B-B47F-43D6-B38E-6437F3B517F3}" type="presParOf" srcId="{D83006AF-143B-4E2C-A8F3-A65EBF62B06C}" destId="{95DFE75F-6721-4BD2-A1C1-0C01A2DDBCFB}" srcOrd="0" destOrd="0" presId="urn:microsoft.com/office/officeart/2005/8/layout/list1"/>
+    <dgm:cxn modelId="{64648D32-69B1-4D03-8DA2-7D0E644A7D92}" type="presParOf" srcId="{D83006AF-143B-4E2C-A8F3-A65EBF62B06C}" destId="{FE6D34E4-AE25-452B-92E7-E224DCE03B2E}" srcOrd="1" destOrd="0" presId="urn:microsoft.com/office/officeart/2005/8/layout/list1"/>
+    <dgm:cxn modelId="{E387C98C-D2CF-4A1A-A183-83A517980506}" type="presParOf" srcId="{3D57BF47-0E47-479F-876F-023075FB05DF}" destId="{D8A6FD7B-1A46-41BF-B428-03E5AE762C04}" srcOrd="1" destOrd="0" presId="urn:microsoft.com/office/officeart/2005/8/layout/list1"/>
+    <dgm:cxn modelId="{2EEEAFA3-E2FA-46BF-9378-B7DCA54127E1}" type="presParOf" srcId="{3D57BF47-0E47-479F-876F-023075FB05DF}" destId="{BB6ECE61-A9E2-4B0A-AE8F-66C3A0116280}" srcOrd="2" destOrd="0" presId="urn:microsoft.com/office/officeart/2005/8/layout/list1"/>
+    <dgm:cxn modelId="{788B44B7-23AE-4343-9562-87BC935C9B6D}" type="presParOf" srcId="{3D57BF47-0E47-479F-876F-023075FB05DF}" destId="{AC62CB1E-000B-417E-9C91-8DB9DBF0C409}" srcOrd="3" destOrd="0" presId="urn:microsoft.com/office/officeart/2005/8/layout/list1"/>
+    <dgm:cxn modelId="{E05822C1-5279-446B-AE26-2874ADD3A165}" type="presParOf" srcId="{3D57BF47-0E47-479F-876F-023075FB05DF}" destId="{4525534B-5970-4D52-A217-A55A13354896}" srcOrd="4" destOrd="0" presId="urn:microsoft.com/office/officeart/2005/8/layout/list1"/>
+    <dgm:cxn modelId="{392F3DF0-16EC-409D-B383-34E895952869}" type="presParOf" srcId="{4525534B-5970-4D52-A217-A55A13354896}" destId="{447C592B-7C3F-4DBF-90E3-38BF1CE624D7}" srcOrd="0" destOrd="0" presId="urn:microsoft.com/office/officeart/2005/8/layout/list1"/>
+    <dgm:cxn modelId="{5BEE8C4B-459B-493C-9A4A-51FF447FCC43}" type="presParOf" srcId="{4525534B-5970-4D52-A217-A55A13354896}" destId="{784DB913-FCCD-485B-A137-AFFC918966CB}" srcOrd="1" destOrd="0" presId="urn:microsoft.com/office/officeart/2005/8/layout/list1"/>
+    <dgm:cxn modelId="{FAC40D83-632E-47A1-BF1C-B14CD36C45F8}" type="presParOf" srcId="{3D57BF47-0E47-479F-876F-023075FB05DF}" destId="{A647016A-7CC3-4CD6-B29F-9DAB48194BAD}" srcOrd="5" destOrd="0" presId="urn:microsoft.com/office/officeart/2005/8/layout/list1"/>
+    <dgm:cxn modelId="{0171AEF2-BD86-46D9-B4F4-9ABC2DC283F5}" type="presParOf" srcId="{3D57BF47-0E47-479F-876F-023075FB05DF}" destId="{8EE104F3-B2C8-4AB5-942A-FEDA6EDDA864}" srcOrd="6" destOrd="0" presId="urn:microsoft.com/office/officeart/2005/8/layout/list1"/>
+  </dgm:cxnLst>
+  <dgm:bg/>
+  <dgm:whole/>
+  <dgm:extLst>
+    <a:ext uri="http://schemas.microsoft.com/office/drawing/2008/diagram">
+      <dsp:dataModelExt xmlns:dsp="http://schemas.microsoft.com/office/drawing/2008/diagram" relId="rId6" minVer="http://schemas.openxmlformats.org/drawingml/2006/diagram"/>
+    </a:ext>
+  </dgm:extLst>
+</dgm:dataModel>
+</file>
+
+<file path=ppt/diagrams/drawing1.xml><?xml version="1.0" encoding="utf-8"?>
+<dsp:drawing xmlns:dgm="http://schemas.openxmlformats.org/drawingml/2006/diagram" xmlns:dsp="http://schemas.microsoft.com/office/drawing/2008/diagram" xmlns:a="http://schemas.openxmlformats.org/drawingml/2006/main">
+  <dsp:spTree>
+    <dsp:nvGrpSpPr>
+      <dsp:cNvPr id="0" name=""/>
+      <dsp:cNvGrpSpPr/>
+    </dsp:nvGrpSpPr>
+    <dsp:grpSpPr/>
+    <dsp:sp modelId="{BB6ECE61-A9E2-4B0A-AE8F-66C3A0116280}">
+      <dsp:nvSpPr>
+        <dsp:cNvPr id="0" name=""/>
+        <dsp:cNvSpPr/>
+      </dsp:nvSpPr>
+      <dsp:spPr>
+        <a:xfrm>
+          <a:off x="0" y="545359"/>
+          <a:ext cx="6666833" cy="2419200"/>
+        </a:xfrm>
+        <a:prstGeom prst="rect">
+          <a:avLst/>
+        </a:prstGeom>
+        <a:solidFill>
+          <a:schemeClr val="lt1">
+            <a:alpha val="90000"/>
+            <a:hueOff val="0"/>
+            <a:satOff val="0"/>
+            <a:lumOff val="0"/>
+            <a:alphaOff val="0"/>
+          </a:schemeClr>
+        </a:solidFill>
+        <a:ln w="6350" cap="flat" cmpd="sng" algn="ctr">
+          <a:solidFill>
+            <a:schemeClr val="accent2">
+              <a:hueOff val="0"/>
+              <a:satOff val="0"/>
+              <a:lumOff val="0"/>
+              <a:alphaOff val="0"/>
+            </a:schemeClr>
+          </a:solidFill>
+          <a:prstDash val="solid"/>
+          <a:miter lim="800000"/>
+        </a:ln>
+        <a:effectLst/>
+      </dsp:spPr>
+      <dsp:style>
+        <a:lnRef idx="1">
+          <a:scrgbClr r="0" g="0" b="0"/>
+        </a:lnRef>
+        <a:fillRef idx="1">
+          <a:scrgbClr r="0" g="0" b="0"/>
+        </a:fillRef>
+        <a:effectRef idx="0">
+          <a:scrgbClr r="0" g="0" b="0"/>
+        </a:effectRef>
+        <a:fontRef idx="minor"/>
+      </dsp:style>
+      <dsp:txBody>
+        <a:bodyPr spcFirstLastPara="0" vert="horz" wrap="square" lIns="517420" tIns="499872" rIns="517420" bIns="170688" numCol="1" spcCol="1270" anchor="t" anchorCtr="0">
+          <a:noAutofit/>
+        </a:bodyPr>
+        <a:lstStyle/>
+        <a:p>
+          <a:pPr marL="228600" lvl="1" indent="-228600" algn="l" defTabSz="1066800">
+            <a:lnSpc>
+              <a:spcPct val="90000"/>
+            </a:lnSpc>
+            <a:spcBef>
+              <a:spcPct val="0"/>
+            </a:spcBef>
+            <a:spcAft>
+              <a:spcPct val="15000"/>
+            </a:spcAft>
+            <a:buChar char="•"/>
+          </a:pPr>
+          <a:r>
+            <a:rPr lang="en-US" sz="2400" kern="1200"/>
+            <a:t>A sample that relies on personal judgment in the element selection process</a:t>
+          </a:r>
+        </a:p>
+        <a:p>
+          <a:pPr marL="228600" lvl="1" indent="-228600" algn="l" defTabSz="1066800">
+            <a:lnSpc>
+              <a:spcPct val="90000"/>
+            </a:lnSpc>
+            <a:spcBef>
+              <a:spcPct val="0"/>
+            </a:spcBef>
+            <a:spcAft>
+              <a:spcPct val="15000"/>
+            </a:spcAft>
+            <a:buChar char="•"/>
+          </a:pPr>
+          <a:r>
+            <a:rPr lang="en-US" sz="2400" kern="1200"/>
+            <a:t>With nonprobability samples, sampling error cannot be estimated and we cannot calculate the margin of sampling error </a:t>
+          </a:r>
+        </a:p>
+      </dsp:txBody>
+      <dsp:txXfrm>
+        <a:off x="0" y="545359"/>
+        <a:ext cx="6666833" cy="2419200"/>
+      </dsp:txXfrm>
+    </dsp:sp>
+    <dsp:sp modelId="{FE6D34E4-AE25-452B-92E7-E224DCE03B2E}">
+      <dsp:nvSpPr>
+        <dsp:cNvPr id="0" name=""/>
+        <dsp:cNvSpPr/>
+      </dsp:nvSpPr>
+      <dsp:spPr>
+        <a:xfrm>
+          <a:off x="333341" y="191119"/>
+          <a:ext cx="4666783" cy="708480"/>
+        </a:xfrm>
+        <a:prstGeom prst="roundRect">
+          <a:avLst/>
+        </a:prstGeom>
+        <a:gradFill rotWithShape="0">
+          <a:gsLst>
+            <a:gs pos="0">
+              <a:schemeClr val="accent2">
+                <a:hueOff val="0"/>
+                <a:satOff val="0"/>
+                <a:lumOff val="0"/>
+                <a:alphaOff val="0"/>
+                <a:satMod val="103000"/>
+                <a:lumMod val="102000"/>
+                <a:tint val="94000"/>
+              </a:schemeClr>
+            </a:gs>
+            <a:gs pos="50000">
+              <a:schemeClr val="accent2">
+                <a:hueOff val="0"/>
+                <a:satOff val="0"/>
+                <a:lumOff val="0"/>
+                <a:alphaOff val="0"/>
+                <a:satMod val="110000"/>
+                <a:lumMod val="100000"/>
+                <a:shade val="100000"/>
+              </a:schemeClr>
+            </a:gs>
+            <a:gs pos="100000">
+              <a:schemeClr val="accent2">
+                <a:hueOff val="0"/>
+                <a:satOff val="0"/>
+                <a:lumOff val="0"/>
+                <a:alphaOff val="0"/>
+                <a:lumMod val="99000"/>
+                <a:satMod val="120000"/>
+                <a:shade val="78000"/>
+              </a:schemeClr>
+            </a:gs>
+          </a:gsLst>
+          <a:lin ang="5400000" scaled="0"/>
+        </a:gradFill>
+        <a:ln>
+          <a:noFill/>
+        </a:ln>
+        <a:effectLst/>
+      </dsp:spPr>
+      <dsp:style>
+        <a:lnRef idx="0">
+          <a:scrgbClr r="0" g="0" b="0"/>
+        </a:lnRef>
+        <a:fillRef idx="3">
+          <a:scrgbClr r="0" g="0" b="0"/>
+        </a:fillRef>
+        <a:effectRef idx="2">
+          <a:scrgbClr r="0" g="0" b="0"/>
+        </a:effectRef>
+        <a:fontRef idx="minor">
+          <a:schemeClr val="lt1"/>
+        </a:fontRef>
+      </dsp:style>
+      <dsp:txBody>
+        <a:bodyPr spcFirstLastPara="0" vert="horz" wrap="square" lIns="176393" tIns="0" rIns="176393" bIns="0" numCol="1" spcCol="1270" anchor="ctr" anchorCtr="0">
+          <a:noAutofit/>
+        </a:bodyPr>
+        <a:lstStyle/>
+        <a:p>
+          <a:pPr marL="0" lvl="0" indent="0" algn="l" defTabSz="1066800">
+            <a:lnSpc>
+              <a:spcPct val="90000"/>
+            </a:lnSpc>
+            <a:spcBef>
+              <a:spcPct val="0"/>
+            </a:spcBef>
+            <a:spcAft>
+              <a:spcPct val="35000"/>
+            </a:spcAft>
+            <a:buNone/>
+          </a:pPr>
+          <a:r>
+            <a:rPr lang="en-US" sz="2400" kern="1200"/>
+            <a:t>Nonprobability sample </a:t>
+          </a:r>
+        </a:p>
+      </dsp:txBody>
+      <dsp:txXfrm>
+        <a:off x="367926" y="225704"/>
+        <a:ext cx="4597613" cy="639310"/>
+      </dsp:txXfrm>
+    </dsp:sp>
+    <dsp:sp modelId="{8EE104F3-B2C8-4AB5-942A-FEDA6EDDA864}">
+      <dsp:nvSpPr>
+        <dsp:cNvPr id="0" name=""/>
+        <dsp:cNvSpPr/>
+      </dsp:nvSpPr>
+      <dsp:spPr>
+        <a:xfrm>
+          <a:off x="0" y="3448399"/>
+          <a:ext cx="6666833" cy="1814400"/>
+        </a:xfrm>
+        <a:prstGeom prst="rect">
+          <a:avLst/>
+        </a:prstGeom>
+        <a:solidFill>
+          <a:schemeClr val="lt1">
+            <a:alpha val="90000"/>
+            <a:hueOff val="0"/>
+            <a:satOff val="0"/>
+            <a:lumOff val="0"/>
+            <a:alphaOff val="0"/>
+          </a:schemeClr>
+        </a:solidFill>
+        <a:ln w="6350" cap="flat" cmpd="sng" algn="ctr">
+          <a:solidFill>
+            <a:schemeClr val="accent2">
+              <a:hueOff val="-1455363"/>
+              <a:satOff val="-83928"/>
+              <a:lumOff val="8628"/>
+              <a:alphaOff val="0"/>
+            </a:schemeClr>
+          </a:solidFill>
+          <a:prstDash val="solid"/>
+          <a:miter lim="800000"/>
+        </a:ln>
+        <a:effectLst/>
+      </dsp:spPr>
+      <dsp:style>
+        <a:lnRef idx="1">
+          <a:scrgbClr r="0" g="0" b="0"/>
+        </a:lnRef>
+        <a:fillRef idx="1">
+          <a:scrgbClr r="0" g="0" b="0"/>
+        </a:fillRef>
+        <a:effectRef idx="0">
+          <a:scrgbClr r="0" g="0" b="0"/>
+        </a:effectRef>
+        <a:fontRef idx="minor"/>
+      </dsp:style>
+      <dsp:txBody>
+        <a:bodyPr spcFirstLastPara="0" vert="horz" wrap="square" lIns="517420" tIns="499872" rIns="517420" bIns="170688" numCol="1" spcCol="1270" anchor="t" anchorCtr="0">
+          <a:noAutofit/>
+        </a:bodyPr>
+        <a:lstStyle/>
+        <a:p>
+          <a:pPr marL="228600" lvl="1" indent="-228600" algn="l" defTabSz="1066800">
+            <a:lnSpc>
+              <a:spcPct val="90000"/>
+            </a:lnSpc>
+            <a:spcBef>
+              <a:spcPct val="0"/>
+            </a:spcBef>
+            <a:spcAft>
+              <a:spcPct val="15000"/>
+            </a:spcAft>
+            <a:buChar char="•"/>
+          </a:pPr>
+          <a:r>
+            <a:rPr lang="en-US" sz="2400" kern="1200"/>
+            <a:t>Convenience </a:t>
+          </a:r>
+        </a:p>
+        <a:p>
+          <a:pPr marL="228600" lvl="1" indent="-228600" algn="l" defTabSz="1066800">
+            <a:lnSpc>
+              <a:spcPct val="90000"/>
+            </a:lnSpc>
+            <a:spcBef>
+              <a:spcPct val="0"/>
+            </a:spcBef>
+            <a:spcAft>
+              <a:spcPct val="15000"/>
+            </a:spcAft>
+            <a:buChar char="•"/>
+          </a:pPr>
+          <a:r>
+            <a:rPr lang="en-US" sz="2400" kern="1200"/>
+            <a:t>Judgment (e.g., snowball) </a:t>
+          </a:r>
+        </a:p>
+        <a:p>
+          <a:pPr marL="228600" lvl="1" indent="-228600" algn="l" defTabSz="1066800">
+            <a:lnSpc>
+              <a:spcPct val="90000"/>
+            </a:lnSpc>
+            <a:spcBef>
+              <a:spcPct val="0"/>
+            </a:spcBef>
+            <a:spcAft>
+              <a:spcPct val="15000"/>
+            </a:spcAft>
+            <a:buChar char="•"/>
+          </a:pPr>
+          <a:r>
+            <a:rPr lang="en-US" sz="2400" kern="1200"/>
+            <a:t>Quota </a:t>
+          </a:r>
+        </a:p>
+      </dsp:txBody>
+      <dsp:txXfrm>
+        <a:off x="0" y="3448399"/>
+        <a:ext cx="6666833" cy="1814400"/>
+      </dsp:txXfrm>
+    </dsp:sp>
+    <dsp:sp modelId="{784DB913-FCCD-485B-A137-AFFC918966CB}">
+      <dsp:nvSpPr>
+        <dsp:cNvPr id="0" name=""/>
+        <dsp:cNvSpPr/>
+      </dsp:nvSpPr>
+      <dsp:spPr>
+        <a:xfrm>
+          <a:off x="333341" y="3094160"/>
+          <a:ext cx="4666783" cy="708480"/>
+        </a:xfrm>
+        <a:prstGeom prst="roundRect">
+          <a:avLst/>
+        </a:prstGeom>
+        <a:gradFill rotWithShape="0">
+          <a:gsLst>
+            <a:gs pos="0">
+              <a:schemeClr val="accent2">
+                <a:hueOff val="-1455363"/>
+                <a:satOff val="-83928"/>
+                <a:lumOff val="8628"/>
+                <a:alphaOff val="0"/>
+                <a:satMod val="103000"/>
+                <a:lumMod val="102000"/>
+                <a:tint val="94000"/>
+              </a:schemeClr>
+            </a:gs>
+            <a:gs pos="50000">
+              <a:schemeClr val="accent2">
+                <a:hueOff val="-1455363"/>
+                <a:satOff val="-83928"/>
+                <a:lumOff val="8628"/>
+                <a:alphaOff val="0"/>
+                <a:satMod val="110000"/>
+                <a:lumMod val="100000"/>
+                <a:shade val="100000"/>
+              </a:schemeClr>
+            </a:gs>
+            <a:gs pos="100000">
+              <a:schemeClr val="accent2">
+                <a:hueOff val="-1455363"/>
+                <a:satOff val="-83928"/>
+                <a:lumOff val="8628"/>
+                <a:alphaOff val="0"/>
+                <a:lumMod val="99000"/>
+                <a:satMod val="120000"/>
+                <a:shade val="78000"/>
+              </a:schemeClr>
+            </a:gs>
+          </a:gsLst>
+          <a:lin ang="5400000" scaled="0"/>
+        </a:gradFill>
+        <a:ln>
+          <a:noFill/>
+        </a:ln>
+        <a:effectLst/>
+      </dsp:spPr>
+      <dsp:style>
+        <a:lnRef idx="0">
+          <a:scrgbClr r="0" g="0" b="0"/>
+        </a:lnRef>
+        <a:fillRef idx="3">
+          <a:scrgbClr r="0" g="0" b="0"/>
+        </a:fillRef>
+        <a:effectRef idx="2">
+          <a:scrgbClr r="0" g="0" b="0"/>
+        </a:effectRef>
+        <a:fontRef idx="minor">
+          <a:schemeClr val="lt1"/>
+        </a:fontRef>
+      </dsp:style>
+      <dsp:txBody>
+        <a:bodyPr spcFirstLastPara="0" vert="horz" wrap="square" lIns="176393" tIns="0" rIns="176393" bIns="0" numCol="1" spcCol="1270" anchor="ctr" anchorCtr="0">
+          <a:noAutofit/>
+        </a:bodyPr>
+        <a:lstStyle/>
+        <a:p>
+          <a:pPr marL="0" lvl="0" indent="0" algn="l" defTabSz="1066800">
+            <a:lnSpc>
+              <a:spcPct val="90000"/>
+            </a:lnSpc>
+            <a:spcBef>
+              <a:spcPct val="0"/>
+            </a:spcBef>
+            <a:spcAft>
+              <a:spcPct val="35000"/>
+            </a:spcAft>
+            <a:buNone/>
+          </a:pPr>
+          <a:r>
+            <a:rPr lang="en-US" sz="2400" kern="1200"/>
+            <a:t>Example: </a:t>
+          </a:r>
+        </a:p>
+      </dsp:txBody>
+      <dsp:txXfrm>
+        <a:off x="367926" y="3128745"/>
+        <a:ext cx="4597613" cy="639310"/>
+      </dsp:txXfrm>
+    </dsp:sp>
+  </dsp:spTree>
+</dsp:drawing>
+</file>
+
+<file path=ppt/diagrams/layout1.xml><?xml version="1.0" encoding="utf-8"?>
+<dgm:layoutDef xmlns:dgm="http://schemas.openxmlformats.org/drawingml/2006/diagram" xmlns:a="http://schemas.openxmlformats.org/drawingml/2006/main" uniqueId="urn:microsoft.com/office/officeart/2005/8/layout/list1">
+  <dgm:title val=""/>
+  <dgm:desc val=""/>
+  <dgm:catLst>
+    <dgm:cat type="list" pri="4000"/>
+  </dgm:catLst>
+  <dgm:sampData>
+    <dgm:dataModel>
+      <dgm:ptLst>
+        <dgm:pt modelId="0" type="doc"/>
+        <dgm:pt modelId="1">
+          <dgm:prSet phldr="1"/>
+        </dgm:pt>
+        <dgm:pt modelId="2">
+          <dgm:prSet phldr="1"/>
+        </dgm:pt>
+        <dgm:pt modelId="3">
+          <dgm:prSet phldr="1"/>
+        </dgm:pt>
+      </dgm:ptLst>
+      <dgm:cxnLst>
+        <dgm:cxn modelId="4" srcId="0" destId="1" srcOrd="0" destOrd="0"/>
+        <dgm:cxn modelId="5" srcId="0" destId="2" srcOrd="1" destOrd="0"/>
+        <dgm:cxn modelId="6" srcId="0" destId="3" srcOrd="2" destOrd="0"/>
+      </dgm:cxnLst>
+      <dgm:bg/>
+      <dgm:whole/>
+    </dgm:dataModel>
+  </dgm:sampData>
+  <dgm:styleData>
+    <dgm:dataModel>
+      <dgm:ptLst>
+        <dgm:pt modelId="0" type="doc"/>
+        <dgm:pt modelId="1"/>
+        <dgm:pt modelId="2"/>
+      </dgm:ptLst>
+      <dgm:cxnLst>
+        <dgm:cxn modelId="4" srcId="0" destId="1" srcOrd="0" destOrd="0"/>
+        <dgm:cxn modelId="5" srcId="0" destId="2" srcOrd="1" destOrd="0"/>
+      </dgm:cxnLst>
+      <dgm:bg/>
+      <dgm:whole/>
+    </dgm:dataModel>
+  </dgm:styleData>
+  <dgm:clrData>
+    <dgm:dataModel>
+      <dgm:ptLst>
+        <dgm:pt modelId="0" type="doc"/>
+        <dgm:pt modelId="1"/>
+        <dgm:pt modelId="2"/>
+        <dgm:pt modelId="3"/>
+        <dgm:pt modelId="4"/>
+      </dgm:ptLst>
+      <dgm:cxnLst>
+        <dgm:cxn modelId="5" srcId="0" destId="1" srcOrd="0" destOrd="0"/>
+        <dgm:cxn modelId="6" srcId="0" destId="2" srcOrd="1" destOrd="0"/>
+        <dgm:cxn modelId="7" srcId="0" destId="3" srcOrd="2" destOrd="0"/>
+        <dgm:cxn modelId="8" srcId="0" destId="4" srcOrd="3" destOrd="0"/>
+      </dgm:cxnLst>
+      <dgm:bg/>
+      <dgm:whole/>
+    </dgm:dataModel>
+  </dgm:clrData>
+  <dgm:layoutNode name="linear">
+    <dgm:varLst>
+      <dgm:dir/>
+      <dgm:animLvl val="lvl"/>
+      <dgm:resizeHandles val="exact"/>
+    </dgm:varLst>
+    <dgm:choose name="Name0">
+      <dgm:if name="Name1" func="var" arg="dir" op="equ" val="norm">
+        <dgm:alg type="lin">
+          <dgm:param type="linDir" val="fromT"/>
+          <dgm:param type="vertAlign" val="mid"/>
+          <dgm:param type="horzAlign" val="l"/>
+          <dgm:param type="nodeHorzAlign" val="l"/>
+        </dgm:alg>
+      </dgm:if>
+      <dgm:else name="Name2">
+        <dgm:alg type="lin">
+          <dgm:param type="linDir" val="fromT"/>
+          <dgm:param type="vertAlign" val="mid"/>
+          <dgm:param type="horzAlign" val="r"/>
+          <dgm:param type="nodeHorzAlign" val="r"/>
+        </dgm:alg>
+      </dgm:else>
+    </dgm:choose>
+    <dgm:shape xmlns:r="http://schemas.openxmlformats.org/officeDocument/2006/relationships" r:blip="">
+      <dgm:adjLst/>
+    </dgm:shape>
+    <dgm:presOf/>
+    <dgm:constrLst>
+      <dgm:constr type="w" for="ch" forName="parentLin" refType="w"/>
+      <dgm:constr type="h" for="ch" forName="parentLin" val="INF"/>
+      <dgm:constr type="w" for="des" forName="parentLeftMargin" refType="w" fact="0.05"/>
+      <dgm:constr type="w" for="des" forName="parentText" refType="w" fact="0.7"/>
+      <dgm:constr type="h" for="des" forName="parentText" refType="primFontSz" refFor="des" refForName="parentText" fact="0.82"/>
+      <dgm:constr type="h" for="ch" forName="negativeSpace" refType="primFontSz" refFor="des" refForName="parentText" fact="-0.41"/>
+      <dgm:constr type="h" for="ch" forName="negativeSpace" refType="h" refFor="des" refForName="parentText" op="lte" fact="-0.82"/>
+      <dgm:constr type="h" for="ch" forName="negativeSpace" refType="h" refFor="des" refForName="parentText" op="gte" fact="-0.82"/>
+      <dgm:constr type="w" for="ch" forName="childText" refType="w"/>
+      <dgm:constr type="h" for="ch" forName="childText" refType="primFontSz" refFor="des" refForName="parentText" fact="0.7"/>
+      <dgm:constr type="primFontSz" for="des" forName="parentText" val="65"/>
+      <dgm:constr type="primFontSz" for="ch" forName="childText" refType="primFontSz" refFor="des" refForName="parentText"/>
+      <dgm:constr type="tMarg" for="ch" forName="childText" refType="primFontSz" refFor="des" refForName="parentText" fact="1.64"/>
+      <dgm:constr type="tMarg" for="ch" forName="childText" refType="h" refFor="des" refForName="parentText" op="lte" fact="3.28"/>
+      <dgm:constr type="tMarg" for="ch" forName="childText" refType="h" refFor="des" refForName="parentText" op="gte" fact="3.28"/>
+      <dgm:constr type="lMarg" for="ch" forName="childText" refType="w" fact="0.22"/>
+      <dgm:constr type="rMarg" for="ch" forName="childText" refType="lMarg" refFor="ch" refForName="childText"/>
+      <dgm:constr type="lMarg" for="des" forName="parentText" refType="w" fact="0.075"/>
+      <dgm:constr type="rMarg" for="des" forName="parentText" refType="lMarg" refFor="des" refForName="parentText"/>
+      <dgm:constr type="h" for="ch" forName="spaceBetweenRectangles" refType="primFontSz" refFor="des" refForName="parentText" fact="0.15"/>
+    </dgm:constrLst>
+    <dgm:ruleLst>
+      <dgm:rule type="primFontSz" for="des" forName="parentText" val="5" fact="NaN" max="NaN"/>
+    </dgm:ruleLst>
+    <dgm:forEach name="Name3" axis="ch" ptType="node">
+      <dgm:layoutNode name="parentLin">
+        <dgm:choose name="Name4">
+          <dgm:if name="Name5" func="var" arg="dir" op="equ" val="norm">
+            <dgm:alg type="lin">
+              <dgm:param type="linDir" val="fromL"/>
+              <dgm:param type="horzAlign" val="l"/>
+              <dgm:param type="nodeHorzAlign" val="l"/>
+            </dgm:alg>
+          </dgm:if>
+          <dgm:else name="Name6">
+            <dgm:alg type="lin">
+              <dgm:param type="linDir" val="fromR"/>
+              <dgm:param type="horzAlign" val="r"/>
+              <dgm:param type="nodeHorzAlign" val="r"/>
+            </dgm:alg>
+          </dgm:else>
+        </dgm:choose>
+        <dgm:shape xmlns:r="http://schemas.openxmlformats.org/officeDocument/2006/relationships" r:blip="">
+          <dgm:adjLst/>
+        </dgm:shape>
+        <dgm:presOf/>
+        <dgm:constrLst/>
+        <dgm:ruleLst/>
+        <dgm:layoutNode name="parentLeftMargin">
+          <dgm:alg type="sp"/>
+          <dgm:shape xmlns:r="http://schemas.openxmlformats.org/officeDocument/2006/relationships" type="rect" r:blip="" hideGeom="1">
+            <dgm:adjLst/>
+          </dgm:shape>
+          <dgm:presOf axis="self"/>
+          <dgm:constrLst>
+            <dgm:constr type="h"/>
+          </dgm:constrLst>
+          <dgm:ruleLst/>
+        </dgm:layoutNode>
+        <dgm:layoutNode name="parentText" styleLbl="node1">
+          <dgm:varLst>
+            <dgm:chMax val="0"/>
+            <dgm:bulletEnabled val="1"/>
+          </dgm:varLst>
+          <dgm:choose name="Name7">
+            <dgm:if name="Name8" func="var" arg="dir" op="equ" val="norm">
+              <dgm:alg type="tx">
+                <dgm:param type="parTxLTRAlign" val="l"/>
+                <dgm:param type="parTxRTLAlign" val="l"/>
+              </dgm:alg>
+            </dgm:if>
+            <dgm:else name="Name9">
+              <dgm:alg type="tx">
+                <dgm:param type="parTxLTRAlign" val="r"/>
+                <dgm:param type="parTxRTLAlign" val="r"/>
+              </dgm:alg>
+            </dgm:else>
+          </dgm:choose>
+          <dgm:shape xmlns:r="http://schemas.openxmlformats.org/officeDocument/2006/relationships" type="roundRect" r:blip="">
+            <dgm:adjLst/>
+          </dgm:shape>
+          <dgm:presOf axis="self" ptType="node"/>
+          <dgm:constrLst>
+            <dgm:constr type="tMarg"/>
+            <dgm:constr type="bMarg"/>
+          </dgm:constrLst>
+          <dgm:ruleLst/>
+        </dgm:layoutNode>
+      </dgm:layoutNode>
+      <dgm:layoutNode name="negativeSpace">
+        <dgm:alg type="sp"/>
+        <dgm:shape xmlns:r="http://schemas.openxmlformats.org/officeDocument/2006/relationships" r:blip="">
+          <dgm:adjLst/>
+        </dgm:shape>
+        <dgm:presOf/>
+        <dgm:constrLst/>
+        <dgm:ruleLst/>
+      </dgm:layoutNode>
+      <dgm:layoutNode name="childText" styleLbl="conFgAcc1">
+        <dgm:varLst>
+          <dgm:bulletEnabled val="1"/>
+        </dgm:varLst>
+        <dgm:alg type="tx">
+          <dgm:param type="stBulletLvl" val="1"/>
+        </dgm:alg>
+        <dgm:shape xmlns:r="http://schemas.openxmlformats.org/officeDocument/2006/relationships" type="rect" r:blip="" zOrderOff="-2">
+          <dgm:adjLst/>
+        </dgm:shape>
+        <dgm:presOf axis="des" ptType="node"/>
+        <dgm:constrLst>
+          <dgm:constr type="secFontSz" refType="primFontSz"/>
+        </dgm:constrLst>
+        <dgm:ruleLst>
+          <dgm:rule type="h" val="INF" fact="NaN" max="NaN"/>
+        </dgm:ruleLst>
+      </dgm:layoutNode>
+      <dgm:forEach name="Name10" axis="followSib" ptType="sibTrans" cnt="1">
+        <dgm:layoutNode name="spaceBetweenRectangles">
+          <dgm:alg type="sp"/>
+          <dgm:shape xmlns:r="http://schemas.openxmlformats.org/officeDocument/2006/relationships" r:blip="">
+            <dgm:adjLst/>
+          </dgm:shape>
+          <dgm:presOf/>
+          <dgm:constrLst/>
+          <dgm:ruleLst/>
+        </dgm:layoutNode>
+      </dgm:forEach>
+    </dgm:forEach>
+  </dgm:layoutNode>
+</dgm:layoutDef>
+</file>
+
+<file path=ppt/diagrams/quickStyle1.xml><?xml version="1.0" encoding="utf-8"?>
+<dgm:styleDef xmlns:dgm="http://schemas.openxmlformats.org/drawingml/2006/diagram" xmlns:a="http://schemas.openxmlformats.org/drawingml/2006/main" uniqueId="urn:microsoft.com/office/officeart/2005/8/quickstyle/simple4">
+  <dgm:title val=""/>
+  <dgm:desc val=""/>
+  <dgm:catLst>
+    <dgm:cat type="simple" pri="10400"/>
+  </dgm:catLst>
+  <dgm:scene3d>
+    <a:camera prst="orthographicFront"/>
+    <a:lightRig rig="threePt" dir="t"/>
+  </dgm:scene3d>
+  <dgm:styleLbl name="node0">
+    <dgm:scene3d>
+      <a:camera prst="orthographicFront"/>
+      <a:lightRig rig="threePt" dir="t"/>
+    </dgm:scene3d>
+    <dgm:sp3d/>
+    <dgm:txPr/>
+    <dgm:style>
+      <a:lnRef idx="0">
+        <a:scrgbClr r="0" g="0" b="0"/>
+      </a:lnRef>
+      <a:fillRef idx="3">
+        <a:scrgbClr r="0" g="0" b="0"/>
+      </a:fillRef>
+      <a:effectRef idx="2">
+        <a:scrgbClr r="0" g="0" b="0"/>
+      </a:effectRef>
+      <a:fontRef idx="minor">
+        <a:schemeClr val="lt1"/>
+      </a:fontRef>
+    </dgm:style>
+  </dgm:styleLbl>
+  <dgm:styleLbl name="lnNode1">
+    <dgm:scene3d>
+      <a:camera prst="orthographicFront"/>
+      <a:lightRig rig="threePt" dir="t"/>
+    </dgm:scene3d>
+    <dgm:sp3d/>
+    <dgm:txPr/>
+    <dgm:style>
+      <a:lnRef idx="1">
+        <a:scrgbClr r="0" g="0" b="0"/>
+      </a:lnRef>
+      <a:fillRef idx="3">
+        <a:scrgbClr r="0" g="0" b="0"/>
+      </a:fillRef>
+      <a:effectRef idx="2">
+        <a:scrgbClr r="0" g="0" b="0"/>
+      </a:effectRef>
+      <a:fontRef idx="minor">
+        <a:schemeClr val="lt1"/>
+      </a:fontRef>
+    </dgm:style>
+  </dgm:styleLbl>
+  <dgm:styleLbl name="vennNode1">
+    <dgm:scene3d>
+      <a:camera prst="orthographicFront"/>
+      <a:lightRig rig="threePt" dir="t"/>
+    </dgm:scene3d>
+    <dgm:sp3d/>
+    <dgm:txPr/>
+    <dgm:style>
+      <a:lnRef idx="0">
+        <a:scrgbClr r="0" g="0" b="0"/>
+      </a:lnRef>
+      <a:fillRef idx="3">
+        <a:scrgbClr r="0" g="0" b="0"/>
+      </a:fillRef>
+      <a:effectRef idx="0">
+        <a:scrgbClr r="0" g="0" b="0"/>
+      </a:effectRef>
+      <a:fontRef idx="minor">
+        <a:schemeClr val="tx1"/>
+      </a:fontRef>
+    </dgm:style>
+  </dgm:styleLbl>
+  <dgm:styleLbl name="alignNode1">
+    <dgm:scene3d>
+      <a:camera prst="orthographicFront"/>
+      <a:lightRig rig="threePt" dir="t"/>
+    </dgm:scene3d>
+    <dgm:sp3d/>
+    <dgm:txPr/>
+    <dgm:style>
+      <a:lnRef idx="1">
+        <a:scrgbClr r="0" g="0" b="0"/>
+      </a:lnRef>
+      <a:fillRef idx="3">
+        <a:scrgbClr r="0" g="0" b="0"/>
+      </a:fillRef>
+      <a:effectRef idx="2">
+        <a:scrgbClr r="0" g="0" b="0"/>
+      </a:effectRef>
+      <a:fontRef idx="minor">
+        <a:schemeClr val="lt1"/>
+      </a:fontRef>
+    </dgm:style>
+  </dgm:styleLbl>
+  <dgm:styleLbl name="node1">
+    <dgm:scene3d>
+      <a:camera prst="orthographicFront"/>
+      <a:lightRig rig="threePt" dir="t"/>
+    </dgm:scene3d>
+    <dgm:sp3d/>
+    <dgm:txPr/>
+    <dgm:style>
+      <a:lnRef idx="0">
+        <a:scrgbClr r="0" g="0" b="0"/>
+      </a:lnRef>
+      <a:fillRef idx="3">
+        <a:scrgbClr r="0" g="0" b="0"/>
+      </a:fillRef>
+      <a:effectRef idx="2">
+        <a:scrgbClr r="0" g="0" b="0"/>
+      </a:effectRef>
+      <a:fontRef idx="minor">
+        <a:schemeClr val="lt1"/>
+      </a:fontRef>
+    </dgm:style>
+  </dgm:styleLbl>
+  <dgm:styleLbl name="node2">
+    <dgm:scene3d>
+      <a:camera prst="orthographicFront"/>
+      <a:lightRig rig="threePt" dir="t"/>
+    </dgm:scene3d>
+    <dgm:sp3d/>
+    <dgm:txPr/>
+    <dgm:style>
+      <a:lnRef idx="0">
+        <a:scrgbClr r="0" g="0" b="0"/>
+      </a:lnRef>
+      <a:fillRef idx="3">
+        <a:scrgbClr r="0" g="0" b="0"/>
+      </a:fillRef>
+      <a:effectRef idx="2">
+        <a:scrgbClr r="0" g="0" b="0"/>
+      </a:effectRef>
+      <a:fontRef idx="minor">
+        <a:schemeClr val="lt1"/>
+      </a:fontRef>
+    </dgm:style>
+  </dgm:styleLbl>
+  <dgm:styleLbl name="node3">
+    <dgm:scene3d>
+      <a:camera prst="orthographicFront"/>
+      <a:lightRig rig="threePt" dir="t"/>
+    </dgm:scene3d>
+    <dgm:sp3d/>
+    <dgm:txPr/>
+    <dgm:style>
+      <a:lnRef idx="0">
+        <a:scrgbClr r="0" g="0" b="0"/>
+      </a:lnRef>
+      <a:fillRef idx="3">
+        <a:scrgbClr r="0" g="0" b="0"/>
+      </a:fillRef>
+      <a:effectRef idx="2">
+        <a:scrgbClr r="0" g="0" b="0"/>
+      </a:effectRef>
+      <a:fontRef idx="minor">
+        <a:schemeClr val="lt1"/>
+      </a:fontRef>
+    </dgm:style>
+  </dgm:styleLbl>
+  <dgm:styleLbl name="node4">
+    <dgm:scene3d>
+      <a:camera prst="orthographicFront"/>
+      <a:lightRig rig="threePt" dir="t"/>
+    </dgm:scene3d>
+    <dgm:sp3d/>
+    <dgm:txPr/>
+    <dgm:style>
+      <a:lnRef idx="0">
+        <a:scrgbClr r="0" g="0" b="0"/>
+      </a:lnRef>
+      <a:fillRef idx="3">
+        <a:scrgbClr r="0" g="0" b="0"/>
+      </a:fillRef>
+      <a:effectRef idx="2">
+        <a:scrgbClr r="0" g="0" b="0"/>
+      </a:effectRef>
+      <a:fontRef idx="minor">
+        <a:schemeClr val="lt1"/>
+      </a:fontRef>
+    </dgm:style>
+  </dgm:styleLbl>
+  <dgm:styleLbl name="fgImgPlace1">
+    <dgm:scene3d>
+      <a:camera prst="orthographicFront"/>
+      <a:lightRig rig="threePt" dir="t"/>
+    </dgm:scene3d>
+    <dgm:sp3d/>
+    <dgm:txPr/>
+    <dgm:style>
+      <a:lnRef idx="0">
+        <a:scrgbClr r="0" g="0" b="0"/>
+      </a:lnRef>
+      <a:fillRef idx="1">
+        <a:scrgbClr r="0" g="0" b="0"/>
+      </a:fillRef>
+      <a:effectRef idx="2">
+        <a:scrgbClr r="0" g="0" b="0"/>
+      </a:effectRef>
+      <a:fontRef idx="minor"/>
+    </dgm:style>
+  </dgm:styleLbl>
+  <dgm:styleLbl name="alignImgPlace1">
+    <dgm:scene3d>
+      <a:camera prst="orthographicFront"/>
+      <a:lightRig rig="threePt" dir="t"/>
+    </dgm:scene3d>
+    <dgm:sp3d/>
+    <dgm:txPr/>
+    <dgm:style>
+      <a:lnRef idx="0">
+        <a:scrgbClr r="0" g="0" b="0"/>
+      </a:lnRef>
+      <a:fillRef idx="1">
+        <a:scrgbClr r="0" g="0" b="0"/>
+      </a:fillRef>
+      <a:effectRef idx="2">
+        <a:scrgbClr r="0" g="0" b="0"/>
+      </a:effectRef>
+      <a:fontRef idx="minor"/>
+    </dgm:style>
+  </dgm:styleLbl>
+  <dgm:styleLbl name="bgImgPlace1">
+    <dgm:scene3d>
+      <a:camera prst="orthographicFront"/>
+      <a:lightRig rig="threePt" dir="t"/>
+    </dgm:scene3d>
+    <dgm:sp3d/>
+    <dgm:txPr/>
+    <dgm:style>
+      <a:lnRef idx="0">
+        <a:scrgbClr r="0" g="0" b="0"/>
+      </a:lnRef>
+      <a:fillRef idx="1">
+        <a:scrgbClr r="0" g="0" b="0"/>
+      </a:fillRef>
+      <a:effectRef idx="2">
+        <a:scrgbClr r="0" g="0" b="0"/>
+      </a:effectRef>
+      <a:fontRef idx="minor"/>
+    </dgm:style>
+  </dgm:styleLbl>
+  <dgm:styleLbl name="sibTrans2D1">
+    <dgm:scene3d>
+      <a:camera prst="orthographicFront"/>
+      <a:lightRig rig="threePt" dir="t"/>
+    </dgm:scene3d>
+    <dgm:sp3d/>
+    <dgm:txPr/>
+    <dgm:style>
+      <a:lnRef idx="0">
+        <a:scrgbClr r="0" g="0" b="0"/>
+      </a:lnRef>
+      <a:fillRef idx="3">
+        <a:scrgbClr r="0" g="0" b="0"/>
+      </a:fillRef>
+      <a:effectRef idx="2">
+        <a:scrgbClr r="0" g="0" b="0"/>
+      </a:effectRef>
+      <a:fontRef idx="minor">
+        <a:schemeClr val="lt1"/>
+      </a:fontRef>
+    </dgm:style>
+  </dgm:styleLbl>
+  <dgm:styleLbl name="fgSibTrans2D1">
+    <dgm:scene3d>
+      <a:camera prst="orthographicFront"/>
+      <a:lightRig rig="threePt" dir="t"/>
+    </dgm:scene3d>
+    <dgm:sp3d/>
+    <dgm:txPr/>
+    <dgm:style>
+      <a:lnRef idx="0">
+        <a:scrgbClr r="0" g="0" b="0"/>
+      </a:lnRef>
+      <a:fillRef idx="3">
+        <a:scrgbClr r="0" g="0" b="0"/>
+      </a:fillRef>
+      <a:effectRef idx="2">
+        <a:scrgbClr r="0" g="0" b="0"/>
+      </a:effectRef>
+      <a:fontRef idx="minor">
+        <a:schemeClr val="lt1"/>
+      </a:fontRef>
+    </dgm:style>
+  </dgm:styleLbl>
+  <dgm:styleLbl name="bgSibTrans2D1">
+    <dgm:scene3d>
+      <a:camera prst="orthographicFront"/>
+      <a:lightRig rig="threePt" dir="t"/>
+    </dgm:scene3d>
+    <dgm:sp3d/>
+    <dgm:txPr/>
+    <dgm:style>
+      <a:lnRef idx="0">
+        <a:scrgbClr r="0" g="0" b="0"/>
+      </a:lnRef>
+      <a:fillRef idx="3">
+        <a:scrgbClr r="0" g="0" b="0"/>
+      </a:fillRef>
+      <a:effectRef idx="2">
+        <a:scrgbClr r="0" g="0" b="0"/>
+      </a:effectRef>
+      <a:fontRef idx="minor">
+        <a:schemeClr val="lt1"/>
+      </a:fontRef>
+    </dgm:style>
+  </dgm:styleLbl>
+  <dgm:styleLbl name="sibTrans1D1">
+    <dgm:scene3d>
+      <a:camera prst="orthographicFront"/>
+      <a:lightRig rig="threePt" dir="t"/>
+    </dgm:scene3d>
+    <dgm:sp3d/>
+    <dgm:txPr/>
+    <dgm:style>
+      <a:lnRef idx="1">
+        <a:scrgbClr r="0" g="0" b="0"/>
+      </a:lnRef>
+      <a:fillRef idx="0">
+        <a:scrgbClr r="0" g="0" b="0"/>
+      </a:fillRef>
+      <a:effectRef idx="0">
+        <a:scrgbClr r="0" g="0" b="0"/>
+      </a:effectRef>
+      <a:fontRef idx="minor"/>
+    </dgm:style>
+  </dgm:styleLbl>
+  <dgm:styleLbl name="callout">
+    <dgm:scene3d>
+      <a:camera prst="orthographicFront"/>
+      <a:lightRig rig="threePt" dir="t"/>
+    </dgm:scene3d>
+    <dgm:sp3d/>
+    <dgm:txPr/>
+    <dgm:style>
+      <a:lnRef idx="2">
+        <a:scrgbClr r="0" g="0" b="0"/>
+      </a:lnRef>
+      <a:fillRef idx="1">
+        <a:scrgbClr r="0" g="0" b="0"/>
+      </a:fillRef>
+      <a:effectRef idx="1">
+        <a:scrgbClr r="0" g="0" b="0"/>
+      </a:effectRef>
+      <a:fontRef idx="minor"/>
+    </dgm:style>
+  </dgm:styleLbl>
+  <dgm:styleLbl name="asst0">
+    <dgm:scene3d>
+      <a:camera prst="orthographicFront"/>
+      <a:lightRig rig="threePt" dir="t"/>
+    </dgm:scene3d>
+    <dgm:sp3d/>
+    <dgm:txPr/>
+    <dgm:style>
+      <a:lnRef idx="0">
+        <a:scrgbClr r="0" g="0" b="0"/>
+      </a:lnRef>
+      <a:fillRef idx="3">
+        <a:scrgbClr r="0" g="0" b="0"/>
+      </a:fillRef>
+      <a:effectRef idx="2">
+        <a:scrgbClr r="0" g="0" b="0"/>
+      </a:effectRef>
+      <a:fontRef idx="minor">
+        <a:schemeClr val="lt1"/>
+      </a:fontRef>
+    </dgm:style>
+  </dgm:styleLbl>
+  <dgm:styleLbl name="asst1">
+    <dgm:scene3d>
+      <a:camera prst="orthographicFront"/>
+      <a:lightRig rig="threePt" dir="t"/>
+    </dgm:scene3d>
+    <dgm:sp3d/>
+    <dgm:txPr/>
+    <dgm:style>
+      <a:lnRef idx="0">
+        <a:scrgbClr r="0" g="0" b="0"/>
+      </a:lnRef>
+      <a:fillRef idx="3">
+        <a:scrgbClr r="0" g="0" b="0"/>
+      </a:fillRef>
+      <a:effectRef idx="2">
+        <a:scrgbClr r="0" g="0" b="0"/>
+      </a:effectRef>
+      <a:fontRef idx="minor">
+        <a:schemeClr val="lt1"/>
+      </a:fontRef>
+    </dgm:style>
+  </dgm:styleLbl>
+  <dgm:styleLbl name="asst2">
+    <dgm:scene3d>
+      <a:camera prst="orthographicFront"/>
+      <a:lightRig rig="threePt" dir="t"/>
+    </dgm:scene3d>
+    <dgm:sp3d/>
+    <dgm:txPr/>
+    <dgm:style>
+      <a:lnRef idx="0">
+        <a:scrgbClr r="0" g="0" b="0"/>
+      </a:lnRef>
+      <a:fillRef idx="3">
+        <a:scrgbClr r="0" g="0" b="0"/>
+      </a:fillRef>
+      <a:effectRef idx="2">
+        <a:scrgbClr r="0" g="0" b="0"/>
+      </a:effectRef>
+      <a:fontRef idx="minor">
+        <a:schemeClr val="lt1"/>
+      </a:fontRef>
+    </dgm:style>
+  </dgm:styleLbl>
+  <dgm:styleLbl name="asst3">
+    <dgm:scene3d>
+      <a:camera prst="orthographicFront"/>
+      <a:lightRig rig="threePt" dir="t"/>
+    </dgm:scene3d>
+    <dgm:sp3d/>
+    <dgm:txPr/>
+    <dgm:style>
+      <a:lnRef idx="0">
+        <a:scrgbClr r="0" g="0" b="0"/>
+      </a:lnRef>
+      <a:fillRef idx="3">
+        <a:scrgbClr r="0" g="0" b="0"/>
+      </a:fillRef>
+      <a:effectRef idx="2">
+        <a:scrgbClr r="0" g="0" b="0"/>
+      </a:effectRef>
+      <a:fontRef idx="minor">
+        <a:schemeClr val="lt1"/>
+      </a:fontRef>
+    </dgm:style>
+  </dgm:styleLbl>
+  <dgm:styleLbl name="asst4">
+    <dgm:scene3d>
+      <a:camera prst="orthographicFront"/>
+      <a:lightRig rig="threePt" dir="t"/>
+    </dgm:scene3d>
+    <dgm:sp3d/>
+    <dgm:txPr/>
+    <dgm:style>
+      <a:lnRef idx="0">
+        <a:scrgbClr r="0" g="0" b="0"/>
+      </a:lnRef>
+      <a:fillRef idx="3">
+        <a:scrgbClr r="0" g="0" b="0"/>
+      </a:fillRef>
+      <a:effectRef idx="2">
+        <a:scrgbClr r="0" g="0" b="0"/>
+      </a:effectRef>
+      <a:fontRef idx="minor">
+        <a:schemeClr val="lt1"/>
+      </a:fontRef>
+    </dgm:style>
+  </dgm:styleLbl>
+  <dgm:styleLbl name="parChTrans2D1">
+    <dgm:scene3d>
+      <a:camera prst="orthographicFront"/>
+      <a:lightRig rig="threePt" dir="t"/>
+    </dgm:scene3d>
+    <dgm:sp3d/>
+    <dgm:txPr/>
+    <dgm:style>
+      <a:lnRef idx="0">
+        <a:scrgbClr r="0" g="0" b="0"/>
+      </a:lnRef>
+      <a:fillRef idx="3">
+        <a:scrgbClr r="0" g="0" b="0"/>
+      </a:fillRef>
+      <a:effectRef idx="2">
+        <a:scrgbClr r="0" g="0" b="0"/>
+      </a:effectRef>
+      <a:fontRef idx="minor">
+        <a:schemeClr val="lt1"/>
+      </a:fontRef>
+    </dgm:style>
+  </dgm:styleLbl>
+  <dgm:styleLbl name="parChTrans2D2">
+    <dgm:scene3d>
+      <a:camera prst="orthographicFront"/>
+      <a:lightRig rig="threePt" dir="t"/>
+    </dgm:scene3d>
+    <dgm:sp3d/>
+    <dgm:txPr/>
+    <dgm:style>
+      <a:lnRef idx="0">
+        <a:scrgbClr r="0" g="0" b="0"/>
+      </a:lnRef>
+      <a:fillRef idx="3">
+        <a:scrgbClr r="0" g="0" b="0"/>
+      </a:fillRef>
+      <a:effectRef idx="2">
+        <a:scrgbClr r="0" g="0" b="0"/>
+      </a:effectRef>
+      <a:fontRef idx="minor">
+        <a:schemeClr val="lt1"/>
+      </a:fontRef>
+    </dgm:style>
+  </dgm:styleLbl>
+  <dgm:styleLbl name="parChTrans2D3">
+    <dgm:scene3d>
+      <a:camera prst="orthographicFront"/>
+      <a:lightRig rig="threePt" dir="t"/>
+    </dgm:scene3d>
+    <dgm:sp3d/>
+    <dgm:txPr/>
+    <dgm:style>
+      <a:lnRef idx="1">
+        <a:scrgbClr r="0" g="0" b="0"/>
+      </a:lnRef>
+      <a:fillRef idx="3">
+        <a:scrgbClr r="0" g="0" b="0"/>
+      </a:fillRef>
+      <a:effectRef idx="2">
+        <a:scrgbClr r="0" g="0" b="0"/>
+      </a:effectRef>
+      <a:fontRef idx="minor">
+        <a:schemeClr val="lt1"/>
+      </a:fontRef>
+    </dgm:style>
+  </dgm:styleLbl>
+  <dgm:styleLbl name="parChTrans2D4">
+    <dgm:scene3d>
+      <a:camera prst="orthographicFront"/>
+      <a:lightRig rig="threePt" dir="t"/>
+    </dgm:scene3d>
+    <dgm:sp3d/>
+    <dgm:txPr/>
+    <dgm:style>
+      <a:lnRef idx="1">
+        <a:scrgbClr r="0" g="0" b="0"/>
+      </a:lnRef>
+      <a:fillRef idx="3">
+        <a:scrgbClr r="0" g="0" b="0"/>
+      </a:fillRef>
+      <a:effectRef idx="2">
+        <a:scrgbClr r="0" g="0" b="0"/>
+      </a:effectRef>
+      <a:fontRef idx="minor">
+        <a:schemeClr val="lt1"/>
+      </a:fontRef>
+    </dgm:style>
+  </dgm:styleLbl>
+  <dgm:styleLbl name="parChTrans1D1">
+    <dgm:scene3d>
+      <a:camera prst="orthographicFront"/>
+      <a:lightRig rig="threePt" dir="t"/>
+    </dgm:scene3d>
+    <dgm:sp3d/>
+    <dgm:txPr/>
+    <dgm:style>
+      <a:lnRef idx="1">
+        <a:scrgbClr r="0" g="0" b="0"/>
+      </a:lnRef>
+      <a:fillRef idx="0">
+        <a:scrgbClr r="0" g="0" b="0"/>
+      </a:fillRef>
+      <a:effectRef idx="0">
+        <a:scrgbClr r="0" g="0" b="0"/>
+      </a:effectRef>
+      <a:fontRef idx="minor"/>
+    </dgm:style>
+  </dgm:styleLbl>
+  <dgm:styleLbl name="parChTrans1D2">
+    <dgm:scene3d>
+      <a:camera prst="orthographicFront"/>
+      <a:lightRig rig="threePt" dir="t"/>
+    </dgm:scene3d>
+    <dgm:sp3d/>
+    <dgm:txPr/>
+    <dgm:style>
+      <a:lnRef idx="1">
+        <a:scrgbClr r="0" g="0" b="0"/>
+      </a:lnRef>
+      <a:fillRef idx="0">
+        <a:scrgbClr r="0" g="0" b="0"/>
+      </a:fillRef>
+      <a:effectRef idx="0">
+        <a:scrgbClr r="0" g="0" b="0"/>
+      </a:effectRef>
+      <a:fontRef idx="minor"/>
+    </dgm:style>
+  </dgm:styleLbl>
+  <dgm:styleLbl name="parChTrans1D3">
+    <dgm:scene3d>
+      <a:camera prst="orthographicFront"/>
+      <a:lightRig rig="threePt" dir="t"/>
+    </dgm:scene3d>
+    <dgm:sp3d/>
+    <dgm:txPr/>
+    <dgm:style>
+      <a:lnRef idx="1">
+        <a:scrgbClr r="0" g="0" b="0"/>
+      </a:lnRef>
+      <a:fillRef idx="0">
+        <a:scrgbClr r="0" g="0" b="0"/>
+      </a:fillRef>
+      <a:effectRef idx="0">
+        <a:scrgbClr r="0" g="0" b="0"/>
+      </a:effectRef>
+      <a:fontRef idx="minor"/>
+    </dgm:style>
+  </dgm:styleLbl>
+  <dgm:styleLbl name="parChTrans1D4">
+    <dgm:scene3d>
+      <a:camera prst="orthographicFront"/>
+      <a:lightRig rig="threePt" dir="t"/>
+    </dgm:scene3d>
+    <dgm:sp3d/>
+    <dgm:txPr/>
+    <dgm:style>
+      <a:lnRef idx="1">
+        <a:scrgbClr r="0" g="0" b="0"/>
+      </a:lnRef>
+      <a:fillRef idx="0">
+        <a:scrgbClr r="0" g="0" b="0"/>
+      </a:fillRef>
+      <a:effectRef idx="0">
+        <a:scrgbClr r="0" g="0" b="0"/>
+      </a:effectRef>
+      <a:fontRef idx="minor"/>
+    </dgm:style>
+  </dgm:styleLbl>
+  <dgm:styleLbl name="fgAcc1">
+    <dgm:scene3d>
+      <a:camera prst="orthographicFront"/>
+      <a:lightRig rig="threePt" dir="t"/>
+    </dgm:scene3d>
+    <dgm:sp3d/>
+    <dgm:txPr/>
+    <dgm:style>
+      <a:lnRef idx="1">
+        <a:scrgbClr r="0" g="0" b="0"/>
+      </a:lnRef>
+      <a:fillRef idx="1">
+        <a:scrgbClr r="0" g="0" b="0"/>
+      </a:fillRef>
+      <a:effectRef idx="0">
+        <a:scrgbClr r="0" g="0" b="0"/>
+      </a:effectRef>
+      <a:fontRef idx="minor"/>
+    </dgm:style>
+  </dgm:styleLbl>
+  <dgm:styleLbl name="conFgAcc1">
+    <dgm:scene3d>
+      <a:camera prst="orthographicFront"/>
+      <a:lightRig rig="threePt" dir="t"/>
+    </dgm:scene3d>
+    <dgm:sp3d/>
+    <dgm:txPr/>
+    <dgm:style>
+      <a:lnRef idx="1">
+        <a:scrgbClr r="0" g="0" b="0"/>
+      </a:lnRef>
+      <a:fillRef idx="1">
+        <a:scrgbClr r="0" g="0" b="0"/>
+      </a:fillRef>
+      <a:effectRef idx="0">
+        <a:scrgbClr r="0" g="0" b="0"/>
+      </a:effectRef>
+      <a:fontRef idx="minor"/>
+    </dgm:style>
+  </dgm:styleLbl>
+  <dgm:styleLbl name="alignAcc1">
+    <dgm:scene3d>
+      <a:camera prst="orthographicFront"/>
+      <a:lightRig rig="threePt" dir="t"/>
+    </dgm:scene3d>
+    <dgm:sp3d/>
+    <dgm:txPr/>
+    <dgm:style>
+      <a:lnRef idx="1">
+        <a:scrgbClr r="0" g="0" b="0"/>
+      </a:lnRef>
+      <a:fillRef idx="1">
+        <a:scrgbClr r="0" g="0" b="0"/>
+      </a:fillRef>
+      <a:effectRef idx="0">
+        <a:scrgbClr r="0" g="0" b="0"/>
+      </a:effectRef>
+      <a:fontRef idx="minor"/>
+    </dgm:style>
+  </dgm:styleLbl>
+  <dgm:styleLbl name="trAlignAcc1">
+    <dgm:scene3d>
+      <a:camera prst="orthographicFront"/>
+      <a:lightRig rig="threePt" dir="t"/>
+    </dgm:scene3d>
+    <dgm:sp3d/>
+    <dgm:txPr/>
+    <dgm:style>
+      <a:lnRef idx="1">
+        <a:scrgbClr r="0" g="0" b="0"/>
+      </a:lnRef>
+      <a:fillRef idx="1">
+        <a:scrgbClr r="0" g="0" b="0"/>
+      </a:fillRef>
+      <a:effectRef idx="0">
+        <a:scrgbClr r="0" g="0" b="0"/>
+      </a:effectRef>
+      <a:fontRef idx="minor"/>
+    </dgm:style>
+  </dgm:styleLbl>
+  <dgm:styleLbl name="bgAcc1">
+    <dgm:scene3d>
+      <a:camera prst="orthographicFront"/>
+      <a:lightRig rig="threePt" dir="t"/>
+    </dgm:scene3d>
+    <dgm:sp3d/>
+    <dgm:txPr/>
+    <dgm:style>
+      <a:lnRef idx="1">
+        <a:scrgbClr r="0" g="0" b="0"/>
+      </a:lnRef>
+      <a:fillRef idx="1">
+        <a:scrgbClr r="0" g="0" b="0"/>
+      </a:fillRef>
+      <a:effectRef idx="0">
+        <a:scrgbClr r="0" g="0" b="0"/>
+      </a:effectRef>
+      <a:fontRef idx="minor"/>
+    </dgm:style>
+  </dgm:styleLbl>
+  <dgm:styleLbl name="solidFgAcc1">
+    <dgm:scene3d>
+      <a:camera prst="orthographicFront"/>
+      <a:lightRig rig="threePt" dir="t"/>
+    </dgm:scene3d>
+    <dgm:sp3d/>
+    <dgm:txPr/>
+    <dgm:style>
+      <a:lnRef idx="1">
+        <a:scrgbClr r="0" g="0" b="0"/>
+      </a:lnRef>
+      <a:fillRef idx="1">
+        <a:scrgbClr r="0" g="0" b="0"/>
+      </a:fillRef>
+      <a:effectRef idx="0">
+        <a:scrgbClr r="0" g="0" b="0"/>
+      </a:effectRef>
+      <a:fontRef idx="minor"/>
+    </dgm:style>
+  </dgm:styleLbl>
+  <dgm:styleLbl name="solidAlignAcc1">
+    <dgm:scene3d>
+      <a:camera prst="orthographicFront"/>
+      <a:lightRig rig="threePt" dir="t"/>
+    </dgm:scene3d>
+    <dgm:sp3d/>
+    <dgm:txPr/>
+    <dgm:style>
+      <a:lnRef idx="1">
+        <a:scrgbClr r="0" g="0" b="0"/>
+      </a:lnRef>
+      <a:fillRef idx="1">
+        <a:scrgbClr r="0" g="0" b="0"/>
+      </a:fillRef>
+      <a:effectRef idx="0">
+        <a:scrgbClr r="0" g="0" b="0"/>
+      </a:effectRef>
+      <a:fontRef idx="minor"/>
+    </dgm:style>
+  </dgm:styleLbl>
+  <dgm:styleLbl name="solidBgAcc1">
+    <dgm:scene3d>
+      <a:camera prst="orthographicFront"/>
+      <a:lightRig rig="threePt" dir="t"/>
+    </dgm:scene3d>
+    <dgm:sp3d/>
+    <dgm:txPr/>
+    <dgm:style>
+      <a:lnRef idx="1">
+        <a:scrgbClr r="0" g="0" b="0"/>
+      </a:lnRef>
+      <a:fillRef idx="1">
+        <a:scrgbClr r="0" g="0" b="0"/>
+      </a:fillRef>
+      <a:effectRef idx="0">
+        <a:scrgbClr r="0" g="0" b="0"/>
+      </a:effectRef>
+      <a:fontRef idx="minor"/>
+    </dgm:style>
+  </dgm:styleLbl>
+  <dgm:styleLbl name="fgAccFollowNode1">
+    <dgm:scene3d>
+      <a:camera prst="orthographicFront"/>
+      <a:lightRig rig="threePt" dir="t"/>
+    </dgm:scene3d>
+    <dgm:sp3d/>
+    <dgm:txPr/>
+    <dgm:style>
+      <a:lnRef idx="1">
+        <a:scrgbClr r="0" g="0" b="0"/>
+      </a:lnRef>
+      <a:fillRef idx="1">
+        <a:scrgbClr r="0" g="0" b="0"/>
+      </a:fillRef>
+      <a:effectRef idx="0">
+        <a:scrgbClr r="0" g="0" b="0"/>
+      </a:effectRef>
+      <a:fontRef idx="minor"/>
+    </dgm:style>
+  </dgm:styleLbl>
+  <dgm:styleLbl name="alignAccFollowNode1">
+    <dgm:scene3d>
+      <a:camera prst="orthographicFront"/>
+      <a:lightRig rig="threePt" dir="t"/>
+    </dgm:scene3d>
+    <dgm:sp3d/>
+    <dgm:txPr/>
+    <dgm:style>
+      <a:lnRef idx="1">
+        <a:scrgbClr r="0" g="0" b="0"/>
+      </a:lnRef>
+      <a:fillRef idx="1">
+        <a:scrgbClr r="0" g="0" b="0"/>
+      </a:fillRef>
+      <a:effectRef idx="0">
+        <a:scrgbClr r="0" g="0" b="0"/>
+      </a:effectRef>
+      <a:fontRef idx="minor"/>
+    </dgm:style>
+  </dgm:styleLbl>
+  <dgm:styleLbl name="bgAccFollowNode1">
+    <dgm:scene3d>
+      <a:camera prst="orthographicFront"/>
+      <a:lightRig rig="threePt" dir="t"/>
+    </dgm:scene3d>
+    <dgm:sp3d/>
+    <dgm:txPr/>
+    <dgm:style>
+      <a:lnRef idx="1">
+        <a:scrgbClr r="0" g="0" b="0"/>
+      </a:lnRef>
+      <a:fillRef idx="1">
+        <a:scrgbClr r="0" g="0" b="0"/>
+      </a:fillRef>
+      <a:effectRef idx="0">
+        <a:scrgbClr r="0" g="0" b="0"/>
+      </a:effectRef>
+      <a:fontRef idx="minor"/>
+    </dgm:style>
+  </dgm:styleLbl>
+  <dgm:styleLbl name="fgAcc0">
+    <dgm:scene3d>
+      <a:camera prst="orthographicFront"/>
+      <a:lightRig rig="threePt" dir="t"/>
+    </dgm:scene3d>
+    <dgm:sp3d/>
+    <dgm:txPr/>
+    <dgm:style>
+      <a:lnRef idx="1">
+        <a:scrgbClr r="0" g="0" b="0"/>
+      </a:lnRef>
+      <a:fillRef idx="1">
+        <a:scrgbClr r="0" g="0" b="0"/>
+      </a:fillRef>
+      <a:effectRef idx="0">
+        <a:scrgbClr r="0" g="0" b="0"/>
+      </a:effectRef>
+      <a:fontRef idx="minor"/>
+    </dgm:style>
+  </dgm:styleLbl>
+  <dgm:styleLbl name="fgAcc2">
+    <dgm:scene3d>
+      <a:camera prst="orthographicFront"/>
+      <a:lightRig rig="threePt" dir="t"/>
+    </dgm:scene3d>
+    <dgm:sp3d/>
+    <dgm:txPr/>
+    <dgm:style>
+      <a:lnRef idx="1">
+        <a:scrgbClr r="0" g="0" b="0"/>
+      </a:lnRef>
+      <a:fillRef idx="1">
+        <a:scrgbClr r="0" g="0" b="0"/>
+      </a:fillRef>
+      <a:effectRef idx="0">
+        <a:scrgbClr r="0" g="0" b="0"/>
+      </a:effectRef>
+      <a:fontRef idx="minor"/>
+    </dgm:style>
+  </dgm:styleLbl>
+  <dgm:styleLbl name="fgAcc3">
+    <dgm:scene3d>
+      <a:camera prst="orthographicFront"/>
+      <a:lightRig rig="threePt" dir="t"/>
+    </dgm:scene3d>
+    <dgm:sp3d/>
+    <dgm:txPr/>
+    <dgm:style>
+      <a:lnRef idx="1">
+        <a:scrgbClr r="0" g="0" b="0"/>
+      </a:lnRef>
+      <a:fillRef idx="1">
+        <a:scrgbClr r="0" g="0" b="0"/>
+      </a:fillRef>
+      <a:effectRef idx="0">
+        <a:scrgbClr r="0" g="0" b="0"/>
+      </a:effectRef>
+      <a:fontRef idx="minor"/>
+    </dgm:style>
+  </dgm:styleLbl>
+  <dgm:styleLbl name="fgAcc4">
+    <dgm:scene3d>
+      <a:camera prst="orthographicFront"/>
+      <a:lightRig rig="threePt" dir="t"/>
+    </dgm:scene3d>
+    <dgm:sp3d/>
+    <dgm:txPr/>
+    <dgm:style>
+      <a:lnRef idx="1">
+        <a:scrgbClr r="0" g="0" b="0"/>
+      </a:lnRef>
+      <a:fillRef idx="1">
+        <a:scrgbClr r="0" g="0" b="0"/>
+      </a:fillRef>
+      <a:effectRef idx="0">
+        <a:scrgbClr r="0" g="0" b="0"/>
+      </a:effectRef>
+      <a:fontRef idx="minor"/>
+    </dgm:style>
+  </dgm:styleLbl>
+  <dgm:styleLbl name="bgShp">
+    <dgm:scene3d>
+      <a:camera prst="orthographicFront"/>
+      <a:lightRig rig="threePt" dir="t"/>
+    </dgm:scene3d>
+    <dgm:sp3d/>
+    <dgm:txPr/>
+    <dgm:style>
+      <a:lnRef idx="0">
+        <a:scrgbClr r="0" g="0" b="0"/>
+      </a:lnRef>
+      <a:fillRef idx="1">
+        <a:scrgbClr r="0" g="0" b="0"/>
+      </a:fillRef>
+      <a:effectRef idx="2">
+        <a:scrgbClr r="0" g="0" b="0"/>
+      </a:effectRef>
+      <a:fontRef idx="minor"/>
+    </dgm:style>
+  </dgm:styleLbl>
+  <dgm:styleLbl name="dkBgShp">
+    <dgm:scene3d>
+      <a:camera prst="orthographicFront"/>
+      <a:lightRig rig="threePt" dir="t"/>
+    </dgm:scene3d>
+    <dgm:sp3d/>
+    <dgm:txPr/>
+    <dgm:style>
+      <a:lnRef idx="0">
+        <a:scrgbClr r="0" g="0" b="0"/>
+      </a:lnRef>
+      <a:fillRef idx="1">
+        <a:scrgbClr r="0" g="0" b="0"/>
+      </a:fillRef>
+      <a:effectRef idx="2">
+        <a:scrgbClr r="0" g="0" b="0"/>
+      </a:effectRef>
+      <a:fontRef idx="minor"/>
+    </dgm:style>
+  </dgm:styleLbl>
+  <dgm:styleLbl name="trBgShp">
+    <dgm:scene3d>
+      <a:camera prst="orthographicFront"/>
+      <a:lightRig rig="threePt" dir="t"/>
+    </dgm:scene3d>
+    <dgm:sp3d/>
+    <dgm:txPr/>
+    <dgm:style>
+      <a:lnRef idx="0">
+        <a:scrgbClr r="0" g="0" b="0"/>
+      </a:lnRef>
+      <a:fillRef idx="1">
+        <a:scrgbClr r="0" g="0" b="0"/>
+      </a:fillRef>
+      <a:effectRef idx="0">
+        <a:scrgbClr r="0" g="0" b="0"/>
+      </a:effectRef>
+      <a:fontRef idx="minor"/>
+    </dgm:style>
+  </dgm:styleLbl>
+  <dgm:styleLbl name="fgShp">
+    <dgm:scene3d>
+      <a:camera prst="orthographicFront"/>
+      <a:lightRig rig="threePt" dir="t"/>
+    </dgm:scene3d>
+    <dgm:sp3d/>
+    <dgm:txPr/>
+    <dgm:style>
+      <a:lnRef idx="0">
+        <a:scrgbClr r="0" g="0" b="0"/>
+      </a:lnRef>
+      <a:fillRef idx="3">
+        <a:scrgbClr r="0" g="0" b="0"/>
+      </a:fillRef>
+      <a:effectRef idx="2">
+        <a:scrgbClr r="0" g="0" b="0"/>
+      </a:effectRef>
+      <a:fontRef idx="minor"/>
+    </dgm:style>
+  </dgm:styleLbl>
+  <dgm:styleLbl name="revTx">
+    <dgm:scene3d>
+      <a:camera prst="orthographicFront"/>
+      <a:lightRig rig="threePt" dir="t"/>
+    </dgm:scene3d>
+    <dgm:sp3d/>
+    <dgm:txPr/>
+    <dgm:style>
+      <a:lnRef idx="0">
+        <a:scrgbClr r="0" g="0" b="0"/>
+      </a:lnRef>
+      <a:fillRef idx="0">
+        <a:scrgbClr r="0" g="0" b="0"/>
+      </a:fillRef>
+      <a:effectRef idx="0">
+        <a:scrgbClr r="0" g="0" b="0"/>
+      </a:effectRef>
+      <a:fontRef idx="minor"/>
+    </dgm:style>
+  </dgm:styleLbl>
+</dgm:styleDef>
+</file>
+
 <file path=ppt/handoutMasters/handoutMaster1.xml><?xml version="1.0" encoding="utf-8"?>
 <p:handoutMaster xmlns:a="http://schemas.openxmlformats.org/drawingml/2006/main" xmlns:r="http://schemas.openxmlformats.org/officeDocument/2006/relationships" xmlns:p="http://schemas.openxmlformats.org/presentationml/2006/main">
   <p:cSld>
@@ -271,7 +3109,7 @@
           <a:p>
             <a:fld id="{73B2889B-A0AC-4482-8592-5C96F2309420}" type="datetimeFigureOut">
               <a:rPr lang="en-US" smtClean="0"/>
-              <a:t>8/27/2021</a:t>
+              <a:t>9/26/2021</a:t>
             </a:fld>
             <a:endParaRPr lang="en-US"/>
           </a:p>
@@ -448,7 +3286,7 @@
           <a:p>
             <a:fld id="{830EB223-FFC0-462A-A3B8-EAA7CE0F8CBD}" type="datetimeFigureOut">
               <a:rPr lang="en-US" smtClean="0"/>
-              <a:t>8/27/2021</a:t>
+              <a:t>9/26/2021</a:t>
             </a:fld>
             <a:endParaRPr lang="en-US" dirty="0"/>
           </a:p>
@@ -1555,7 +4393,7 @@
           <a:p>
             <a:fld id="{DECF21A4-E71B-4D3A-AF45-E989C23A7BB1}" type="datetimeFigureOut">
               <a:rPr lang="en-US" smtClean="0"/>
-              <a:t>8/27/2021</a:t>
+              <a:t>9/26/2021</a:t>
             </a:fld>
             <a:endParaRPr lang="en-US" dirty="0"/>
           </a:p>
@@ -1753,7 +4591,7 @@
           <a:p>
             <a:fld id="{DECF21A4-E71B-4D3A-AF45-E989C23A7BB1}" type="datetimeFigureOut">
               <a:rPr lang="en-US" smtClean="0"/>
-              <a:t>8/27/2021</a:t>
+              <a:t>9/26/2021</a:t>
             </a:fld>
             <a:endParaRPr lang="en-US" dirty="0"/>
           </a:p>
@@ -1961,7 +4799,7 @@
           <a:p>
             <a:fld id="{DECF21A4-E71B-4D3A-AF45-E989C23A7BB1}" type="datetimeFigureOut">
               <a:rPr lang="en-US" smtClean="0"/>
-              <a:t>8/27/2021</a:t>
+              <a:t>9/26/2021</a:t>
             </a:fld>
             <a:endParaRPr lang="en-US" dirty="0"/>
           </a:p>
@@ -2159,7 +4997,7 @@
           <a:p>
             <a:fld id="{DECF21A4-E71B-4D3A-AF45-E989C23A7BB1}" type="datetimeFigureOut">
               <a:rPr lang="en-US" smtClean="0"/>
-              <a:t>8/27/2021</a:t>
+              <a:t>9/26/2021</a:t>
             </a:fld>
             <a:endParaRPr lang="en-US" dirty="0"/>
           </a:p>
@@ -2434,7 +5272,7 @@
           <a:p>
             <a:fld id="{DECF21A4-E71B-4D3A-AF45-E989C23A7BB1}" type="datetimeFigureOut">
               <a:rPr lang="en-US" smtClean="0"/>
-              <a:t>8/27/2021</a:t>
+              <a:t>9/26/2021</a:t>
             </a:fld>
             <a:endParaRPr lang="en-US" dirty="0"/>
           </a:p>
@@ -2699,7 +5537,7 @@
           <a:p>
             <a:fld id="{DECF21A4-E71B-4D3A-AF45-E989C23A7BB1}" type="datetimeFigureOut">
               <a:rPr lang="en-US" smtClean="0"/>
-              <a:t>8/27/2021</a:t>
+              <a:t>9/26/2021</a:t>
             </a:fld>
             <a:endParaRPr lang="en-US" dirty="0"/>
           </a:p>
@@ -3111,7 +5949,7 @@
           <a:p>
             <a:fld id="{DECF21A4-E71B-4D3A-AF45-E989C23A7BB1}" type="datetimeFigureOut">
               <a:rPr lang="en-US" smtClean="0"/>
-              <a:t>8/27/2021</a:t>
+              <a:t>9/26/2021</a:t>
             </a:fld>
             <a:endParaRPr lang="en-US" dirty="0"/>
           </a:p>
@@ -3252,7 +6090,7 @@
           <a:p>
             <a:fld id="{DECF21A4-E71B-4D3A-AF45-E989C23A7BB1}" type="datetimeFigureOut">
               <a:rPr lang="en-US" smtClean="0"/>
-              <a:t>8/27/2021</a:t>
+              <a:t>9/26/2021</a:t>
             </a:fld>
             <a:endParaRPr lang="en-US" dirty="0"/>
           </a:p>
@@ -3365,7 +6203,7 @@
           <a:p>
             <a:fld id="{DECF21A4-E71B-4D3A-AF45-E989C23A7BB1}" type="datetimeFigureOut">
               <a:rPr lang="en-US" smtClean="0"/>
-              <a:t>8/27/2021</a:t>
+              <a:t>9/26/2021</a:t>
             </a:fld>
             <a:endParaRPr lang="en-US" dirty="0"/>
           </a:p>
@@ -3676,7 +6514,7 @@
           <a:p>
             <a:fld id="{DECF21A4-E71B-4D3A-AF45-E989C23A7BB1}" type="datetimeFigureOut">
               <a:rPr lang="en-US" smtClean="0"/>
-              <a:t>8/27/2021</a:t>
+              <a:t>9/26/2021</a:t>
             </a:fld>
             <a:endParaRPr lang="en-US" dirty="0"/>
           </a:p>
@@ -3968,7 +6806,7 @@
           <a:p>
             <a:fld id="{DECF21A4-E71B-4D3A-AF45-E989C23A7BB1}" type="datetimeFigureOut">
               <a:rPr lang="en-US" smtClean="0"/>
-              <a:t>8/27/2021</a:t>
+              <a:t>9/26/2021</a:t>
             </a:fld>
             <a:endParaRPr lang="en-US" dirty="0"/>
           </a:p>
@@ -4209,7 +7047,7 @@
           <a:p>
             <a:fld id="{DECF21A4-E71B-4D3A-AF45-E989C23A7BB1}" type="datetimeFigureOut">
               <a:rPr lang="en-US" smtClean="0"/>
-              <a:t>8/27/2021</a:t>
+              <a:t>9/26/2021</a:t>
             </a:fld>
             <a:endParaRPr lang="en-US" dirty="0"/>
           </a:p>
@@ -7265,6 +10103,14 @@
 <file path=ppt/slides/slide2.xml><?xml version="1.0" encoding="utf-8"?>
 <p:sld xmlns:a="http://schemas.openxmlformats.org/drawingml/2006/main" xmlns:r="http://schemas.openxmlformats.org/officeDocument/2006/relationships" xmlns:p="http://schemas.openxmlformats.org/presentationml/2006/main">
   <p:cSld>
+    <p:bg>
+      <p:bgPr>
+        <a:solidFill>
+          <a:schemeClr val="bg1"/>
+        </a:solidFill>
+        <a:effectLst/>
+      </p:bgPr>
+    </p:bg>
     <p:spTree>
       <p:nvGrpSpPr>
         <p:cNvPr id="1" name=""/>
@@ -7295,15 +10141,23 @@
             <p:ph type="title"/>
           </p:nvPr>
         </p:nvSpPr>
-        <p:spPr/>
+        <p:spPr>
+          <a:xfrm>
+            <a:off x="4965430" y="629268"/>
+            <a:ext cx="6586491" cy="1286160"/>
+          </a:xfrm>
+        </p:spPr>
         <p:txBody>
-          <a:bodyPr/>
+          <a:bodyPr anchor="b">
+            <a:normAutofit/>
+          </a:bodyPr>
           <a:lstStyle/>
           <a:p>
             <a:r>
-              <a:rPr lang="en-US" dirty="0"/>
+              <a:rPr lang="en-US"/>
               <a:t>Learning Objectives</a:t>
             </a:r>
+            <a:endParaRPr lang="en-US" dirty="0"/>
           </a:p>
         </p:txBody>
       </p:sp>
@@ -7323,9 +10177,16 @@
             <p:ph idx="1"/>
           </p:nvPr>
         </p:nvSpPr>
-        <p:spPr/>
+        <p:spPr>
+          <a:xfrm>
+            <a:off x="4965431" y="2438400"/>
+            <a:ext cx="6586489" cy="3785419"/>
+          </a:xfrm>
+        </p:spPr>
         <p:txBody>
-          <a:bodyPr/>
+          <a:bodyPr>
+            <a:normAutofit/>
+          </a:bodyPr>
           <a:lstStyle/>
           <a:p>
             <a:pPr marL="514350" indent="-514350">
@@ -7333,7 +10194,7 @@
               <a:buAutoNum type="arabicPeriod"/>
             </a:pPr>
             <a:r>
-              <a:rPr lang="en-US" dirty="0"/>
+              <a:rPr lang="en-US" sz="2000"/>
               <a:t>Explain the difference between a parameter and a statistic</a:t>
             </a:r>
           </a:p>
@@ -7343,7 +10204,7 @@
               <a:buAutoNum type="arabicPeriod"/>
             </a:pPr>
             <a:r>
-              <a:rPr lang="en-US" dirty="0"/>
+              <a:rPr lang="en-US" sz="2000"/>
               <a:t>Explain the difference between a probability sample and nonprobability sample</a:t>
             </a:r>
           </a:p>
@@ -7353,7 +10214,7 @@
               <a:buAutoNum type="arabicPeriod"/>
             </a:pPr>
             <a:r>
-              <a:rPr lang="en-US" dirty="0"/>
+              <a:rPr lang="en-US" sz="2000"/>
               <a:t>List the primary types of nonprobability samples </a:t>
             </a:r>
           </a:p>
@@ -7363,7 +10224,7 @@
               <a:buAutoNum type="arabicPeriod"/>
             </a:pPr>
             <a:r>
-              <a:rPr lang="en-US" dirty="0"/>
+              <a:rPr lang="en-US" sz="2000"/>
               <a:t>List the primary types of probability samples </a:t>
             </a:r>
           </a:p>
@@ -7373,7 +10234,7 @@
               <a:buAutoNum type="arabicPeriod"/>
             </a:pPr>
             <a:r>
-              <a:rPr lang="en-US" dirty="0"/>
+              <a:rPr lang="en-US" sz="2000"/>
               <a:t>Cite 3 factors that influence the necessary sample size </a:t>
             </a:r>
           </a:p>
@@ -7383,12 +10244,94 @@
               <a:buAutoNum type="arabicPeriod"/>
             </a:pPr>
             <a:r>
-              <a:rPr lang="en-US" dirty="0"/>
+              <a:rPr lang="en-US" sz="2000"/>
               <a:t>Explain the relationship between population size and sample size</a:t>
             </a:r>
           </a:p>
         </p:txBody>
       </p:sp>
+      <p:pic>
+        <p:nvPicPr>
+          <p:cNvPr id="15" name="Picture 4" descr="Graph on document with pen">
+            <a:extLst>
+              <a:ext uri="{FF2B5EF4-FFF2-40B4-BE49-F238E27FC236}">
+                <a16:creationId xmlns:a16="http://schemas.microsoft.com/office/drawing/2014/main" id="{D808C5AA-CFF0-4448-9AD4-401402CB3CCD}"/>
+              </a:ext>
+            </a:extLst>
+          </p:cNvPr>
+          <p:cNvPicPr>
+            <a:picLocks noChangeAspect="1"/>
+          </p:cNvPicPr>
+          <p:nvPr/>
+        </p:nvPicPr>
+        <p:blipFill rotWithShape="1">
+          <a:blip r:embed="rId3"/>
+          <a:srcRect l="34302" r="20579" b="-1"/>
+          <a:stretch/>
+        </p:blipFill>
+        <p:spPr>
+          <a:xfrm>
+            <a:off x="20" y="10"/>
+            <a:ext cx="4635571" cy="6857990"/>
+          </a:xfrm>
+          <a:prstGeom prst="rect">
+            <a:avLst/>
+          </a:prstGeom>
+          <a:effectLst/>
+        </p:spPr>
+      </p:pic>
+      <p:cxnSp>
+        <p:nvCxnSpPr>
+          <p:cNvPr id="16" name="Straight Connector 8">
+            <a:extLst>
+              <a:ext uri="{FF2B5EF4-FFF2-40B4-BE49-F238E27FC236}">
+                <a16:creationId xmlns:a16="http://schemas.microsoft.com/office/drawing/2014/main" id="{A7F400EE-A8A5-48AF-B4D6-291B52C6F0B0}"/>
+              </a:ext>
+              <a:ext uri="{C183D7F6-B498-43B3-948B-1728B52AA6E4}">
+                <adec:decorative xmlns:adec="http://schemas.microsoft.com/office/drawing/2017/decorative" val="1"/>
+              </a:ext>
+            </a:extLst>
+          </p:cNvPr>
+          <p:cNvCxnSpPr>
+            <a:cxnSpLocks noGrp="1" noRot="1" noChangeAspect="1" noMove="1" noResize="1" noEditPoints="1" noAdjustHandles="1" noChangeArrowheads="1" noChangeShapeType="1"/>
+          </p:cNvCxnSpPr>
+          <p:nvPr>
+            <p:extLst>
+              <p:ext uri="{386F3935-93C4-4BCD-93E2-E3B085C9AB24}">
+                <p16:designElem xmlns:p16="http://schemas.microsoft.com/office/powerpoint/2015/main" val="1"/>
+              </p:ext>
+            </p:extLst>
+          </p:nvPr>
+        </p:nvCxnSpPr>
+        <p:spPr>
+          <a:xfrm>
+            <a:off x="5080934" y="2115117"/>
+            <a:ext cx="6309360" cy="0"/>
+          </a:xfrm>
+          <a:prstGeom prst="line">
+            <a:avLst/>
+          </a:prstGeom>
+          <a:ln w="19050">
+            <a:solidFill>
+              <a:srgbClr val="4C81B4"/>
+            </a:solidFill>
+          </a:ln>
+        </p:spPr>
+        <p:style>
+          <a:lnRef idx="1">
+            <a:schemeClr val="accent1"/>
+          </a:lnRef>
+          <a:fillRef idx="0">
+            <a:schemeClr val="accent1"/>
+          </a:fillRef>
+          <a:effectRef idx="0">
+            <a:schemeClr val="accent1"/>
+          </a:effectRef>
+          <a:fontRef idx="minor">
+            <a:schemeClr val="tx1"/>
+          </a:fontRef>
+        </p:style>
+      </p:cxnSp>
     </p:spTree>
     <p:extLst>
       <p:ext uri="{BB962C8B-B14F-4D97-AF65-F5344CB8AC3E}">
@@ -9473,6 +12416,14 @@
 <file path=ppt/slides/slide3.xml><?xml version="1.0" encoding="utf-8"?>
 <p:sld xmlns:a="http://schemas.openxmlformats.org/drawingml/2006/main" xmlns:r="http://schemas.openxmlformats.org/officeDocument/2006/relationships" xmlns:p="http://schemas.openxmlformats.org/presentationml/2006/main">
   <p:cSld>
+    <p:bg>
+      <p:bgPr>
+        <a:solidFill>
+          <a:schemeClr val="bg1"/>
+        </a:solidFill>
+        <a:effectLst/>
+      </p:bgPr>
+    </p:bg>
     <p:spTree>
       <p:nvGrpSpPr>
         <p:cNvPr id="1" name=""/>
@@ -9489,6 +12440,100 @@
       </p:grpSpPr>
       <p:sp>
         <p:nvSpPr>
+          <p:cNvPr id="9" name="Rectangle 8">
+            <a:extLst>
+              <a:ext uri="{FF2B5EF4-FFF2-40B4-BE49-F238E27FC236}">
+                <a16:creationId xmlns:a16="http://schemas.microsoft.com/office/drawing/2014/main" id="{823AC064-BC96-4F32-8AE1-B2FD38754823}"/>
+              </a:ext>
+              <a:ext uri="{C183D7F6-B498-43B3-948B-1728B52AA6E4}">
+                <adec:decorative xmlns:adec="http://schemas.microsoft.com/office/drawing/2017/decorative" val="1"/>
+              </a:ext>
+            </a:extLst>
+          </p:cNvPr>
+          <p:cNvSpPr>
+            <a:spLocks noGrp="1" noRot="1" noChangeAspect="1" noMove="1" noResize="1" noEditPoints="1" noAdjustHandles="1" noChangeArrowheads="1" noChangeShapeType="1" noTextEdit="1"/>
+          </p:cNvSpPr>
+          <p:nvPr>
+            <p:extLst>
+              <p:ext uri="{386F3935-93C4-4BCD-93E2-E3B085C9AB24}">
+                <p16:designElem xmlns:p16="http://schemas.microsoft.com/office/powerpoint/2015/main" val="1"/>
+              </p:ext>
+            </p:extLst>
+          </p:nvPr>
+        </p:nvSpPr>
+        <p:spPr bwMode="ltGray">
+          <a:xfrm>
+            <a:off x="378068" y="343486"/>
+            <a:ext cx="11438793" cy="1844256"/>
+          </a:xfrm>
+          <a:prstGeom prst="rect">
+            <a:avLst/>
+          </a:prstGeom>
+          <a:solidFill>
+            <a:srgbClr val="404040"/>
+          </a:solidFill>
+          <a:ln w="127000" cap="sq" cmpd="thinThick">
+            <a:solidFill>
+              <a:srgbClr val="404040"/>
+            </a:solidFill>
+          </a:ln>
+        </p:spPr>
+        <p:style>
+          <a:lnRef idx="2">
+            <a:schemeClr val="accent1">
+              <a:shade val="50000"/>
+            </a:schemeClr>
+          </a:lnRef>
+          <a:fillRef idx="1">
+            <a:schemeClr val="accent1"/>
+          </a:fillRef>
+          <a:effectRef idx="0">
+            <a:schemeClr val="accent1"/>
+          </a:effectRef>
+          <a:fontRef idx="minor">
+            <a:schemeClr val="lt1"/>
+          </a:fontRef>
+        </p:style>
+        <p:txBody>
+          <a:bodyPr rtlCol="0" anchor="ctr"/>
+          <a:lstStyle/>
+          <a:p>
+            <a:pPr marL="0" marR="0" lvl="0" indent="0" algn="ctr" defTabSz="914400" rtl="0" eaLnBrk="1" fontAlgn="auto" latinLnBrk="0" hangingPunct="1">
+              <a:lnSpc>
+                <a:spcPct val="100000"/>
+              </a:lnSpc>
+              <a:spcBef>
+                <a:spcPts val="0"/>
+              </a:spcBef>
+              <a:spcAft>
+                <a:spcPts val="0"/>
+              </a:spcAft>
+              <a:buClrTx/>
+              <a:buSzTx/>
+              <a:buFontTx/>
+              <a:buNone/>
+              <a:tabLst/>
+              <a:defRPr/>
+            </a:pPr>
+            <a:endParaRPr kumimoji="0" lang="en-US" sz="1800" b="0" i="0" u="none" strike="noStrike" kern="1200" cap="none" spc="0" normalizeH="0" baseline="0" noProof="0">
+              <a:ln>
+                <a:noFill/>
+              </a:ln>
+              <a:solidFill>
+                <a:prstClr val="white"/>
+              </a:solidFill>
+              <a:effectLst/>
+              <a:uLnTx/>
+              <a:uFillTx/>
+              <a:latin typeface="Calibri" panose="020F0502020204030204"/>
+              <a:ea typeface="+mn-ea"/>
+              <a:cs typeface="+mn-cs"/>
+            </a:endParaRPr>
+          </a:p>
+        </p:txBody>
+      </p:sp>
+      <p:sp>
+        <p:nvSpPr>
           <p:cNvPr id="2" name="Title 1">
             <a:extLst>
               <a:ext uri="{FF2B5EF4-FFF2-40B4-BE49-F238E27FC236}">
@@ -9503,18 +12548,85 @@
             <p:ph type="title"/>
           </p:nvPr>
         </p:nvSpPr>
-        <p:spPr/>
+        <p:spPr>
+          <a:xfrm>
+            <a:off x="526073" y="466578"/>
+            <a:ext cx="11139854" cy="930447"/>
+          </a:xfrm>
+        </p:spPr>
         <p:txBody>
-          <a:bodyPr/>
+          <a:bodyPr vert="horz" lIns="91440" tIns="45720" rIns="91440" bIns="45720" rtlCol="0" anchor="b">
+            <a:normAutofit/>
+          </a:bodyPr>
           <a:lstStyle/>
           <a:p>
-            <a:r>
-              <a:rPr lang="en-US" dirty="0"/>
+            <a:pPr algn="ctr"/>
+            <a:r>
+              <a:rPr lang="en-US" sz="5400" kern="1200">
+                <a:solidFill>
+                  <a:srgbClr val="FFFFFF"/>
+                </a:solidFill>
+                <a:latin typeface="+mj-lt"/>
+                <a:ea typeface="+mj-ea"/>
+                <a:cs typeface="+mj-cs"/>
+              </a:rPr>
               <a:t>Developing the Sampling Plan</a:t>
             </a:r>
           </a:p>
         </p:txBody>
       </p:sp>
+      <p:cxnSp>
+        <p:nvCxnSpPr>
+          <p:cNvPr id="11" name="Straight Connector 10">
+            <a:extLst>
+              <a:ext uri="{FF2B5EF4-FFF2-40B4-BE49-F238E27FC236}">
+                <a16:creationId xmlns:a16="http://schemas.microsoft.com/office/drawing/2014/main" id="{7E7C77BC-7138-40B1-A15B-20F57A494629}"/>
+              </a:ext>
+              <a:ext uri="{C183D7F6-B498-43B3-948B-1728B52AA6E4}">
+                <adec:decorative xmlns:adec="http://schemas.microsoft.com/office/drawing/2017/decorative" val="1"/>
+              </a:ext>
+            </a:extLst>
+          </p:cNvPr>
+          <p:cNvCxnSpPr>
+            <a:cxnSpLocks noGrp="1" noRot="1" noChangeAspect="1" noMove="1" noResize="1" noEditPoints="1" noAdjustHandles="1" noChangeArrowheads="1" noChangeShapeType="1"/>
+          </p:cNvCxnSpPr>
+          <p:nvPr>
+            <p:extLst>
+              <p:ext uri="{386F3935-93C4-4BCD-93E2-E3B085C9AB24}">
+                <p16:designElem xmlns:p16="http://schemas.microsoft.com/office/powerpoint/2015/main" val="1"/>
+              </p:ext>
+            </p:extLst>
+          </p:nvPr>
+        </p:nvCxnSpPr>
+        <p:spPr>
+          <a:xfrm>
+            <a:off x="2209800" y="1448631"/>
+            <a:ext cx="7772400" cy="0"/>
+          </a:xfrm>
+          <a:prstGeom prst="line">
+            <a:avLst/>
+          </a:prstGeom>
+          <a:ln w="22225">
+            <a:solidFill>
+              <a:srgbClr val="D9D9D9"/>
+            </a:solidFill>
+          </a:ln>
+        </p:spPr>
+        <p:style>
+          <a:lnRef idx="1">
+            <a:schemeClr val="accent1"/>
+          </a:lnRef>
+          <a:fillRef idx="0">
+            <a:schemeClr val="accent1"/>
+          </a:fillRef>
+          <a:effectRef idx="0">
+            <a:schemeClr val="accent1"/>
+          </a:effectRef>
+          <a:fontRef idx="minor">
+            <a:schemeClr val="tx1"/>
+          </a:fontRef>
+        </p:style>
+      </p:cxnSp>
       <p:pic>
         <p:nvPicPr>
           <p:cNvPr id="4" name="Picture 3" descr="&quot;An illustration shows the steps involved in the procedure for drawing a sample. They are as follows:&#10;Step 1: Define the Target Population&#10;Step 2: Identify the Sampling Frame&#10;Step 3: Select a Sampling Procedure&#10;Step 4: Determine the Sample Size&#10;Step 5: Select the Sample Elements&#10;Step 6: Collect Data from the Designated Elements&quot;&#10;">
@@ -9537,26 +12649,19 @@
               </a:ext>
             </a:extLst>
           </a:blip>
-          <a:srcRect/>
           <a:stretch>
             <a:fillRect/>
           </a:stretch>
         </p:blipFill>
         <p:spPr bwMode="auto">
           <a:xfrm>
-            <a:off x="1981200" y="1485900"/>
-            <a:ext cx="8229600" cy="3886200"/>
+            <a:off x="1222829" y="2509911"/>
+            <a:ext cx="9691243" cy="3997637"/>
           </a:xfrm>
           <a:prstGeom prst="rect">
             <a:avLst/>
           </a:prstGeom>
           <a:noFill/>
-          <a:ln w="9525">
-            <a:noFill/>
-            <a:miter lim="800000"/>
-            <a:headEnd/>
-            <a:tailEnd/>
-          </a:ln>
           <a:extLst>
             <a:ext uri="{909E8E84-426E-40DD-AFC4-6F175D3DCCD1}">
               <a14:hiddenFill xmlns:a14="http://schemas.microsoft.com/office/drawing/2010/main">
@@ -13156,6 +16261,14 @@
 <file path=ppt/slides/slide5.xml><?xml version="1.0" encoding="utf-8"?>
 <p:sld xmlns:a="http://schemas.openxmlformats.org/drawingml/2006/main" xmlns:r="http://schemas.openxmlformats.org/officeDocument/2006/relationships" xmlns:p="http://schemas.openxmlformats.org/presentationml/2006/main">
   <p:cSld>
+    <p:bg>
+      <p:bgPr>
+        <a:solidFill>
+          <a:schemeClr val="bg1"/>
+        </a:solidFill>
+        <a:effectLst/>
+      </p:bgPr>
+    </p:bg>
     <p:spTree>
       <p:nvGrpSpPr>
         <p:cNvPr id="1" name=""/>
@@ -13170,6 +16283,165 @@
           <a:chExt cx="0" cy="0"/>
         </a:xfrm>
       </p:grpSpPr>
+      <p:sp useBgFill="1">
+        <p:nvSpPr>
+          <p:cNvPr id="9" name="Rectangle 8">
+            <a:extLst>
+              <a:ext uri="{FF2B5EF4-FFF2-40B4-BE49-F238E27FC236}">
+                <a16:creationId xmlns:a16="http://schemas.microsoft.com/office/drawing/2014/main" id="{2550BE34-C2B8-49B8-8519-67A8CAD51AE9}"/>
+              </a:ext>
+              <a:ext uri="{C183D7F6-B498-43B3-948B-1728B52AA6E4}">
+                <adec:decorative xmlns:adec="http://schemas.microsoft.com/office/drawing/2017/decorative" val="1"/>
+              </a:ext>
+            </a:extLst>
+          </p:cNvPr>
+          <p:cNvSpPr>
+            <a:spLocks noGrp="1" noRot="1" noChangeAspect="1" noMove="1" noResize="1" noEditPoints="1" noAdjustHandles="1" noChangeArrowheads="1" noChangeShapeType="1" noTextEdit="1"/>
+          </p:cNvSpPr>
+          <p:nvPr>
+            <p:extLst>
+              <p:ext uri="{386F3935-93C4-4BCD-93E2-E3B085C9AB24}">
+                <p16:designElem xmlns:p16="http://schemas.microsoft.com/office/powerpoint/2015/main" val="1"/>
+              </p:ext>
+            </p:extLst>
+          </p:nvPr>
+        </p:nvSpPr>
+        <p:spPr>
+          <a:xfrm>
+            <a:off x="0" y="0"/>
+            <a:ext cx="12192000" cy="6858000"/>
+          </a:xfrm>
+          <a:prstGeom prst="rect">
+            <a:avLst/>
+          </a:prstGeom>
+          <a:ln>
+            <a:noFill/>
+          </a:ln>
+        </p:spPr>
+        <p:style>
+          <a:lnRef idx="2">
+            <a:schemeClr val="accent1">
+              <a:shade val="50000"/>
+            </a:schemeClr>
+          </a:lnRef>
+          <a:fillRef idx="1">
+            <a:schemeClr val="accent1"/>
+          </a:fillRef>
+          <a:effectRef idx="0">
+            <a:schemeClr val="accent1"/>
+          </a:effectRef>
+          <a:fontRef idx="minor">
+            <a:schemeClr val="lt1"/>
+          </a:fontRef>
+        </p:style>
+        <p:txBody>
+          <a:bodyPr rtlCol="0" anchor="ctr"/>
+          <a:lstStyle/>
+          <a:p>
+            <a:pPr algn="ctr"/>
+            <a:endParaRPr lang="en-US"/>
+          </a:p>
+        </p:txBody>
+      </p:sp>
+      <p:sp useBgFill="1">
+        <p:nvSpPr>
+          <p:cNvPr id="11" name="Rectangle 10">
+            <a:extLst>
+              <a:ext uri="{FF2B5EF4-FFF2-40B4-BE49-F238E27FC236}">
+                <a16:creationId xmlns:a16="http://schemas.microsoft.com/office/drawing/2014/main" id="{A7457DD9-5A45-400A-AB4B-4B4EDECA25F1}"/>
+              </a:ext>
+              <a:ext uri="{C183D7F6-B498-43B3-948B-1728B52AA6E4}">
+                <adec:decorative xmlns:adec="http://schemas.microsoft.com/office/drawing/2017/decorative" val="1"/>
+              </a:ext>
+            </a:extLst>
+          </p:cNvPr>
+          <p:cNvSpPr>
+            <a:spLocks noGrp="1" noRot="1" noChangeAspect="1" noMove="1" noResize="1" noEditPoints="1" noAdjustHandles="1" noChangeArrowheads="1" noChangeShapeType="1" noTextEdit="1"/>
+          </p:cNvSpPr>
+          <p:nvPr>
+            <p:extLst>
+              <p:ext uri="{386F3935-93C4-4BCD-93E2-E3B085C9AB24}">
+                <p16:designElem xmlns:p16="http://schemas.microsoft.com/office/powerpoint/2015/main" val="1"/>
+              </p:ext>
+            </p:extLst>
+          </p:nvPr>
+        </p:nvSpPr>
+        <p:spPr>
+          <a:xfrm>
+            <a:off x="554416" y="365125"/>
+            <a:ext cx="11167447" cy="2089317"/>
+          </a:xfrm>
+          <a:prstGeom prst="rect">
+            <a:avLst/>
+          </a:prstGeom>
+          <a:ln w="12700">
+            <a:solidFill>
+              <a:srgbClr val="DEDEDE"/>
+            </a:solidFill>
+          </a:ln>
+          <a:effectLst>
+            <a:outerShdw blurRad="50800" dist="38100" dir="2700000" algn="tl" rotWithShape="0">
+              <a:schemeClr val="bg2">
+                <a:lumMod val="85000"/>
+                <a:alpha val="50000"/>
+              </a:schemeClr>
+            </a:outerShdw>
+          </a:effectLst>
+        </p:spPr>
+        <p:style>
+          <a:lnRef idx="2">
+            <a:schemeClr val="accent1">
+              <a:shade val="50000"/>
+            </a:schemeClr>
+          </a:lnRef>
+          <a:fillRef idx="1">
+            <a:schemeClr val="accent1"/>
+          </a:fillRef>
+          <a:effectRef idx="0">
+            <a:schemeClr val="accent1"/>
+          </a:effectRef>
+          <a:fontRef idx="minor">
+            <a:schemeClr val="lt1"/>
+          </a:fontRef>
+        </p:style>
+        <p:txBody>
+          <a:bodyPr rtlCol="0" anchor="ctr"/>
+          <a:lstStyle/>
+          <a:p>
+            <a:pPr marL="0" marR="0" lvl="0" indent="0" algn="ctr" defTabSz="914400" rtl="0" eaLnBrk="1" fontAlgn="auto" latinLnBrk="0" hangingPunct="1">
+              <a:lnSpc>
+                <a:spcPct val="100000"/>
+              </a:lnSpc>
+              <a:spcBef>
+                <a:spcPts val="0"/>
+              </a:spcBef>
+              <a:spcAft>
+                <a:spcPts val="0"/>
+              </a:spcAft>
+              <a:buClrTx/>
+              <a:buSzTx/>
+              <a:buFontTx/>
+              <a:buNone/>
+              <a:tabLst/>
+              <a:defRPr/>
+            </a:pPr>
+            <a:endParaRPr kumimoji="0" lang="en-US" sz="1800" b="0" i="0" u="none" strike="noStrike" kern="1200" cap="none" spc="0" normalizeH="0" baseline="0" noProof="0">
+              <a:ln>
+                <a:noFill/>
+              </a:ln>
+              <a:solidFill>
+                <a:prstClr val="white"/>
+              </a:solidFill>
+              <a:effectLst/>
+              <a:uLnTx/>
+              <a:uFillTx/>
+              <a:latin typeface="Calibri" panose="020F0502020204030204"/>
+              <a:ea typeface="+mn-ea"/>
+              <a:cs typeface="+mn-cs"/>
+            </a:endParaRPr>
+          </a:p>
+        </p:txBody>
+      </p:sp>
       <p:sp>
         <p:nvSpPr>
           <p:cNvPr id="2" name="Title 1">
@@ -13186,15 +16458,159 @@
             <p:ph type="title"/>
           </p:nvPr>
         </p:nvSpPr>
-        <p:spPr/>
+        <p:spPr>
+          <a:xfrm>
+            <a:off x="1046746" y="586822"/>
+            <a:ext cx="3560252" cy="1645920"/>
+          </a:xfrm>
+        </p:spPr>
         <p:txBody>
-          <a:bodyPr/>
+          <a:bodyPr>
+            <a:normAutofit/>
+          </a:bodyPr>
           <a:lstStyle/>
           <a:p>
             <a:r>
-              <a:rPr lang="en-US" dirty="0"/>
+              <a:rPr lang="en-US" sz="3200"/>
               <a:t>Step 1: Define the Target Population</a:t>
             </a:r>
+          </a:p>
+        </p:txBody>
+      </p:sp>
+      <p:sp>
+        <p:nvSpPr>
+          <p:cNvPr id="13" name="Rectangle 12">
+            <a:extLst>
+              <a:ext uri="{FF2B5EF4-FFF2-40B4-BE49-F238E27FC236}">
+                <a16:creationId xmlns:a16="http://schemas.microsoft.com/office/drawing/2014/main" id="{441CF7D6-A660-431A-B0BB-140A0D5556B6}"/>
+              </a:ext>
+              <a:ext uri="{C183D7F6-B498-43B3-948B-1728B52AA6E4}">
+                <adec:decorative xmlns:adec="http://schemas.microsoft.com/office/drawing/2017/decorative" val="1"/>
+              </a:ext>
+            </a:extLst>
+          </p:cNvPr>
+          <p:cNvSpPr>
+            <a:spLocks noGrp="1" noRot="1" noChangeAspect="1" noMove="1" noResize="1" noEditPoints="1" noAdjustHandles="1" noChangeArrowheads="1" noChangeShapeType="1" noTextEdit="1"/>
+          </p:cNvSpPr>
+          <p:nvPr>
+            <p:extLst>
+              <p:ext uri="{386F3935-93C4-4BCD-93E2-E3B085C9AB24}">
+                <p16:designElem xmlns:p16="http://schemas.microsoft.com/office/powerpoint/2015/main" val="1"/>
+              </p:ext>
+            </p:extLst>
+          </p:nvPr>
+        </p:nvSpPr>
+        <p:spPr>
+          <a:xfrm>
+            <a:off x="490408" y="1057739"/>
+            <a:ext cx="128016" cy="704088"/>
+          </a:xfrm>
+          <a:prstGeom prst="rect">
+            <a:avLst/>
+          </a:prstGeom>
+          <a:solidFill>
+            <a:schemeClr val="accent2"/>
+          </a:solidFill>
+          <a:ln>
+            <a:noFill/>
+          </a:ln>
+        </p:spPr>
+        <p:style>
+          <a:lnRef idx="2">
+            <a:schemeClr val="accent1">
+              <a:shade val="50000"/>
+            </a:schemeClr>
+          </a:lnRef>
+          <a:fillRef idx="1">
+            <a:schemeClr val="accent1"/>
+          </a:fillRef>
+          <a:effectRef idx="0">
+            <a:schemeClr val="accent1"/>
+          </a:effectRef>
+          <a:fontRef idx="minor">
+            <a:schemeClr val="lt1"/>
+          </a:fontRef>
+        </p:style>
+        <p:txBody>
+          <a:bodyPr rtlCol="0" anchor="ctr"/>
+          <a:lstStyle/>
+          <a:p>
+            <a:pPr algn="ctr"/>
+            <a:endParaRPr lang="en-US" dirty="0">
+              <a:solidFill>
+                <a:prstClr val="white"/>
+              </a:solidFill>
+              <a:latin typeface="Calibri" panose="020F0502020204030204"/>
+            </a:endParaRPr>
+          </a:p>
+        </p:txBody>
+      </p:sp>
+      <p:sp>
+        <p:nvSpPr>
+          <p:cNvPr id="15" name="Rectangle 14">
+            <a:extLst>
+              <a:ext uri="{FF2B5EF4-FFF2-40B4-BE49-F238E27FC236}">
+                <a16:creationId xmlns:a16="http://schemas.microsoft.com/office/drawing/2014/main" id="{0570A85B-3810-4F95-97B0-CBF4CCDB381C}"/>
+              </a:ext>
+              <a:ext uri="{C183D7F6-B498-43B3-948B-1728B52AA6E4}">
+                <adec:decorative xmlns:adec="http://schemas.microsoft.com/office/drawing/2017/decorative" val="1"/>
+              </a:ext>
+            </a:extLst>
+          </p:cNvPr>
+          <p:cNvSpPr>
+            <a:spLocks noGrp="1" noRot="1" noChangeAspect="1" noMove="1" noResize="1" noEditPoints="1" noAdjustHandles="1" noChangeArrowheads="1" noChangeShapeType="1" noTextEdit="1"/>
+          </p:cNvSpPr>
+          <p:nvPr>
+            <p:extLst>
+              <p:ext uri="{386F3935-93C4-4BCD-93E2-E3B085C9AB24}">
+                <p16:designElem xmlns:p16="http://schemas.microsoft.com/office/powerpoint/2015/main" val="1"/>
+              </p:ext>
+            </p:extLst>
+          </p:nvPr>
+        </p:nvSpPr>
+        <p:spPr>
+          <a:xfrm rot="5400000">
+            <a:off x="4243541" y="1400638"/>
+            <a:ext cx="1463040" cy="18288"/>
+          </a:xfrm>
+          <a:prstGeom prst="rect">
+            <a:avLst/>
+          </a:prstGeom>
+          <a:solidFill>
+            <a:srgbClr val="D5D5D5"/>
+          </a:solidFill>
+          <a:ln w="3175">
+            <a:noFill/>
+          </a:ln>
+          <a:effectLst/>
+        </p:spPr>
+        <p:style>
+          <a:lnRef idx="2">
+            <a:schemeClr val="accent1">
+              <a:shade val="50000"/>
+            </a:schemeClr>
+          </a:lnRef>
+          <a:fillRef idx="1">
+            <a:schemeClr val="accent1"/>
+          </a:fillRef>
+          <a:effectRef idx="0">
+            <a:schemeClr val="accent1"/>
+          </a:effectRef>
+          <a:fontRef idx="minor">
+            <a:schemeClr val="lt1"/>
+          </a:fontRef>
+        </p:style>
+        <p:txBody>
+          <a:bodyPr rtlCol="0" anchor="ctr"/>
+          <a:lstStyle/>
+          <a:p>
+            <a:pPr algn="ctr"/>
+            <a:endParaRPr lang="en-US">
+              <a:solidFill>
+                <a:prstClr val="white"/>
+              </a:solidFill>
+              <a:latin typeface="Calibri" panose="020F0502020204030204"/>
+            </a:endParaRPr>
           </a:p>
         </p:txBody>
       </p:sp>
@@ -13214,25 +16630,32 @@
             <p:ph idx="1"/>
           </p:nvPr>
         </p:nvSpPr>
-        <p:spPr/>
+        <p:spPr>
+          <a:xfrm>
+            <a:off x="5351164" y="586822"/>
+            <a:ext cx="6002636" cy="1645920"/>
+          </a:xfrm>
+        </p:spPr>
         <p:txBody>
-          <a:bodyPr/>
+          <a:bodyPr anchor="ctr">
+            <a:normAutofit/>
+          </a:bodyPr>
           <a:lstStyle/>
           <a:p>
             <a:r>
-              <a:rPr lang="en-US" dirty="0"/>
+              <a:rPr lang="en-US" sz="1800"/>
               <a:t>Parameter: A characteristic or measure of population </a:t>
             </a:r>
           </a:p>
           <a:p>
             <a:r>
-              <a:rPr lang="en-US" dirty="0"/>
+              <a:rPr lang="en-US" sz="1800"/>
               <a:t>Statistic: A characteristic or measure of a sample </a:t>
             </a:r>
           </a:p>
           <a:p>
             <a:r>
-              <a:rPr lang="en-US" dirty="0"/>
+              <a:rPr lang="en-US" sz="1800"/>
               <a:t>We calculate statistics from sample data in order to estimate population parameters </a:t>
             </a:r>
           </a:p>
@@ -13260,26 +16683,19 @@
               </a:ext>
             </a:extLst>
           </a:blip>
-          <a:srcRect/>
           <a:stretch>
             <a:fillRect/>
           </a:stretch>
         </p:blipFill>
         <p:spPr bwMode="auto">
           <a:xfrm>
-            <a:off x="1981200" y="1497821"/>
-            <a:ext cx="8229600" cy="3862358"/>
+            <a:off x="2433958" y="2734056"/>
+            <a:ext cx="7412476" cy="3483864"/>
           </a:xfrm>
           <a:prstGeom prst="rect">
             <a:avLst/>
           </a:prstGeom>
           <a:noFill/>
-          <a:ln w="9525">
-            <a:noFill/>
-            <a:miter lim="800000"/>
-            <a:headEnd/>
-            <a:tailEnd/>
-          </a:ln>
           <a:extLst>
             <a:ext uri="{909E8E84-426E-40DD-AFC4-6F175D3DCCD1}">
               <a14:hiddenFill xmlns:a14="http://schemas.microsoft.com/office/drawing/2010/main">
@@ -15353,6 +18769,14 @@
 <file path=ppt/slides/slide54.xml><?xml version="1.0" encoding="utf-8"?>
 <p:sld xmlns:a="http://schemas.openxmlformats.org/drawingml/2006/main" xmlns:r="http://schemas.openxmlformats.org/officeDocument/2006/relationships" xmlns:p="http://schemas.openxmlformats.org/presentationml/2006/main">
   <p:cSld>
+    <p:bg>
+      <p:bgPr>
+        <a:solidFill>
+          <a:schemeClr val="bg1"/>
+        </a:solidFill>
+        <a:effectLst/>
+      </p:bgPr>
+    </p:bg>
     <p:spTree>
       <p:nvGrpSpPr>
         <p:cNvPr id="1" name=""/>
@@ -15367,6 +18791,66 @@
           <a:chExt cx="0" cy="0"/>
         </a:xfrm>
       </p:grpSpPr>
+      <p:sp useBgFill="1">
+        <p:nvSpPr>
+          <p:cNvPr id="9" name="Rectangle 8">
+            <a:extLst>
+              <a:ext uri="{FF2B5EF4-FFF2-40B4-BE49-F238E27FC236}">
+                <a16:creationId xmlns:a16="http://schemas.microsoft.com/office/drawing/2014/main" id="{BCED4D40-4B67-4331-AC48-79B82B4A47D8}"/>
+              </a:ext>
+              <a:ext uri="{C183D7F6-B498-43B3-948B-1728B52AA6E4}">
+                <adec:decorative xmlns:adec="http://schemas.microsoft.com/office/drawing/2017/decorative" val="1"/>
+              </a:ext>
+            </a:extLst>
+          </p:cNvPr>
+          <p:cNvSpPr>
+            <a:spLocks noGrp="1" noRot="1" noChangeAspect="1" noMove="1" noResize="1" noEditPoints="1" noAdjustHandles="1" noChangeArrowheads="1" noChangeShapeType="1" noTextEdit="1"/>
+          </p:cNvSpPr>
+          <p:nvPr>
+            <p:extLst>
+              <p:ext uri="{386F3935-93C4-4BCD-93E2-E3B085C9AB24}">
+                <p16:designElem xmlns:p16="http://schemas.microsoft.com/office/powerpoint/2015/main" val="1"/>
+              </p:ext>
+            </p:extLst>
+          </p:nvPr>
+        </p:nvSpPr>
+        <p:spPr>
+          <a:xfrm>
+            <a:off x="0" y="0"/>
+            <a:ext cx="12192000" cy="6858000"/>
+          </a:xfrm>
+          <a:prstGeom prst="rect">
+            <a:avLst/>
+          </a:prstGeom>
+          <a:ln>
+            <a:noFill/>
+          </a:ln>
+        </p:spPr>
+        <p:style>
+          <a:lnRef idx="2">
+            <a:schemeClr val="accent1">
+              <a:shade val="50000"/>
+            </a:schemeClr>
+          </a:lnRef>
+          <a:fillRef idx="1">
+            <a:schemeClr val="accent1"/>
+          </a:fillRef>
+          <a:effectRef idx="0">
+            <a:schemeClr val="accent1"/>
+          </a:effectRef>
+          <a:fontRef idx="minor">
+            <a:schemeClr val="lt1"/>
+          </a:fontRef>
+        </p:style>
+        <p:txBody>
+          <a:bodyPr rtlCol="0" anchor="ctr"/>
+          <a:lstStyle/>
+          <a:p>
+            <a:pPr algn="ctr"/>
+            <a:endParaRPr lang="en-US"/>
+          </a:p>
+        </p:txBody>
+      </p:sp>
       <p:sp>
         <p:nvSpPr>
           <p:cNvPr id="2" name="Title 1">
@@ -15383,15 +18867,373 @@
             <p:ph type="title"/>
           </p:nvPr>
         </p:nvSpPr>
-        <p:spPr/>
+        <p:spPr>
+          <a:xfrm>
+            <a:off x="638881" y="417576"/>
+            <a:ext cx="10909640" cy="1249394"/>
+          </a:xfrm>
+        </p:spPr>
         <p:txBody>
-          <a:bodyPr/>
+          <a:bodyPr vert="horz" lIns="91440" tIns="45720" rIns="91440" bIns="45720" rtlCol="0" anchor="ctr">
+            <a:normAutofit/>
+          </a:bodyPr>
           <a:lstStyle/>
           <a:p>
-            <a:r>
-              <a:rPr lang="en-US" dirty="0"/>
+            <a:pPr algn="ctr"/>
+            <a:r>
+              <a:rPr lang="en-US" sz="6600" kern="1200">
+                <a:solidFill>
+                  <a:schemeClr val="tx1"/>
+                </a:solidFill>
+                <a:latin typeface="+mj-lt"/>
+                <a:ea typeface="+mj-ea"/>
+                <a:cs typeface="+mj-cs"/>
+              </a:rPr>
               <a:t>Improving Response Rates </a:t>
             </a:r>
+          </a:p>
+        </p:txBody>
+      </p:sp>
+      <p:sp>
+        <p:nvSpPr>
+          <p:cNvPr id="11" name="sketch line">
+            <a:extLst>
+              <a:ext uri="{FF2B5EF4-FFF2-40B4-BE49-F238E27FC236}">
+                <a16:creationId xmlns:a16="http://schemas.microsoft.com/office/drawing/2014/main" id="{670CEDEF-4F34-412E-84EE-329C1E936AF5}"/>
+              </a:ext>
+              <a:ext uri="{C183D7F6-B498-43B3-948B-1728B52AA6E4}">
+                <adec:decorative xmlns:adec="http://schemas.microsoft.com/office/drawing/2017/decorative" val="1"/>
+              </a:ext>
+            </a:extLst>
+          </p:cNvPr>
+          <p:cNvSpPr>
+            <a:spLocks noGrp="1" noRot="1" noChangeAspect="1" noMove="1" noResize="1" noEditPoints="1" noAdjustHandles="1" noChangeArrowheads="1" noChangeShapeType="1" noTextEdit="1"/>
+          </p:cNvSpPr>
+          <p:nvPr>
+            <p:extLst>
+              <p:ext uri="{386F3935-93C4-4BCD-93E2-E3B085C9AB24}">
+                <p16:designElem xmlns:p16="http://schemas.microsoft.com/office/powerpoint/2015/main" val="1"/>
+              </p:ext>
+            </p:extLst>
+          </p:nvPr>
+        </p:nvSpPr>
+        <p:spPr>
+          <a:xfrm>
+            <a:off x="3807702" y="1733454"/>
+            <a:ext cx="4572000" cy="18288"/>
+          </a:xfrm>
+          <a:custGeom>
+            <a:avLst/>
+            <a:gdLst>
+              <a:gd name="connsiteX0" fmla="*/ 0 w 4572000"/>
+              <a:gd name="connsiteY0" fmla="*/ 0 h 18288"/>
+              <a:gd name="connsiteX1" fmla="*/ 515983 w 4572000"/>
+              <a:gd name="connsiteY1" fmla="*/ 0 h 18288"/>
+              <a:gd name="connsiteX2" fmla="*/ 1031966 w 4572000"/>
+              <a:gd name="connsiteY2" fmla="*/ 0 h 18288"/>
+              <a:gd name="connsiteX3" fmla="*/ 1639389 w 4572000"/>
+              <a:gd name="connsiteY3" fmla="*/ 0 h 18288"/>
+              <a:gd name="connsiteX4" fmla="*/ 2383971 w 4572000"/>
+              <a:gd name="connsiteY4" fmla="*/ 0 h 18288"/>
+              <a:gd name="connsiteX5" fmla="*/ 2945674 w 4572000"/>
+              <a:gd name="connsiteY5" fmla="*/ 0 h 18288"/>
+              <a:gd name="connsiteX6" fmla="*/ 3507377 w 4572000"/>
+              <a:gd name="connsiteY6" fmla="*/ 0 h 18288"/>
+              <a:gd name="connsiteX7" fmla="*/ 4572000 w 4572000"/>
+              <a:gd name="connsiteY7" fmla="*/ 0 h 18288"/>
+              <a:gd name="connsiteX8" fmla="*/ 4572000 w 4572000"/>
+              <a:gd name="connsiteY8" fmla="*/ 18288 h 18288"/>
+              <a:gd name="connsiteX9" fmla="*/ 3873137 w 4572000"/>
+              <a:gd name="connsiteY9" fmla="*/ 18288 h 18288"/>
+              <a:gd name="connsiteX10" fmla="*/ 3311434 w 4572000"/>
+              <a:gd name="connsiteY10" fmla="*/ 18288 h 18288"/>
+              <a:gd name="connsiteX11" fmla="*/ 2749731 w 4572000"/>
+              <a:gd name="connsiteY11" fmla="*/ 18288 h 18288"/>
+              <a:gd name="connsiteX12" fmla="*/ 2050869 w 4572000"/>
+              <a:gd name="connsiteY12" fmla="*/ 18288 h 18288"/>
+              <a:gd name="connsiteX13" fmla="*/ 1306286 w 4572000"/>
+              <a:gd name="connsiteY13" fmla="*/ 18288 h 18288"/>
+              <a:gd name="connsiteX14" fmla="*/ 790303 w 4572000"/>
+              <a:gd name="connsiteY14" fmla="*/ 18288 h 18288"/>
+              <a:gd name="connsiteX15" fmla="*/ 0 w 4572000"/>
+              <a:gd name="connsiteY15" fmla="*/ 18288 h 18288"/>
+              <a:gd name="connsiteX16" fmla="*/ 0 w 4572000"/>
+              <a:gd name="connsiteY16" fmla="*/ 0 h 18288"/>
+            </a:gdLst>
+            <a:ahLst/>
+            <a:cxnLst>
+              <a:cxn ang="0">
+                <a:pos x="connsiteX0" y="connsiteY0"/>
+              </a:cxn>
+              <a:cxn ang="0">
+                <a:pos x="connsiteX1" y="connsiteY1"/>
+              </a:cxn>
+              <a:cxn ang="0">
+                <a:pos x="connsiteX2" y="connsiteY2"/>
+              </a:cxn>
+              <a:cxn ang="0">
+                <a:pos x="connsiteX3" y="connsiteY3"/>
+              </a:cxn>
+              <a:cxn ang="0">
+                <a:pos x="connsiteX4" y="connsiteY4"/>
+              </a:cxn>
+              <a:cxn ang="0">
+                <a:pos x="connsiteX5" y="connsiteY5"/>
+              </a:cxn>
+              <a:cxn ang="0">
+                <a:pos x="connsiteX6" y="connsiteY6"/>
+              </a:cxn>
+              <a:cxn ang="0">
+                <a:pos x="connsiteX7" y="connsiteY7"/>
+              </a:cxn>
+              <a:cxn ang="0">
+                <a:pos x="connsiteX8" y="connsiteY8"/>
+              </a:cxn>
+              <a:cxn ang="0">
+                <a:pos x="connsiteX9" y="connsiteY9"/>
+              </a:cxn>
+              <a:cxn ang="0">
+                <a:pos x="connsiteX10" y="connsiteY10"/>
+              </a:cxn>
+              <a:cxn ang="0">
+                <a:pos x="connsiteX11" y="connsiteY11"/>
+              </a:cxn>
+              <a:cxn ang="0">
+                <a:pos x="connsiteX12" y="connsiteY12"/>
+              </a:cxn>
+              <a:cxn ang="0">
+                <a:pos x="connsiteX13" y="connsiteY13"/>
+              </a:cxn>
+              <a:cxn ang="0">
+                <a:pos x="connsiteX14" y="connsiteY14"/>
+              </a:cxn>
+              <a:cxn ang="0">
+                <a:pos x="connsiteX15" y="connsiteY15"/>
+              </a:cxn>
+              <a:cxn ang="0">
+                <a:pos x="connsiteX16" y="connsiteY16"/>
+              </a:cxn>
+            </a:cxnLst>
+            <a:rect l="l" t="t" r="r" b="b"/>
+            <a:pathLst>
+              <a:path w="4572000" h="18288" fill="none" extrusionOk="0">
+                <a:moveTo>
+                  <a:pt x="0" y="0"/>
+                </a:moveTo>
+                <a:cubicBezTo>
+                  <a:pt x="105156" y="-20963"/>
+                  <a:pt x="340432" y="822"/>
+                  <a:pt x="515983" y="0"/>
+                </a:cubicBezTo>
+                <a:cubicBezTo>
+                  <a:pt x="691534" y="-822"/>
+                  <a:pt x="850679" y="16479"/>
+                  <a:pt x="1031966" y="0"/>
+                </a:cubicBezTo>
+                <a:cubicBezTo>
+                  <a:pt x="1213253" y="-16479"/>
+                  <a:pt x="1443646" y="-18730"/>
+                  <a:pt x="1639389" y="0"/>
+                </a:cubicBezTo>
+                <a:cubicBezTo>
+                  <a:pt x="1835132" y="18730"/>
+                  <a:pt x="2159975" y="18531"/>
+                  <a:pt x="2383971" y="0"/>
+                </a:cubicBezTo>
+                <a:cubicBezTo>
+                  <a:pt x="2607967" y="-18531"/>
+                  <a:pt x="2719096" y="-12030"/>
+                  <a:pt x="2945674" y="0"/>
+                </a:cubicBezTo>
+                <a:cubicBezTo>
+                  <a:pt x="3172252" y="12030"/>
+                  <a:pt x="3269167" y="27666"/>
+                  <a:pt x="3507377" y="0"/>
+                </a:cubicBezTo>
+                <a:cubicBezTo>
+                  <a:pt x="3745587" y="-27666"/>
+                  <a:pt x="4116741" y="18705"/>
+                  <a:pt x="4572000" y="0"/>
+                </a:cubicBezTo>
+                <a:cubicBezTo>
+                  <a:pt x="4572895" y="8974"/>
+                  <a:pt x="4571454" y="9359"/>
+                  <a:pt x="4572000" y="18288"/>
+                </a:cubicBezTo>
+                <a:cubicBezTo>
+                  <a:pt x="4374698" y="3942"/>
+                  <a:pt x="4098874" y="-11042"/>
+                  <a:pt x="3873137" y="18288"/>
+                </a:cubicBezTo>
+                <a:cubicBezTo>
+                  <a:pt x="3647400" y="47618"/>
+                  <a:pt x="3517055" y="5421"/>
+                  <a:pt x="3311434" y="18288"/>
+                </a:cubicBezTo>
+                <a:cubicBezTo>
+                  <a:pt x="3105813" y="31155"/>
+                  <a:pt x="3025168" y="17856"/>
+                  <a:pt x="2749731" y="18288"/>
+                </a:cubicBezTo>
+                <a:cubicBezTo>
+                  <a:pt x="2474294" y="18720"/>
+                  <a:pt x="2291766" y="-14168"/>
+                  <a:pt x="2050869" y="18288"/>
+                </a:cubicBezTo>
+                <a:cubicBezTo>
+                  <a:pt x="1809972" y="50744"/>
+                  <a:pt x="1540276" y="46798"/>
+                  <a:pt x="1306286" y="18288"/>
+                </a:cubicBezTo>
+                <a:cubicBezTo>
+                  <a:pt x="1072296" y="-10222"/>
+                  <a:pt x="972445" y="19645"/>
+                  <a:pt x="790303" y="18288"/>
+                </a:cubicBezTo>
+                <a:cubicBezTo>
+                  <a:pt x="608161" y="16931"/>
+                  <a:pt x="200981" y="8241"/>
+                  <a:pt x="0" y="18288"/>
+                </a:cubicBezTo>
+                <a:cubicBezTo>
+                  <a:pt x="-229" y="14222"/>
+                  <a:pt x="509" y="5816"/>
+                  <a:pt x="0" y="0"/>
+                </a:cubicBezTo>
+                <a:close/>
+              </a:path>
+              <a:path w="4572000" h="18288" stroke="0" extrusionOk="0">
+                <a:moveTo>
+                  <a:pt x="0" y="0"/>
+                </a:moveTo>
+                <a:cubicBezTo>
+                  <a:pt x="143285" y="-9565"/>
+                  <a:pt x="327959" y="-11498"/>
+                  <a:pt x="561703" y="0"/>
+                </a:cubicBezTo>
+                <a:cubicBezTo>
+                  <a:pt x="795447" y="11498"/>
+                  <a:pt x="838260" y="18255"/>
+                  <a:pt x="1077686" y="0"/>
+                </a:cubicBezTo>
+                <a:cubicBezTo>
+                  <a:pt x="1317112" y="-18255"/>
+                  <a:pt x="1437472" y="23514"/>
+                  <a:pt x="1639389" y="0"/>
+                </a:cubicBezTo>
+                <a:cubicBezTo>
+                  <a:pt x="1841306" y="-23514"/>
+                  <a:pt x="2037142" y="-12551"/>
+                  <a:pt x="2292531" y="0"/>
+                </a:cubicBezTo>
+                <a:cubicBezTo>
+                  <a:pt x="2547920" y="12551"/>
+                  <a:pt x="2810436" y="-20352"/>
+                  <a:pt x="2991394" y="0"/>
+                </a:cubicBezTo>
+                <a:cubicBezTo>
+                  <a:pt x="3172352" y="20352"/>
+                  <a:pt x="3530025" y="-13347"/>
+                  <a:pt x="3735977" y="0"/>
+                </a:cubicBezTo>
+                <a:cubicBezTo>
+                  <a:pt x="3941929" y="13347"/>
+                  <a:pt x="4161497" y="34086"/>
+                  <a:pt x="4572000" y="0"/>
+                </a:cubicBezTo>
+                <a:cubicBezTo>
+                  <a:pt x="4571545" y="6162"/>
+                  <a:pt x="4571903" y="11775"/>
+                  <a:pt x="4572000" y="18288"/>
+                </a:cubicBezTo>
+                <a:cubicBezTo>
+                  <a:pt x="4228040" y="36490"/>
+                  <a:pt x="4199736" y="42557"/>
+                  <a:pt x="3873137" y="18288"/>
+                </a:cubicBezTo>
+                <a:cubicBezTo>
+                  <a:pt x="3546538" y="-5981"/>
+                  <a:pt x="3472124" y="16809"/>
+                  <a:pt x="3128554" y="18288"/>
+                </a:cubicBezTo>
+                <a:cubicBezTo>
+                  <a:pt x="2784984" y="19767"/>
+                  <a:pt x="2735896" y="-17781"/>
+                  <a:pt x="2383971" y="18288"/>
+                </a:cubicBezTo>
+                <a:cubicBezTo>
+                  <a:pt x="2032046" y="54357"/>
+                  <a:pt x="2019324" y="2920"/>
+                  <a:pt x="1867989" y="18288"/>
+                </a:cubicBezTo>
+                <a:cubicBezTo>
+                  <a:pt x="1716654" y="33656"/>
+                  <a:pt x="1418675" y="32575"/>
+                  <a:pt x="1169126" y="18288"/>
+                </a:cubicBezTo>
+                <a:cubicBezTo>
+                  <a:pt x="919577" y="4001"/>
+                  <a:pt x="798537" y="16165"/>
+                  <a:pt x="561703" y="18288"/>
+                </a:cubicBezTo>
+                <a:cubicBezTo>
+                  <a:pt x="324869" y="20411"/>
+                  <a:pt x="221395" y="-912"/>
+                  <a:pt x="0" y="18288"/>
+                </a:cubicBezTo>
+                <a:cubicBezTo>
+                  <a:pt x="766" y="10800"/>
+                  <a:pt x="-457" y="8180"/>
+                  <a:pt x="0" y="0"/>
+                </a:cubicBezTo>
+                <a:close/>
+              </a:path>
+            </a:pathLst>
+          </a:custGeom>
+          <a:solidFill>
+            <a:schemeClr val="accent2"/>
+          </a:solidFill>
+          <a:ln w="41275" cap="rnd">
+            <a:solidFill>
+              <a:schemeClr val="accent2"/>
+            </a:solidFill>
+            <a:round/>
+            <a:extLst>
+              <a:ext uri="{C807C97D-BFC1-408E-A445-0C87EB9F89A2}">
+                <ask:lineSketchStyleProps xmlns:ask="http://schemas.microsoft.com/office/drawing/2018/sketchyshapes" sd="2727557108">
+                  <a:prstGeom prst="rect">
+                    <a:avLst/>
+                  </a:prstGeom>
+                  <ask:type>
+                    <ask:lineSketchFreehand/>
+                  </ask:type>
+                </ask:lineSketchStyleProps>
+              </a:ext>
+            </a:extLst>
+          </a:ln>
+        </p:spPr>
+        <p:style>
+          <a:lnRef idx="2">
+            <a:schemeClr val="accent1">
+              <a:shade val="50000"/>
+            </a:schemeClr>
+          </a:lnRef>
+          <a:fillRef idx="1">
+            <a:schemeClr val="accent1"/>
+          </a:fillRef>
+          <a:effectRef idx="0">
+            <a:schemeClr val="accent1"/>
+          </a:effectRef>
+          <a:fontRef idx="minor">
+            <a:schemeClr val="lt1"/>
+          </a:fontRef>
+        </p:style>
+        <p:txBody>
+          <a:bodyPr rtlCol="0" anchor="ctr"/>
+          <a:lstStyle/>
+          <a:p>
+            <a:pPr algn="ctr"/>
+            <a:endParaRPr lang="en-US"/>
           </a:p>
         </p:txBody>
       </p:sp>
@@ -15417,26 +19259,19 @@
               </a:ext>
             </a:extLst>
           </a:blip>
-          <a:srcRect/>
           <a:stretch>
             <a:fillRect/>
           </a:stretch>
         </p:blipFill>
         <p:spPr bwMode="auto">
           <a:xfrm>
-            <a:off x="1981200" y="1371600"/>
-            <a:ext cx="8229600" cy="4114800"/>
+            <a:off x="1825007" y="2633472"/>
+            <a:ext cx="8538938" cy="3586353"/>
           </a:xfrm>
           <a:prstGeom prst="rect">
             <a:avLst/>
           </a:prstGeom>
           <a:noFill/>
-          <a:ln w="9525">
-            <a:noFill/>
-            <a:miter lim="800000"/>
-            <a:headEnd/>
-            <a:tailEnd/>
-          </a:ln>
           <a:extLst>
             <a:ext uri="{909E8E84-426E-40DD-AFC4-6F175D3DCCD1}">
               <a14:hiddenFill xmlns:a14="http://schemas.microsoft.com/office/drawing/2010/main">
@@ -15788,6 +19623,12 @@
           <a:p>
             <a:r>
               <a:rPr lang="en-US" dirty="0"/>
+              <a:t>Please review my slides (especially iClicker questions). </a:t>
+            </a:r>
+          </a:p>
+          <a:p>
+            <a:r>
+              <a:rPr lang="en-US" dirty="0"/>
               <a:t>25 questions (200 points) with 2 extra credit questions (16 points) in 75 mins</a:t>
             </a:r>
           </a:p>
@@ -16041,6 +19882,14 @@
 <file path=ppt/slides/slide8.xml><?xml version="1.0" encoding="utf-8"?>
 <p:sld xmlns:a="http://schemas.openxmlformats.org/drawingml/2006/main" xmlns:r="http://schemas.openxmlformats.org/officeDocument/2006/relationships" xmlns:p="http://schemas.openxmlformats.org/presentationml/2006/main">
   <p:cSld>
+    <p:bg>
+      <p:bgPr>
+        <a:solidFill>
+          <a:schemeClr val="bg1"/>
+        </a:solidFill>
+        <a:effectLst/>
+      </p:bgPr>
+    </p:bg>
     <p:spTree>
       <p:nvGrpSpPr>
         <p:cNvPr id="1" name=""/>
@@ -16055,6 +19904,66 @@
           <a:chExt cx="0" cy="0"/>
         </a:xfrm>
       </p:grpSpPr>
+      <p:sp useBgFill="1">
+        <p:nvSpPr>
+          <p:cNvPr id="9" name="Rectangle 8">
+            <a:extLst>
+              <a:ext uri="{FF2B5EF4-FFF2-40B4-BE49-F238E27FC236}">
+                <a16:creationId xmlns:a16="http://schemas.microsoft.com/office/drawing/2014/main" id="{BCED4D40-4B67-4331-AC48-79B82B4A47D8}"/>
+              </a:ext>
+              <a:ext uri="{C183D7F6-B498-43B3-948B-1728B52AA6E4}">
+                <adec:decorative xmlns:adec="http://schemas.microsoft.com/office/drawing/2017/decorative" val="1"/>
+              </a:ext>
+            </a:extLst>
+          </p:cNvPr>
+          <p:cNvSpPr>
+            <a:spLocks noGrp="1" noRot="1" noChangeAspect="1" noMove="1" noResize="1" noEditPoints="1" noAdjustHandles="1" noChangeArrowheads="1" noChangeShapeType="1" noTextEdit="1"/>
+          </p:cNvSpPr>
+          <p:nvPr>
+            <p:extLst>
+              <p:ext uri="{386F3935-93C4-4BCD-93E2-E3B085C9AB24}">
+                <p16:designElem xmlns:p16="http://schemas.microsoft.com/office/powerpoint/2015/main" val="1"/>
+              </p:ext>
+            </p:extLst>
+          </p:nvPr>
+        </p:nvSpPr>
+        <p:spPr>
+          <a:xfrm>
+            <a:off x="0" y="0"/>
+            <a:ext cx="12192000" cy="6858000"/>
+          </a:xfrm>
+          <a:prstGeom prst="rect">
+            <a:avLst/>
+          </a:prstGeom>
+          <a:ln>
+            <a:noFill/>
+          </a:ln>
+        </p:spPr>
+        <p:style>
+          <a:lnRef idx="2">
+            <a:schemeClr val="accent1">
+              <a:shade val="50000"/>
+            </a:schemeClr>
+          </a:lnRef>
+          <a:fillRef idx="1">
+            <a:schemeClr val="accent1"/>
+          </a:fillRef>
+          <a:effectRef idx="0">
+            <a:schemeClr val="accent1"/>
+          </a:effectRef>
+          <a:fontRef idx="minor">
+            <a:schemeClr val="lt1"/>
+          </a:fontRef>
+        </p:style>
+        <p:txBody>
+          <a:bodyPr rtlCol="0" anchor="ctr"/>
+          <a:lstStyle/>
+          <a:p>
+            <a:pPr algn="ctr"/>
+            <a:endParaRPr lang="en-US"/>
+          </a:p>
+        </p:txBody>
+      </p:sp>
       <p:sp>
         <p:nvSpPr>
           <p:cNvPr id="2" name="Title 1">
@@ -16071,15 +19980,373 @@
             <p:ph type="title"/>
           </p:nvPr>
         </p:nvSpPr>
-        <p:spPr/>
+        <p:spPr>
+          <a:xfrm>
+            <a:off x="638881" y="417576"/>
+            <a:ext cx="10909640" cy="1249394"/>
+          </a:xfrm>
+        </p:spPr>
         <p:txBody>
-          <a:bodyPr/>
+          <a:bodyPr vert="horz" lIns="91440" tIns="45720" rIns="91440" bIns="45720" rtlCol="0" anchor="ctr">
+            <a:normAutofit/>
+          </a:bodyPr>
           <a:lstStyle/>
           <a:p>
-            <a:r>
-              <a:rPr lang="en-US" dirty="0"/>
+            <a:pPr algn="ctr"/>
+            <a:r>
+              <a:rPr lang="en-US" sz="5600" kern="1200">
+                <a:solidFill>
+                  <a:schemeClr val="tx1"/>
+                </a:solidFill>
+                <a:latin typeface="+mj-lt"/>
+                <a:ea typeface="+mj-ea"/>
+                <a:cs typeface="+mj-cs"/>
+              </a:rPr>
               <a:t>Step 3: Select a Sampling Procedure</a:t>
             </a:r>
+          </a:p>
+        </p:txBody>
+      </p:sp>
+      <p:sp>
+        <p:nvSpPr>
+          <p:cNvPr id="11" name="sketch line">
+            <a:extLst>
+              <a:ext uri="{FF2B5EF4-FFF2-40B4-BE49-F238E27FC236}">
+                <a16:creationId xmlns:a16="http://schemas.microsoft.com/office/drawing/2014/main" id="{670CEDEF-4F34-412E-84EE-329C1E936AF5}"/>
+              </a:ext>
+              <a:ext uri="{C183D7F6-B498-43B3-948B-1728B52AA6E4}">
+                <adec:decorative xmlns:adec="http://schemas.microsoft.com/office/drawing/2017/decorative" val="1"/>
+              </a:ext>
+            </a:extLst>
+          </p:cNvPr>
+          <p:cNvSpPr>
+            <a:spLocks noGrp="1" noRot="1" noChangeAspect="1" noMove="1" noResize="1" noEditPoints="1" noAdjustHandles="1" noChangeArrowheads="1" noChangeShapeType="1" noTextEdit="1"/>
+          </p:cNvSpPr>
+          <p:nvPr>
+            <p:extLst>
+              <p:ext uri="{386F3935-93C4-4BCD-93E2-E3B085C9AB24}">
+                <p16:designElem xmlns:p16="http://schemas.microsoft.com/office/powerpoint/2015/main" val="1"/>
+              </p:ext>
+            </p:extLst>
+          </p:nvPr>
+        </p:nvSpPr>
+        <p:spPr>
+          <a:xfrm>
+            <a:off x="3807702" y="1733454"/>
+            <a:ext cx="4572000" cy="18288"/>
+          </a:xfrm>
+          <a:custGeom>
+            <a:avLst/>
+            <a:gdLst>
+              <a:gd name="connsiteX0" fmla="*/ 0 w 4572000"/>
+              <a:gd name="connsiteY0" fmla="*/ 0 h 18288"/>
+              <a:gd name="connsiteX1" fmla="*/ 515983 w 4572000"/>
+              <a:gd name="connsiteY1" fmla="*/ 0 h 18288"/>
+              <a:gd name="connsiteX2" fmla="*/ 1031966 w 4572000"/>
+              <a:gd name="connsiteY2" fmla="*/ 0 h 18288"/>
+              <a:gd name="connsiteX3" fmla="*/ 1639389 w 4572000"/>
+              <a:gd name="connsiteY3" fmla="*/ 0 h 18288"/>
+              <a:gd name="connsiteX4" fmla="*/ 2383971 w 4572000"/>
+              <a:gd name="connsiteY4" fmla="*/ 0 h 18288"/>
+              <a:gd name="connsiteX5" fmla="*/ 2945674 w 4572000"/>
+              <a:gd name="connsiteY5" fmla="*/ 0 h 18288"/>
+              <a:gd name="connsiteX6" fmla="*/ 3507377 w 4572000"/>
+              <a:gd name="connsiteY6" fmla="*/ 0 h 18288"/>
+              <a:gd name="connsiteX7" fmla="*/ 4572000 w 4572000"/>
+              <a:gd name="connsiteY7" fmla="*/ 0 h 18288"/>
+              <a:gd name="connsiteX8" fmla="*/ 4572000 w 4572000"/>
+              <a:gd name="connsiteY8" fmla="*/ 18288 h 18288"/>
+              <a:gd name="connsiteX9" fmla="*/ 3873137 w 4572000"/>
+              <a:gd name="connsiteY9" fmla="*/ 18288 h 18288"/>
+              <a:gd name="connsiteX10" fmla="*/ 3311434 w 4572000"/>
+              <a:gd name="connsiteY10" fmla="*/ 18288 h 18288"/>
+              <a:gd name="connsiteX11" fmla="*/ 2749731 w 4572000"/>
+              <a:gd name="connsiteY11" fmla="*/ 18288 h 18288"/>
+              <a:gd name="connsiteX12" fmla="*/ 2050869 w 4572000"/>
+              <a:gd name="connsiteY12" fmla="*/ 18288 h 18288"/>
+              <a:gd name="connsiteX13" fmla="*/ 1306286 w 4572000"/>
+              <a:gd name="connsiteY13" fmla="*/ 18288 h 18288"/>
+              <a:gd name="connsiteX14" fmla="*/ 790303 w 4572000"/>
+              <a:gd name="connsiteY14" fmla="*/ 18288 h 18288"/>
+              <a:gd name="connsiteX15" fmla="*/ 0 w 4572000"/>
+              <a:gd name="connsiteY15" fmla="*/ 18288 h 18288"/>
+              <a:gd name="connsiteX16" fmla="*/ 0 w 4572000"/>
+              <a:gd name="connsiteY16" fmla="*/ 0 h 18288"/>
+            </a:gdLst>
+            <a:ahLst/>
+            <a:cxnLst>
+              <a:cxn ang="0">
+                <a:pos x="connsiteX0" y="connsiteY0"/>
+              </a:cxn>
+              <a:cxn ang="0">
+                <a:pos x="connsiteX1" y="connsiteY1"/>
+              </a:cxn>
+              <a:cxn ang="0">
+                <a:pos x="connsiteX2" y="connsiteY2"/>
+              </a:cxn>
+              <a:cxn ang="0">
+                <a:pos x="connsiteX3" y="connsiteY3"/>
+              </a:cxn>
+              <a:cxn ang="0">
+                <a:pos x="connsiteX4" y="connsiteY4"/>
+              </a:cxn>
+              <a:cxn ang="0">
+                <a:pos x="connsiteX5" y="connsiteY5"/>
+              </a:cxn>
+              <a:cxn ang="0">
+                <a:pos x="connsiteX6" y="connsiteY6"/>
+              </a:cxn>
+              <a:cxn ang="0">
+                <a:pos x="connsiteX7" y="connsiteY7"/>
+              </a:cxn>
+              <a:cxn ang="0">
+                <a:pos x="connsiteX8" y="connsiteY8"/>
+              </a:cxn>
+              <a:cxn ang="0">
+                <a:pos x="connsiteX9" y="connsiteY9"/>
+              </a:cxn>
+              <a:cxn ang="0">
+                <a:pos x="connsiteX10" y="connsiteY10"/>
+              </a:cxn>
+              <a:cxn ang="0">
+                <a:pos x="connsiteX11" y="connsiteY11"/>
+              </a:cxn>
+              <a:cxn ang="0">
+                <a:pos x="connsiteX12" y="connsiteY12"/>
+              </a:cxn>
+              <a:cxn ang="0">
+                <a:pos x="connsiteX13" y="connsiteY13"/>
+              </a:cxn>
+              <a:cxn ang="0">
+                <a:pos x="connsiteX14" y="connsiteY14"/>
+              </a:cxn>
+              <a:cxn ang="0">
+                <a:pos x="connsiteX15" y="connsiteY15"/>
+              </a:cxn>
+              <a:cxn ang="0">
+                <a:pos x="connsiteX16" y="connsiteY16"/>
+              </a:cxn>
+            </a:cxnLst>
+            <a:rect l="l" t="t" r="r" b="b"/>
+            <a:pathLst>
+              <a:path w="4572000" h="18288" fill="none" extrusionOk="0">
+                <a:moveTo>
+                  <a:pt x="0" y="0"/>
+                </a:moveTo>
+                <a:cubicBezTo>
+                  <a:pt x="105156" y="-20963"/>
+                  <a:pt x="340432" y="822"/>
+                  <a:pt x="515983" y="0"/>
+                </a:cubicBezTo>
+                <a:cubicBezTo>
+                  <a:pt x="691534" y="-822"/>
+                  <a:pt x="850679" y="16479"/>
+                  <a:pt x="1031966" y="0"/>
+                </a:cubicBezTo>
+                <a:cubicBezTo>
+                  <a:pt x="1213253" y="-16479"/>
+                  <a:pt x="1443646" y="-18730"/>
+                  <a:pt x="1639389" y="0"/>
+                </a:cubicBezTo>
+                <a:cubicBezTo>
+                  <a:pt x="1835132" y="18730"/>
+                  <a:pt x="2159975" y="18531"/>
+                  <a:pt x="2383971" y="0"/>
+                </a:cubicBezTo>
+                <a:cubicBezTo>
+                  <a:pt x="2607967" y="-18531"/>
+                  <a:pt x="2719096" y="-12030"/>
+                  <a:pt x="2945674" y="0"/>
+                </a:cubicBezTo>
+                <a:cubicBezTo>
+                  <a:pt x="3172252" y="12030"/>
+                  <a:pt x="3269167" y="27666"/>
+                  <a:pt x="3507377" y="0"/>
+                </a:cubicBezTo>
+                <a:cubicBezTo>
+                  <a:pt x="3745587" y="-27666"/>
+                  <a:pt x="4116741" y="18705"/>
+                  <a:pt x="4572000" y="0"/>
+                </a:cubicBezTo>
+                <a:cubicBezTo>
+                  <a:pt x="4572895" y="8974"/>
+                  <a:pt x="4571454" y="9359"/>
+                  <a:pt x="4572000" y="18288"/>
+                </a:cubicBezTo>
+                <a:cubicBezTo>
+                  <a:pt x="4374698" y="3942"/>
+                  <a:pt x="4098874" y="-11042"/>
+                  <a:pt x="3873137" y="18288"/>
+                </a:cubicBezTo>
+                <a:cubicBezTo>
+                  <a:pt x="3647400" y="47618"/>
+                  <a:pt x="3517055" y="5421"/>
+                  <a:pt x="3311434" y="18288"/>
+                </a:cubicBezTo>
+                <a:cubicBezTo>
+                  <a:pt x="3105813" y="31155"/>
+                  <a:pt x="3025168" y="17856"/>
+                  <a:pt x="2749731" y="18288"/>
+                </a:cubicBezTo>
+                <a:cubicBezTo>
+                  <a:pt x="2474294" y="18720"/>
+                  <a:pt x="2291766" y="-14168"/>
+                  <a:pt x="2050869" y="18288"/>
+                </a:cubicBezTo>
+                <a:cubicBezTo>
+                  <a:pt x="1809972" y="50744"/>
+                  <a:pt x="1540276" y="46798"/>
+                  <a:pt x="1306286" y="18288"/>
+                </a:cubicBezTo>
+                <a:cubicBezTo>
+                  <a:pt x="1072296" y="-10222"/>
+                  <a:pt x="972445" y="19645"/>
+                  <a:pt x="790303" y="18288"/>
+                </a:cubicBezTo>
+                <a:cubicBezTo>
+                  <a:pt x="608161" y="16931"/>
+                  <a:pt x="200981" y="8241"/>
+                  <a:pt x="0" y="18288"/>
+                </a:cubicBezTo>
+                <a:cubicBezTo>
+                  <a:pt x="-229" y="14222"/>
+                  <a:pt x="509" y="5816"/>
+                  <a:pt x="0" y="0"/>
+                </a:cubicBezTo>
+                <a:close/>
+              </a:path>
+              <a:path w="4572000" h="18288" stroke="0" extrusionOk="0">
+                <a:moveTo>
+                  <a:pt x="0" y="0"/>
+                </a:moveTo>
+                <a:cubicBezTo>
+                  <a:pt x="143285" y="-9565"/>
+                  <a:pt x="327959" y="-11498"/>
+                  <a:pt x="561703" y="0"/>
+                </a:cubicBezTo>
+                <a:cubicBezTo>
+                  <a:pt x="795447" y="11498"/>
+                  <a:pt x="838260" y="18255"/>
+                  <a:pt x="1077686" y="0"/>
+                </a:cubicBezTo>
+                <a:cubicBezTo>
+                  <a:pt x="1317112" y="-18255"/>
+                  <a:pt x="1437472" y="23514"/>
+                  <a:pt x="1639389" y="0"/>
+                </a:cubicBezTo>
+                <a:cubicBezTo>
+                  <a:pt x="1841306" y="-23514"/>
+                  <a:pt x="2037142" y="-12551"/>
+                  <a:pt x="2292531" y="0"/>
+                </a:cubicBezTo>
+                <a:cubicBezTo>
+                  <a:pt x="2547920" y="12551"/>
+                  <a:pt x="2810436" y="-20352"/>
+                  <a:pt x="2991394" y="0"/>
+                </a:cubicBezTo>
+                <a:cubicBezTo>
+                  <a:pt x="3172352" y="20352"/>
+                  <a:pt x="3530025" y="-13347"/>
+                  <a:pt x="3735977" y="0"/>
+                </a:cubicBezTo>
+                <a:cubicBezTo>
+                  <a:pt x="3941929" y="13347"/>
+                  <a:pt x="4161497" y="34086"/>
+                  <a:pt x="4572000" y="0"/>
+                </a:cubicBezTo>
+                <a:cubicBezTo>
+                  <a:pt x="4571545" y="6162"/>
+                  <a:pt x="4571903" y="11775"/>
+                  <a:pt x="4572000" y="18288"/>
+                </a:cubicBezTo>
+                <a:cubicBezTo>
+                  <a:pt x="4228040" y="36490"/>
+                  <a:pt x="4199736" y="42557"/>
+                  <a:pt x="3873137" y="18288"/>
+                </a:cubicBezTo>
+                <a:cubicBezTo>
+                  <a:pt x="3546538" y="-5981"/>
+                  <a:pt x="3472124" y="16809"/>
+                  <a:pt x="3128554" y="18288"/>
+                </a:cubicBezTo>
+                <a:cubicBezTo>
+                  <a:pt x="2784984" y="19767"/>
+                  <a:pt x="2735896" y="-17781"/>
+                  <a:pt x="2383971" y="18288"/>
+                </a:cubicBezTo>
+                <a:cubicBezTo>
+                  <a:pt x="2032046" y="54357"/>
+                  <a:pt x="2019324" y="2920"/>
+                  <a:pt x="1867989" y="18288"/>
+                </a:cubicBezTo>
+                <a:cubicBezTo>
+                  <a:pt x="1716654" y="33656"/>
+                  <a:pt x="1418675" y="32575"/>
+                  <a:pt x="1169126" y="18288"/>
+                </a:cubicBezTo>
+                <a:cubicBezTo>
+                  <a:pt x="919577" y="4001"/>
+                  <a:pt x="798537" y="16165"/>
+                  <a:pt x="561703" y="18288"/>
+                </a:cubicBezTo>
+                <a:cubicBezTo>
+                  <a:pt x="324869" y="20411"/>
+                  <a:pt x="221395" y="-912"/>
+                  <a:pt x="0" y="18288"/>
+                </a:cubicBezTo>
+                <a:cubicBezTo>
+                  <a:pt x="766" y="10800"/>
+                  <a:pt x="-457" y="8180"/>
+                  <a:pt x="0" y="0"/>
+                </a:cubicBezTo>
+                <a:close/>
+              </a:path>
+            </a:pathLst>
+          </a:custGeom>
+          <a:solidFill>
+            <a:schemeClr val="accent2"/>
+          </a:solidFill>
+          <a:ln w="41275" cap="rnd">
+            <a:solidFill>
+              <a:schemeClr val="accent2"/>
+            </a:solidFill>
+            <a:round/>
+            <a:extLst>
+              <a:ext uri="{C807C97D-BFC1-408E-A445-0C87EB9F89A2}">
+                <ask:lineSketchStyleProps xmlns:ask="http://schemas.microsoft.com/office/drawing/2018/sketchyshapes" sd="2727557108">
+                  <a:prstGeom prst="rect">
+                    <a:avLst/>
+                  </a:prstGeom>
+                  <ask:type>
+                    <ask:lineSketchFreehand/>
+                  </ask:type>
+                </ask:lineSketchStyleProps>
+              </a:ext>
+            </a:extLst>
+          </a:ln>
+        </p:spPr>
+        <p:style>
+          <a:lnRef idx="2">
+            <a:schemeClr val="accent1">
+              <a:shade val="50000"/>
+            </a:schemeClr>
+          </a:lnRef>
+          <a:fillRef idx="1">
+            <a:schemeClr val="accent1"/>
+          </a:fillRef>
+          <a:effectRef idx="0">
+            <a:schemeClr val="accent1"/>
+          </a:effectRef>
+          <a:fontRef idx="minor">
+            <a:schemeClr val="lt1"/>
+          </a:fontRef>
+        </p:style>
+        <p:txBody>
+          <a:bodyPr rtlCol="0" anchor="ctr"/>
+          <a:lstStyle/>
+          <a:p>
+            <a:pPr algn="ctr"/>
+            <a:endParaRPr lang="en-US"/>
           </a:p>
         </p:txBody>
       </p:sp>
@@ -16105,26 +20372,19 @@
               </a:ext>
             </a:extLst>
           </a:blip>
-          <a:srcRect/>
           <a:stretch>
             <a:fillRect/>
           </a:stretch>
         </p:blipFill>
         <p:spPr bwMode="auto">
           <a:xfrm>
-            <a:off x="1911531" y="2682427"/>
-            <a:ext cx="8229600" cy="3548369"/>
+            <a:off x="1875237" y="2633472"/>
+            <a:ext cx="8438478" cy="3586353"/>
           </a:xfrm>
           <a:prstGeom prst="rect">
             <a:avLst/>
           </a:prstGeom>
           <a:noFill/>
-          <a:ln w="9525">
-            <a:noFill/>
-            <a:miter lim="800000"/>
-            <a:headEnd/>
-            <a:tailEnd/>
-          </a:ln>
           <a:extLst>
             <a:ext uri="{909E8E84-426E-40DD-AFC4-6F175D3DCCD1}">
               <a14:hiddenFill xmlns:a14="http://schemas.microsoft.com/office/drawing/2010/main">
@@ -16162,6 +20422,14 @@
 <file path=ppt/slides/slide9.xml><?xml version="1.0" encoding="utf-8"?>
 <p:sld xmlns:a="http://schemas.openxmlformats.org/drawingml/2006/main" xmlns:r="http://schemas.openxmlformats.org/officeDocument/2006/relationships" xmlns:p="http://schemas.openxmlformats.org/presentationml/2006/main">
   <p:cSld>
+    <p:bg>
+      <p:bgPr>
+        <a:solidFill>
+          <a:schemeClr val="bg1"/>
+        </a:solidFill>
+        <a:effectLst/>
+      </p:bgPr>
+    </p:bg>
     <p:spTree>
       <p:nvGrpSpPr>
         <p:cNvPr id="1" name=""/>
@@ -16176,6 +20444,552 @@
           <a:chExt cx="0" cy="0"/>
         </a:xfrm>
       </p:grpSpPr>
+      <p:sp useBgFill="1">
+        <p:nvSpPr>
+          <p:cNvPr id="9" name="Rectangle 8">
+            <a:extLst>
+              <a:ext uri="{FF2B5EF4-FFF2-40B4-BE49-F238E27FC236}">
+                <a16:creationId xmlns:a16="http://schemas.microsoft.com/office/drawing/2014/main" id="{BACC6370-2D7E-4714-9D71-7542949D7D5D}"/>
+              </a:ext>
+              <a:ext uri="{C183D7F6-B498-43B3-948B-1728B52AA6E4}">
+                <adec:decorative xmlns:adec="http://schemas.microsoft.com/office/drawing/2017/decorative" val="1"/>
+              </a:ext>
+            </a:extLst>
+          </p:cNvPr>
+          <p:cNvSpPr>
+            <a:spLocks noGrp="1" noRot="1" noChangeAspect="1" noMove="1" noResize="1" noEditPoints="1" noAdjustHandles="1" noChangeArrowheads="1" noChangeShapeType="1" noTextEdit="1"/>
+          </p:cNvSpPr>
+          <p:nvPr>
+            <p:extLst>
+              <p:ext uri="{386F3935-93C4-4BCD-93E2-E3B085C9AB24}">
+                <p16:designElem xmlns:p16="http://schemas.microsoft.com/office/powerpoint/2015/main" val="1"/>
+              </p:ext>
+            </p:extLst>
+          </p:nvPr>
+        </p:nvSpPr>
+        <p:spPr>
+          <a:xfrm>
+            <a:off x="0" y="0"/>
+            <a:ext cx="12192000" cy="6858000"/>
+          </a:xfrm>
+          <a:prstGeom prst="rect">
+            <a:avLst/>
+          </a:prstGeom>
+          <a:ln w="12700" cap="flat" cmpd="sng" algn="ctr">
+            <a:noFill/>
+            <a:prstDash val="solid"/>
+            <a:miter lim="800000"/>
+          </a:ln>
+          <a:effectLst/>
+          <a:extLst>
+            <a:ext uri="{91240B29-F687-4F45-9708-019B960494DF}">
+              <a14:hiddenLine xmlns:a14="http://schemas.microsoft.com/office/drawing/2010/main" w="12700" cap="flat" cmpd="sng" algn="ctr">
+                <a:solidFill>
+                  <a:schemeClr val="accent1">
+                    <a:shade val="50000"/>
+                  </a:schemeClr>
+                </a:solidFill>
+                <a:prstDash val="solid"/>
+                <a:miter lim="800000"/>
+              </a14:hiddenLine>
+            </a:ext>
+          </a:extLst>
+        </p:spPr>
+        <p:style>
+          <a:lnRef idx="2">
+            <a:schemeClr val="accent1">
+              <a:shade val="50000"/>
+            </a:schemeClr>
+          </a:lnRef>
+          <a:fillRef idx="1">
+            <a:schemeClr val="accent1"/>
+          </a:fillRef>
+          <a:effectRef idx="0">
+            <a:schemeClr val="accent1"/>
+          </a:effectRef>
+          <a:fontRef idx="minor">
+            <a:schemeClr val="lt1"/>
+          </a:fontRef>
+        </p:style>
+        <p:txBody>
+          <a:bodyPr rtlCol="0" anchor="ctr"/>
+          <a:lstStyle/>
+          <a:p>
+            <a:pPr algn="ctr"/>
+            <a:endParaRPr lang="en-US"/>
+          </a:p>
+        </p:txBody>
+      </p:sp>
+      <p:sp>
+        <p:nvSpPr>
+          <p:cNvPr id="11" name="Rectangle 10">
+            <a:extLst>
+              <a:ext uri="{FF2B5EF4-FFF2-40B4-BE49-F238E27FC236}">
+                <a16:creationId xmlns:a16="http://schemas.microsoft.com/office/drawing/2014/main" id="{256B2C21-A230-48C0-8DF1-C46611373C44}"/>
+              </a:ext>
+              <a:ext uri="{C183D7F6-B498-43B3-948B-1728B52AA6E4}">
+                <adec:decorative xmlns:adec="http://schemas.microsoft.com/office/drawing/2017/decorative" val="1"/>
+              </a:ext>
+            </a:extLst>
+          </p:cNvPr>
+          <p:cNvSpPr>
+            <a:spLocks noGrp="1" noRot="1" noChangeAspect="1" noMove="1" noResize="1" noEditPoints="1" noAdjustHandles="1" noChangeArrowheads="1" noChangeShapeType="1" noTextEdit="1"/>
+          </p:cNvSpPr>
+          <p:nvPr>
+            <p:extLst>
+              <p:ext uri="{386F3935-93C4-4BCD-93E2-E3B085C9AB24}">
+                <p16:designElem xmlns:p16="http://schemas.microsoft.com/office/powerpoint/2015/main" val="1"/>
+              </p:ext>
+            </p:extLst>
+          </p:nvPr>
+        </p:nvSpPr>
+        <p:spPr>
+          <a:xfrm rot="5400000" flipH="1">
+            <a:off x="-1410084" y="1410082"/>
+            <a:ext cx="6858000" cy="4037836"/>
+          </a:xfrm>
+          <a:prstGeom prst="rect">
+            <a:avLst/>
+          </a:prstGeom>
+          <a:gradFill>
+            <a:gsLst>
+              <a:gs pos="8000">
+                <a:srgbClr val="000000"/>
+              </a:gs>
+              <a:gs pos="100000">
+                <a:schemeClr val="accent1">
+                  <a:lumMod val="75000"/>
+                </a:schemeClr>
+              </a:gs>
+            </a:gsLst>
+            <a:lin ang="3000000" scaled="0"/>
+          </a:gradFill>
+          <a:ln>
+            <a:noFill/>
+          </a:ln>
+        </p:spPr>
+        <p:style>
+          <a:lnRef idx="2">
+            <a:schemeClr val="accent1">
+              <a:shade val="50000"/>
+            </a:schemeClr>
+          </a:lnRef>
+          <a:fillRef idx="1">
+            <a:schemeClr val="accent1"/>
+          </a:fillRef>
+          <a:effectRef idx="0">
+            <a:schemeClr val="accent1"/>
+          </a:effectRef>
+          <a:fontRef idx="minor">
+            <a:schemeClr val="lt1"/>
+          </a:fontRef>
+        </p:style>
+        <p:txBody>
+          <a:bodyPr rtlCol="0" anchor="ctr"/>
+          <a:lstStyle/>
+          <a:p>
+            <a:pPr algn="ctr"/>
+            <a:endParaRPr lang="en-US"/>
+          </a:p>
+        </p:txBody>
+      </p:sp>
+      <p:sp>
+        <p:nvSpPr>
+          <p:cNvPr id="13" name="Rectangle 12">
+            <a:extLst>
+              <a:ext uri="{FF2B5EF4-FFF2-40B4-BE49-F238E27FC236}">
+                <a16:creationId xmlns:a16="http://schemas.microsoft.com/office/drawing/2014/main" id="{3847E18C-932D-4C95-AABA-FEC7C9499AD7}"/>
+              </a:ext>
+              <a:ext uri="{C183D7F6-B498-43B3-948B-1728B52AA6E4}">
+                <adec:decorative xmlns:adec="http://schemas.microsoft.com/office/drawing/2017/decorative" val="1"/>
+              </a:ext>
+            </a:extLst>
+          </p:cNvPr>
+          <p:cNvSpPr>
+            <a:spLocks noGrp="1" noRot="1" noChangeAspect="1" noMove="1" noResize="1" noEditPoints="1" noAdjustHandles="1" noChangeArrowheads="1" noChangeShapeType="1" noTextEdit="1"/>
+          </p:cNvSpPr>
+          <p:nvPr>
+            <p:extLst>
+              <p:ext uri="{386F3935-93C4-4BCD-93E2-E3B085C9AB24}">
+                <p16:designElem xmlns:p16="http://schemas.microsoft.com/office/powerpoint/2015/main" val="1"/>
+              </p:ext>
+            </p:extLst>
+          </p:nvPr>
+        </p:nvSpPr>
+        <p:spPr>
+          <a:xfrm rot="5400000" flipH="1">
+            <a:off x="-1410085" y="1420219"/>
+            <a:ext cx="6857999" cy="4037839"/>
+          </a:xfrm>
+          <a:prstGeom prst="rect">
+            <a:avLst/>
+          </a:prstGeom>
+          <a:gradFill>
+            <a:gsLst>
+              <a:gs pos="0">
+                <a:srgbClr val="000000">
+                  <a:alpha val="0"/>
+                </a:srgbClr>
+              </a:gs>
+              <a:gs pos="99000">
+                <a:schemeClr val="accent1">
+                  <a:alpha val="46000"/>
+                </a:schemeClr>
+              </a:gs>
+            </a:gsLst>
+            <a:lin ang="1800000" scaled="0"/>
+          </a:gradFill>
+          <a:ln>
+            <a:noFill/>
+          </a:ln>
+        </p:spPr>
+        <p:style>
+          <a:lnRef idx="2">
+            <a:schemeClr val="accent1">
+              <a:shade val="50000"/>
+            </a:schemeClr>
+          </a:lnRef>
+          <a:fillRef idx="1">
+            <a:schemeClr val="accent1"/>
+          </a:fillRef>
+          <a:effectRef idx="0">
+            <a:schemeClr val="accent1"/>
+          </a:effectRef>
+          <a:fontRef idx="minor">
+            <a:schemeClr val="lt1"/>
+          </a:fontRef>
+        </p:style>
+        <p:txBody>
+          <a:bodyPr rtlCol="0" anchor="ctr"/>
+          <a:lstStyle/>
+          <a:p>
+            <a:pPr algn="ctr"/>
+            <a:endParaRPr lang="en-US"/>
+          </a:p>
+        </p:txBody>
+      </p:sp>
+      <p:sp>
+        <p:nvSpPr>
+          <p:cNvPr id="15" name="Rectangle 14">
+            <a:extLst>
+              <a:ext uri="{FF2B5EF4-FFF2-40B4-BE49-F238E27FC236}">
+                <a16:creationId xmlns:a16="http://schemas.microsoft.com/office/drawing/2014/main" id="{3150CB11-0C61-439E-910F-5787759E72A0}"/>
+              </a:ext>
+              <a:ext uri="{C183D7F6-B498-43B3-948B-1728B52AA6E4}">
+                <adec:decorative xmlns:adec="http://schemas.microsoft.com/office/drawing/2017/decorative" val="1"/>
+              </a:ext>
+            </a:extLst>
+          </p:cNvPr>
+          <p:cNvSpPr>
+            <a:spLocks noGrp="1" noRot="1" noChangeAspect="1" noMove="1" noResize="1" noEditPoints="1" noAdjustHandles="1" noChangeArrowheads="1" noChangeShapeType="1" noTextEdit="1"/>
+          </p:cNvSpPr>
+          <p:nvPr>
+            <p:extLst>
+              <p:ext uri="{386F3935-93C4-4BCD-93E2-E3B085C9AB24}">
+                <p16:designElem xmlns:p16="http://schemas.microsoft.com/office/powerpoint/2015/main" val="1"/>
+              </p:ext>
+            </p:extLst>
+          </p:nvPr>
+        </p:nvSpPr>
+        <p:spPr>
+          <a:xfrm rot="5400000" flipH="1">
+            <a:off x="767923" y="3588085"/>
+            <a:ext cx="2501979" cy="4037841"/>
+          </a:xfrm>
+          <a:prstGeom prst="rect">
+            <a:avLst/>
+          </a:prstGeom>
+          <a:gradFill>
+            <a:gsLst>
+              <a:gs pos="2000">
+                <a:schemeClr val="accent1">
+                  <a:alpha val="29000"/>
+                </a:schemeClr>
+              </a:gs>
+              <a:gs pos="100000">
+                <a:srgbClr val="000000">
+                  <a:alpha val="30000"/>
+                </a:srgbClr>
+              </a:gs>
+            </a:gsLst>
+            <a:lin ang="7800000" scaled="0"/>
+          </a:gradFill>
+          <a:ln>
+            <a:noFill/>
+          </a:ln>
+        </p:spPr>
+        <p:style>
+          <a:lnRef idx="2">
+            <a:schemeClr val="accent1">
+              <a:shade val="50000"/>
+            </a:schemeClr>
+          </a:lnRef>
+          <a:fillRef idx="1">
+            <a:schemeClr val="accent1"/>
+          </a:fillRef>
+          <a:effectRef idx="0">
+            <a:schemeClr val="accent1"/>
+          </a:effectRef>
+          <a:fontRef idx="minor">
+            <a:schemeClr val="lt1"/>
+          </a:fontRef>
+        </p:style>
+        <p:txBody>
+          <a:bodyPr rtlCol="0" anchor="ctr"/>
+          <a:lstStyle/>
+          <a:p>
+            <a:pPr algn="ctr"/>
+            <a:endParaRPr lang="en-US" dirty="0"/>
+          </a:p>
+        </p:txBody>
+      </p:sp>
+      <p:sp>
+        <p:nvSpPr>
+          <p:cNvPr id="17" name="Freeform: Shape 16">
+            <a:extLst>
+              <a:ext uri="{FF2B5EF4-FFF2-40B4-BE49-F238E27FC236}">
+                <a16:creationId xmlns:a16="http://schemas.microsoft.com/office/drawing/2014/main" id="{43F8A58B-5155-44CE-A5FF-7647B47D0A7A}"/>
+              </a:ext>
+              <a:ext uri="{C183D7F6-B498-43B3-948B-1728B52AA6E4}">
+                <adec:decorative xmlns:adec="http://schemas.microsoft.com/office/drawing/2017/decorative" val="1"/>
+              </a:ext>
+            </a:extLst>
+          </p:cNvPr>
+          <p:cNvSpPr>
+            <a:spLocks noGrp="1" noRot="1" noChangeAspect="1" noMove="1" noResize="1" noEditPoints="1" noAdjustHandles="1" noChangeArrowheads="1" noChangeShapeType="1" noTextEdit="1"/>
+          </p:cNvSpPr>
+          <p:nvPr>
+            <p:extLst>
+              <p:ext uri="{386F3935-93C4-4BCD-93E2-E3B085C9AB24}">
+                <p16:designElem xmlns:p16="http://schemas.microsoft.com/office/powerpoint/2015/main" val="1"/>
+              </p:ext>
+            </p:extLst>
+          </p:nvPr>
+        </p:nvSpPr>
+        <p:spPr>
+          <a:xfrm rot="20635413">
+            <a:off x="-501737" y="969718"/>
+            <a:ext cx="3900357" cy="4178958"/>
+          </a:xfrm>
+          <a:custGeom>
+            <a:avLst/>
+            <a:gdLst>
+              <a:gd name="connsiteX0" fmla="*/ 2432225 w 3900357"/>
+              <a:gd name="connsiteY0" fmla="*/ 93939 h 4178958"/>
+              <a:gd name="connsiteX1" fmla="*/ 3900357 w 3900357"/>
+              <a:gd name="connsiteY1" fmla="*/ 2089479 h 4178958"/>
+              <a:gd name="connsiteX2" fmla="*/ 1810878 w 3900357"/>
+              <a:gd name="connsiteY2" fmla="*/ 4178958 h 4178958"/>
+              <a:gd name="connsiteX3" fmla="*/ 78249 w 3900357"/>
+              <a:gd name="connsiteY3" fmla="*/ 3257727 h 4178958"/>
+              <a:gd name="connsiteX4" fmla="*/ 0 w 3900357"/>
+              <a:gd name="connsiteY4" fmla="*/ 3128923 h 4178958"/>
+              <a:gd name="connsiteX5" fmla="*/ 831324 w 3900357"/>
+              <a:gd name="connsiteY5" fmla="*/ 244281 h 4178958"/>
+              <a:gd name="connsiteX6" fmla="*/ 997559 w 3900357"/>
+              <a:gd name="connsiteY6" fmla="*/ 164202 h 4178958"/>
+              <a:gd name="connsiteX7" fmla="*/ 1810878 w 3900357"/>
+              <a:gd name="connsiteY7" fmla="*/ 0 h 4178958"/>
+              <a:gd name="connsiteX8" fmla="*/ 2432225 w 3900357"/>
+              <a:gd name="connsiteY8" fmla="*/ 93939 h 4178958"/>
+            </a:gdLst>
+            <a:ahLst/>
+            <a:cxnLst>
+              <a:cxn ang="0">
+                <a:pos x="connsiteX0" y="connsiteY0"/>
+              </a:cxn>
+              <a:cxn ang="0">
+                <a:pos x="connsiteX1" y="connsiteY1"/>
+              </a:cxn>
+              <a:cxn ang="0">
+                <a:pos x="connsiteX2" y="connsiteY2"/>
+              </a:cxn>
+              <a:cxn ang="0">
+                <a:pos x="connsiteX3" y="connsiteY3"/>
+              </a:cxn>
+              <a:cxn ang="0">
+                <a:pos x="connsiteX4" y="connsiteY4"/>
+              </a:cxn>
+              <a:cxn ang="0">
+                <a:pos x="connsiteX5" y="connsiteY5"/>
+              </a:cxn>
+              <a:cxn ang="0">
+                <a:pos x="connsiteX6" y="connsiteY6"/>
+              </a:cxn>
+              <a:cxn ang="0">
+                <a:pos x="connsiteX7" y="connsiteY7"/>
+              </a:cxn>
+              <a:cxn ang="0">
+                <a:pos x="connsiteX8" y="connsiteY8"/>
+              </a:cxn>
+            </a:cxnLst>
+            <a:rect l="l" t="t" r="r" b="b"/>
+            <a:pathLst>
+              <a:path w="3900357" h="4178958">
+                <a:moveTo>
+                  <a:pt x="2432225" y="93939"/>
+                </a:moveTo>
+                <a:cubicBezTo>
+                  <a:pt x="3282786" y="358491"/>
+                  <a:pt x="3900357" y="1151865"/>
+                  <a:pt x="3900357" y="2089479"/>
+                </a:cubicBezTo>
+                <a:cubicBezTo>
+                  <a:pt x="3900357" y="3243466"/>
+                  <a:pt x="2964865" y="4178958"/>
+                  <a:pt x="1810878" y="4178958"/>
+                </a:cubicBezTo>
+                <a:cubicBezTo>
+                  <a:pt x="1089636" y="4178958"/>
+                  <a:pt x="453744" y="3813531"/>
+                  <a:pt x="78249" y="3257727"/>
+                </a:cubicBezTo>
+                <a:lnTo>
+                  <a:pt x="0" y="3128923"/>
+                </a:lnTo>
+                <a:lnTo>
+                  <a:pt x="831324" y="244281"/>
+                </a:lnTo>
+                <a:lnTo>
+                  <a:pt x="997559" y="164202"/>
+                </a:lnTo>
+                <a:cubicBezTo>
+                  <a:pt x="1247540" y="58468"/>
+                  <a:pt x="1522381" y="0"/>
+                  <a:pt x="1810878" y="0"/>
+                </a:cubicBezTo>
+                <a:cubicBezTo>
+                  <a:pt x="2027251" y="0"/>
+                  <a:pt x="2235942" y="32888"/>
+                  <a:pt x="2432225" y="93939"/>
+                </a:cubicBezTo>
+                <a:close/>
+              </a:path>
+            </a:pathLst>
+          </a:custGeom>
+          <a:gradFill>
+            <a:gsLst>
+              <a:gs pos="29000">
+                <a:srgbClr val="000000">
+                  <a:alpha val="0"/>
+                </a:srgbClr>
+              </a:gs>
+              <a:gs pos="100000">
+                <a:schemeClr val="accent1">
+                  <a:alpha val="43000"/>
+                </a:schemeClr>
+              </a:gs>
+            </a:gsLst>
+            <a:lin ang="1800000" scaled="0"/>
+          </a:gradFill>
+          <a:ln>
+            <a:noFill/>
+          </a:ln>
+        </p:spPr>
+        <p:style>
+          <a:lnRef idx="2">
+            <a:schemeClr val="accent1">
+              <a:shade val="50000"/>
+            </a:schemeClr>
+          </a:lnRef>
+          <a:fillRef idx="1">
+            <a:schemeClr val="accent1"/>
+          </a:fillRef>
+          <a:effectRef idx="0">
+            <a:schemeClr val="accent1"/>
+          </a:effectRef>
+          <a:fontRef idx="minor">
+            <a:schemeClr val="lt1"/>
+          </a:fontRef>
+        </p:style>
+        <p:txBody>
+          <a:bodyPr wrap="square" rtlCol="0" anchor="ctr">
+            <a:noAutofit/>
+          </a:bodyPr>
+          <a:lstStyle/>
+          <a:p>
+            <a:pPr algn="ctr"/>
+            <a:endParaRPr lang="en-US" dirty="0"/>
+          </a:p>
+        </p:txBody>
+      </p:sp>
+      <p:sp>
+        <p:nvSpPr>
+          <p:cNvPr id="19" name="Rectangle 18">
+            <a:extLst>
+              <a:ext uri="{FF2B5EF4-FFF2-40B4-BE49-F238E27FC236}">
+                <a16:creationId xmlns:a16="http://schemas.microsoft.com/office/drawing/2014/main" id="{443F2ACA-E6D6-4028-82DD-F03C262D5DE6}"/>
+              </a:ext>
+              <a:ext uri="{C183D7F6-B498-43B3-948B-1728B52AA6E4}">
+                <adec:decorative xmlns:adec="http://schemas.microsoft.com/office/drawing/2017/decorative" val="1"/>
+              </a:ext>
+            </a:extLst>
+          </p:cNvPr>
+          <p:cNvSpPr>
+            <a:spLocks noGrp="1" noRot="1" noChangeAspect="1" noMove="1" noResize="1" noEditPoints="1" noAdjustHandles="1" noChangeArrowheads="1" noChangeShapeType="1" noTextEdit="1"/>
+          </p:cNvSpPr>
+          <p:nvPr>
+            <p:extLst>
+              <p:ext uri="{386F3935-93C4-4BCD-93E2-E3B085C9AB24}">
+                <p16:designElem xmlns:p16="http://schemas.microsoft.com/office/powerpoint/2015/main" val="1"/>
+              </p:ext>
+            </p:extLst>
+          </p:nvPr>
+        </p:nvSpPr>
+        <p:spPr>
+          <a:xfrm rot="5400000" flipH="1">
+            <a:off x="-1410095" y="1410079"/>
+            <a:ext cx="6858003" cy="4037835"/>
+          </a:xfrm>
+          <a:prstGeom prst="rect">
+            <a:avLst/>
+          </a:prstGeom>
+          <a:gradFill>
+            <a:gsLst>
+              <a:gs pos="0">
+                <a:srgbClr val="000000">
+                  <a:alpha val="0"/>
+                </a:srgbClr>
+              </a:gs>
+              <a:gs pos="99000">
+                <a:schemeClr val="accent1">
+                  <a:lumMod val="60000"/>
+                  <a:lumOff val="40000"/>
+                  <a:alpha val="11000"/>
+                </a:schemeClr>
+              </a:gs>
+            </a:gsLst>
+            <a:lin ang="7200000" scaled="0"/>
+          </a:gradFill>
+          <a:ln>
+            <a:noFill/>
+          </a:ln>
+        </p:spPr>
+        <p:style>
+          <a:lnRef idx="2">
+            <a:schemeClr val="accent1">
+              <a:shade val="50000"/>
+            </a:schemeClr>
+          </a:lnRef>
+          <a:fillRef idx="1">
+            <a:schemeClr val="accent1"/>
+          </a:fillRef>
+          <a:effectRef idx="0">
+            <a:schemeClr val="accent1"/>
+          </a:effectRef>
+          <a:fontRef idx="minor">
+            <a:schemeClr val="lt1"/>
+          </a:fontRef>
+        </p:style>
+        <p:txBody>
+          <a:bodyPr rtlCol="0" anchor="ctr"/>
+          <a:lstStyle/>
+          <a:p>
+            <a:pPr algn="ctr"/>
+            <a:endParaRPr lang="en-US"/>
+          </a:p>
+        </p:txBody>
+      </p:sp>
       <p:sp>
         <p:nvSpPr>
           <p:cNvPr id="2" name="Title 1">
@@ -16192,87 +21006,61 @@
             <p:ph type="title"/>
           </p:nvPr>
         </p:nvSpPr>
-        <p:spPr/>
+        <p:spPr>
+          <a:xfrm>
+            <a:off x="586478" y="1683756"/>
+            <a:ext cx="3115265" cy="2396359"/>
+          </a:xfrm>
+        </p:spPr>
         <p:txBody>
-          <a:bodyPr/>
+          <a:bodyPr anchor="b">
+            <a:normAutofit/>
+          </a:bodyPr>
           <a:lstStyle/>
           <a:p>
-            <a:r>
-              <a:rPr lang="en-US" dirty="0"/>
+            <a:pPr algn="r"/>
+            <a:r>
+              <a:rPr lang="en-US" sz="4000">
+                <a:solidFill>
+                  <a:srgbClr val="FFFFFF"/>
+                </a:solidFill>
+              </a:rPr>
               <a:t>Step 3: Select a Sampling Procedure</a:t>
             </a:r>
           </a:p>
         </p:txBody>
       </p:sp>
-      <p:sp>
-        <p:nvSpPr>
-          <p:cNvPr id="3" name="Content Placeholder 2">
+      <p:graphicFrame>
+        <p:nvGraphicFramePr>
+          <p:cNvPr id="29" name="Content Placeholder 2">
             <a:extLst>
               <a:ext uri="{FF2B5EF4-FFF2-40B4-BE49-F238E27FC236}">
-                <a16:creationId xmlns:a16="http://schemas.microsoft.com/office/drawing/2014/main" id="{05D87B08-A8AA-4B0F-822C-A7855DB1D649}"/>
+                <a16:creationId xmlns:a16="http://schemas.microsoft.com/office/drawing/2014/main" id="{23209181-F38C-45C3-8B28-7F3EF5754585}"/>
               </a:ext>
             </a:extLst>
           </p:cNvPr>
-          <p:cNvSpPr>
-            <a:spLocks noGrp="1"/>
-          </p:cNvSpPr>
+          <p:cNvGraphicFramePr>
+            <a:graphicFrameLocks noGrp="1"/>
+          </p:cNvGraphicFramePr>
           <p:nvPr>
             <p:ph idx="1"/>
+            <p:extLst>
+              <p:ext uri="{D42A27DB-BD31-4B8C-83A1-F6EECF244321}">
+                <p14:modId xmlns:p14="http://schemas.microsoft.com/office/powerpoint/2010/main" val="1348034297"/>
+              </p:ext>
+            </p:extLst>
           </p:nvPr>
-        </p:nvSpPr>
-        <p:spPr/>
-        <p:txBody>
-          <a:bodyPr/>
-          <a:lstStyle/>
-          <a:p>
-            <a:r>
-              <a:rPr lang="en-US" dirty="0"/>
-              <a:t>Nonprobability sample </a:t>
-            </a:r>
-          </a:p>
-          <a:p>
-            <a:pPr lvl="1"/>
-            <a:r>
-              <a:rPr lang="en-US" dirty="0"/>
-              <a:t>A sample that relies on personal judgment in the element selection process</a:t>
-            </a:r>
-          </a:p>
-          <a:p>
-            <a:pPr lvl="1"/>
-            <a:r>
-              <a:rPr lang="en-US" dirty="0"/>
-              <a:t>With nonprobability samples, sampling error cannot be estimated and we cannot calculate the margin of sampling error </a:t>
-            </a:r>
-          </a:p>
-          <a:p>
-            <a:r>
-              <a:rPr lang="en-US" dirty="0"/>
-              <a:t>Example: </a:t>
-            </a:r>
-          </a:p>
-          <a:p>
-            <a:pPr lvl="1"/>
-            <a:r>
-              <a:rPr lang="en-US" dirty="0"/>
-              <a:t>Convenience </a:t>
-            </a:r>
-          </a:p>
-          <a:p>
-            <a:pPr lvl="1"/>
-            <a:r>
-              <a:rPr lang="en-US" dirty="0"/>
-              <a:t>Judgment (e.g., snowball) </a:t>
-            </a:r>
-          </a:p>
-          <a:p>
-            <a:pPr lvl="1"/>
-            <a:r>
-              <a:rPr lang="en-US" dirty="0"/>
-              <a:t>Quota </a:t>
-            </a:r>
-          </a:p>
-        </p:txBody>
-      </p:sp>
+        </p:nvGraphicFramePr>
+        <p:xfrm>
+          <a:off x="4905052" y="750440"/>
+          <a:ext cx="6666833" cy="5453920"/>
+        </p:xfrm>
+        <a:graphic>
+          <a:graphicData uri="http://schemas.openxmlformats.org/drawingml/2006/diagram">
+            <dgm:relIds xmlns:dgm="http://schemas.openxmlformats.org/drawingml/2006/diagram" xmlns:r="http://schemas.openxmlformats.org/officeDocument/2006/relationships" r:dm="rId2" r:lo="rId3" r:qs="rId4" r:cs="rId5"/>
+          </a:graphicData>
+        </a:graphic>
+      </p:graphicFrame>
     </p:spTree>
     <p:extLst>
       <p:ext uri="{BB962C8B-B14F-4D97-AF65-F5344CB8AC3E}">

--- a/lectures/7/Developing the sampling plan.pptx
+++ b/lectures/7/Developing the sampling plan.pptx
@@ -6075,7 +6075,7 @@
           <a:p>
             <a:fld id="{73B2889B-A0AC-4482-8592-5C96F2309420}" type="datetimeFigureOut">
               <a:rPr lang="en-US" smtClean="0"/>
-              <a:t>10/3/2021</a:t>
+              <a:t>10/4/2021</a:t>
             </a:fld>
             <a:endParaRPr lang="en-US"/>
           </a:p>
@@ -6252,7 +6252,7 @@
           <a:p>
             <a:fld id="{830EB223-FFC0-462A-A3B8-EAA7CE0F8CBD}" type="datetimeFigureOut">
               <a:rPr lang="en-US" smtClean="0"/>
-              <a:t>10/3/2021</a:t>
+              <a:t>10/4/2021</a:t>
             </a:fld>
             <a:endParaRPr lang="en-US" dirty="0"/>
           </a:p>
@@ -9232,7 +9232,7 @@
           <a:p>
             <a:fld id="{DECF21A4-E71B-4D3A-AF45-E989C23A7BB1}" type="datetimeFigureOut">
               <a:rPr lang="en-US" smtClean="0"/>
-              <a:t>10/3/2021</a:t>
+              <a:t>10/4/2021</a:t>
             </a:fld>
             <a:endParaRPr lang="en-US" dirty="0"/>
           </a:p>
@@ -9430,7 +9430,7 @@
           <a:p>
             <a:fld id="{DECF21A4-E71B-4D3A-AF45-E989C23A7BB1}" type="datetimeFigureOut">
               <a:rPr lang="en-US" smtClean="0"/>
-              <a:t>10/3/2021</a:t>
+              <a:t>10/4/2021</a:t>
             </a:fld>
             <a:endParaRPr lang="en-US" dirty="0"/>
           </a:p>
@@ -9638,7 +9638,7 @@
           <a:p>
             <a:fld id="{DECF21A4-E71B-4D3A-AF45-E989C23A7BB1}" type="datetimeFigureOut">
               <a:rPr lang="en-US" smtClean="0"/>
-              <a:t>10/3/2021</a:t>
+              <a:t>10/4/2021</a:t>
             </a:fld>
             <a:endParaRPr lang="en-US" dirty="0"/>
           </a:p>
@@ -9836,7 +9836,7 @@
           <a:p>
             <a:fld id="{DECF21A4-E71B-4D3A-AF45-E989C23A7BB1}" type="datetimeFigureOut">
               <a:rPr lang="en-US" smtClean="0"/>
-              <a:t>10/3/2021</a:t>
+              <a:t>10/4/2021</a:t>
             </a:fld>
             <a:endParaRPr lang="en-US" dirty="0"/>
           </a:p>
@@ -10111,7 +10111,7 @@
           <a:p>
             <a:fld id="{DECF21A4-E71B-4D3A-AF45-E989C23A7BB1}" type="datetimeFigureOut">
               <a:rPr lang="en-US" smtClean="0"/>
-              <a:t>10/3/2021</a:t>
+              <a:t>10/4/2021</a:t>
             </a:fld>
             <a:endParaRPr lang="en-US" dirty="0"/>
           </a:p>
@@ -10376,7 +10376,7 @@
           <a:p>
             <a:fld id="{DECF21A4-E71B-4D3A-AF45-E989C23A7BB1}" type="datetimeFigureOut">
               <a:rPr lang="en-US" smtClean="0"/>
-              <a:t>10/3/2021</a:t>
+              <a:t>10/4/2021</a:t>
             </a:fld>
             <a:endParaRPr lang="en-US" dirty="0"/>
           </a:p>
@@ -10788,7 +10788,7 @@
           <a:p>
             <a:fld id="{DECF21A4-E71B-4D3A-AF45-E989C23A7BB1}" type="datetimeFigureOut">
               <a:rPr lang="en-US" smtClean="0"/>
-              <a:t>10/3/2021</a:t>
+              <a:t>10/4/2021</a:t>
             </a:fld>
             <a:endParaRPr lang="en-US" dirty="0"/>
           </a:p>
@@ -10929,7 +10929,7 @@
           <a:p>
             <a:fld id="{DECF21A4-E71B-4D3A-AF45-E989C23A7BB1}" type="datetimeFigureOut">
               <a:rPr lang="en-US" smtClean="0"/>
-              <a:t>10/3/2021</a:t>
+              <a:t>10/4/2021</a:t>
             </a:fld>
             <a:endParaRPr lang="en-US" dirty="0"/>
           </a:p>
@@ -11042,7 +11042,7 @@
           <a:p>
             <a:fld id="{DECF21A4-E71B-4D3A-AF45-E989C23A7BB1}" type="datetimeFigureOut">
               <a:rPr lang="en-US" smtClean="0"/>
-              <a:t>10/3/2021</a:t>
+              <a:t>10/4/2021</a:t>
             </a:fld>
             <a:endParaRPr lang="en-US" dirty="0"/>
           </a:p>
@@ -11353,7 +11353,7 @@
           <a:p>
             <a:fld id="{DECF21A4-E71B-4D3A-AF45-E989C23A7BB1}" type="datetimeFigureOut">
               <a:rPr lang="en-US" smtClean="0"/>
-              <a:t>10/3/2021</a:t>
+              <a:t>10/4/2021</a:t>
             </a:fld>
             <a:endParaRPr lang="en-US" dirty="0"/>
           </a:p>
@@ -11645,7 +11645,7 @@
           <a:p>
             <a:fld id="{DECF21A4-E71B-4D3A-AF45-E989C23A7BB1}" type="datetimeFigureOut">
               <a:rPr lang="en-US" smtClean="0"/>
-              <a:t>10/3/2021</a:t>
+              <a:t>10/4/2021</a:t>
             </a:fld>
             <a:endParaRPr lang="en-US" dirty="0"/>
           </a:p>
@@ -11886,7 +11886,7 @@
           <a:p>
             <a:fld id="{DECF21A4-E71B-4D3A-AF45-E989C23A7BB1}" type="datetimeFigureOut">
               <a:rPr lang="en-US" smtClean="0"/>
-              <a:t>10/3/2021</a:t>
+              <a:t>10/4/2021</a:t>
             </a:fld>
             <a:endParaRPr lang="en-US" dirty="0"/>
           </a:p>
@@ -20118,8 +20118,8 @@
           </a:p>
         </p:txBody>
       </p:sp>
-      <mc:AlternateContent xmlns:mc="http://schemas.openxmlformats.org/markup-compatibility/2006">
-        <mc:Choice xmlns:a14="http://schemas.microsoft.com/office/drawing/2010/main" Requires="a14">
+      <mc:AlternateContent xmlns:mc="http://schemas.openxmlformats.org/markup-compatibility/2006" xmlns:a14="http://schemas.microsoft.com/office/drawing/2010/main">
+        <mc:Choice Requires="a14">
           <p:sp>
             <p:nvSpPr>
               <p:cNvPr id="3" name="Content Placeholder 2">
@@ -20200,19 +20200,7 @@
                               <a:rPr lang="en-US" b="0" i="1" smtClean="0">
                                 <a:latin typeface="Cambria Math" panose="02040503050406030204" pitchFamily="18" charset="0"/>
                               </a:rPr>
-                              <m:t>𝑛</m:t>
-                            </m:r>
-                            <m:r>
-                              <a:rPr lang="en-US" b="0" i="1" smtClean="0">
-                                <a:latin typeface="Cambria Math" panose="02040503050406030204" pitchFamily="18" charset="0"/>
-                              </a:rPr>
-                              <m:t>𝑢𝑚𝑏</m:t>
-                            </m:r>
-                            <m:r>
-                              <a:rPr lang="en-US" b="0" i="1" smtClean="0">
-                                <a:latin typeface="Cambria Math" panose="02040503050406030204" pitchFamily="18" charset="0"/>
-                              </a:rPr>
-                              <m:t>𝑒𝑟</m:t>
+                              <m:t>𝑛𝑢𝑚𝑏𝑒𝑟</m:t>
                             </m:r>
                             <m:r>
                               <a:rPr lang="en-US" b="0" i="1" smtClean="0">
@@ -20305,19 +20293,7 @@
                               <a:rPr lang="en-US" b="0" i="1" smtClean="0">
                                 <a:latin typeface="Cambria Math" panose="02040503050406030204" pitchFamily="18" charset="0"/>
                               </a:rPr>
-                              <m:t>𝑛𝑢</m:t>
-                            </m:r>
-                            <m:r>
-                              <a:rPr lang="en-US" b="0" i="1" smtClean="0">
-                                <a:latin typeface="Cambria Math" panose="02040503050406030204" pitchFamily="18" charset="0"/>
-                              </a:rPr>
-                              <m:t>𝑚𝑏</m:t>
-                            </m:r>
-                            <m:r>
-                              <a:rPr lang="en-US" b="0" i="1" smtClean="0">
-                                <a:latin typeface="Cambria Math" panose="02040503050406030204" pitchFamily="18" charset="0"/>
-                              </a:rPr>
-                              <m:t>𝑒𝑟</m:t>
+                              <m:t>𝑛𝑢𝑚𝑏𝑒𝑟</m:t>
                             </m:r>
                             <m:r>
                               <a:rPr lang="en-US" b="0" i="1" smtClean="0">
@@ -21304,7 +21280,7 @@
             </p:txBody>
           </p:sp>
         </mc:Choice>
-        <mc:Fallback>
+        <mc:Fallback xmlns="">
           <p:sp>
             <p:nvSpPr>
               <p:cNvPr id="3" name="Content Placeholder 2">
@@ -21457,7 +21433,7 @@
               <a:p>
                 <a:r>
                   <a:rPr lang="en-US" dirty="0"/>
-                  <a:t>What was your response rate? </a:t>
+                  <a:t>What is your response rate? </a:t>
                 </a:r>
               </a:p>
               <a:p>
@@ -35853,14 +35829,6 @@
 </file>
 
 <file path=customXml/item1.xml><?xml version="1.0" encoding="utf-8"?>
-<p:properties xmlns:p="http://schemas.microsoft.com/office/2006/metadata/properties" xmlns:xsi="http://www.w3.org/2001/XMLSchema-instance" xmlns:pc="http://schemas.microsoft.com/office/infopath/2007/PartnerControls">
-  <documentManagement>
-    <MediaServiceKeyPoints xmlns="71af3243-3dd4-4a8d-8c0d-dd76da1f02a5" xsi:nil="true"/>
-  </documentManagement>
-</p:properties>
-</file>
-
-<file path=customXml/item2.xml><?xml version="1.0" encoding="utf-8"?>
 <ct:contentTypeSchema xmlns:ct="http://schemas.microsoft.com/office/2006/metadata/contentType" xmlns:ma="http://schemas.microsoft.com/office/2006/metadata/properties/metaAttributes" ct:_="" ma:_="" ma:contentTypeName="Document" ma:contentTypeID="0x01010079F111ED35F8CC479449609E8A0923A6" ma:contentTypeVersion="11" ma:contentTypeDescription="Create a new document." ma:contentTypeScope="" ma:versionID="96291512c1ee715ab617f4c07df79fc1">
   <xsd:schema xmlns:xsd="http://www.w3.org/2001/XMLSchema" xmlns:xs="http://www.w3.org/2001/XMLSchema" xmlns:p="http://schemas.microsoft.com/office/2006/metadata/properties" xmlns:ns2="71af3243-3dd4-4a8d-8c0d-dd76da1f02a5" xmlns:ns3="16c05727-aa75-4e4a-9b5f-8a80a1165891" targetNamespace="http://schemas.microsoft.com/office/2006/metadata/properties" ma:root="true" ma:fieldsID="8256c27c40ca5c40ce1cf6c44f0205df" ns2:_="" ns3:_="">
     <xsd:import namespace="71af3243-3dd4-4a8d-8c0d-dd76da1f02a5"/>
@@ -36071,6 +36039,14 @@
 </ct:contentTypeSchema>
 </file>
 
+<file path=customXml/item2.xml><?xml version="1.0" encoding="utf-8"?>
+<p:properties xmlns:p="http://schemas.microsoft.com/office/2006/metadata/properties" xmlns:xsi="http://www.w3.org/2001/XMLSchema-instance" xmlns:pc="http://schemas.microsoft.com/office/infopath/2007/PartnerControls">
+  <documentManagement>
+    <MediaServiceKeyPoints xmlns="71af3243-3dd4-4a8d-8c0d-dd76da1f02a5" xsi:nil="true"/>
+  </documentManagement>
+</p:properties>
+</file>
+
 <file path=customXml/item3.xml><?xml version="1.0" encoding="utf-8"?>
 <?mso-contentType ?>
 <FormTemplates xmlns="http://schemas.microsoft.com/sharepoint/v3/contenttype/forms">
@@ -36081,16 +36057,6 @@
 </file>
 
 <file path=customXml/itemProps1.xml><?xml version="1.0" encoding="utf-8"?>
-<ds:datastoreItem xmlns:ds="http://schemas.openxmlformats.org/officeDocument/2006/customXml" ds:itemID="{03C7D9E6-B0D9-433E-BD46-EB60F64F4DA8}">
-  <ds:schemaRefs>
-    <ds:schemaRef ds:uri="http://schemas.microsoft.com/office/2006/metadata/properties"/>
-    <ds:schemaRef ds:uri="http://schemas.microsoft.com/office/infopath/2007/PartnerControls"/>
-    <ds:schemaRef ds:uri="71af3243-3dd4-4a8d-8c0d-dd76da1f02a5"/>
-  </ds:schemaRefs>
-</ds:datastoreItem>
-</file>
-
-<file path=customXml/itemProps2.xml><?xml version="1.0" encoding="utf-8"?>
 <ds:datastoreItem xmlns:ds="http://schemas.openxmlformats.org/officeDocument/2006/customXml" ds:itemID="{B2AB02E3-5ADF-4BF0-9C1B-35CDF3FE95B0}">
   <ds:schemaRefs>
     <ds:schemaRef ds:uri="http://schemas.microsoft.com/office/2006/metadata/contentType"/>
@@ -36109,6 +36075,16 @@
 </ds:datastoreItem>
 </file>
 
+<file path=customXml/itemProps2.xml><?xml version="1.0" encoding="utf-8"?>
+<ds:datastoreItem xmlns:ds="http://schemas.openxmlformats.org/officeDocument/2006/customXml" ds:itemID="{03C7D9E6-B0D9-433E-BD46-EB60F64F4DA8}">
+  <ds:schemaRefs>
+    <ds:schemaRef ds:uri="http://schemas.microsoft.com/office/2006/metadata/properties"/>
+    <ds:schemaRef ds:uri="http://schemas.microsoft.com/office/infopath/2007/PartnerControls"/>
+    <ds:schemaRef ds:uri="71af3243-3dd4-4a8d-8c0d-dd76da1f02a5"/>
+  </ds:schemaRefs>
+</ds:datastoreItem>
+</file>
+
 <file path=customXml/itemProps3.xml><?xml version="1.0" encoding="utf-8"?>
 <ds:datastoreItem xmlns:ds="http://schemas.openxmlformats.org/officeDocument/2006/customXml" ds:itemID="{5CA875DA-F9FD-4F83-A049-3B1027B542DE}">
   <ds:schemaRefs>
